--- a/Youtube_tutorial/Notes.pptx
+++ b/Youtube_tutorial/Notes.pptx
@@ -15,6 +15,19 @@
     <p:sldId id="264" r:id="rId9"/>
     <p:sldId id="265" r:id="rId10"/>
     <p:sldId id="266" r:id="rId11"/>
+    <p:sldId id="267" r:id="rId12"/>
+    <p:sldId id="268" r:id="rId13"/>
+    <p:sldId id="269" r:id="rId14"/>
+    <p:sldId id="270" r:id="rId15"/>
+    <p:sldId id="271" r:id="rId16"/>
+    <p:sldId id="272" r:id="rId17"/>
+    <p:sldId id="273" r:id="rId18"/>
+    <p:sldId id="274" r:id="rId19"/>
+    <p:sldId id="275" r:id="rId20"/>
+    <p:sldId id="276" r:id="rId21"/>
+    <p:sldId id="277" r:id="rId22"/>
+    <p:sldId id="278" r:id="rId23"/>
+    <p:sldId id="279" r:id="rId24"/>
   </p:sldIdLst>
   <p:sldSz cx="12192000" cy="6858000"/>
   <p:notesSz cx="6858000" cy="9144000"/>
@@ -113,6 +126,11 @@
       </a:defRPr>
     </a:lvl9pPr>
   </p:defaultTextStyle>
+  <p:extLst>
+    <p:ext uri="{EFAFB233-063F-42B5-8137-9DF3F51BA10A}">
+      <p15:sldGuideLst xmlns:p15="http://schemas.microsoft.com/office/powerpoint/2012/main"/>
+    </p:ext>
+  </p:extLst>
 </p:presentation>
 </file>
 
@@ -263,7 +281,7 @@
           <a:p>
             <a:fld id="{2B2593D1-B1B8-4118-AA01-962ACD022BA4}" type="datetimeFigureOut">
               <a:rPr lang="en-US" smtClean="0"/>
-              <a:t>9/5/2021</a:t>
+              <a:t>9/7/2021</a:t>
             </a:fld>
             <a:endParaRPr lang="en-US"/>
           </a:p>
@@ -461,7 +479,7 @@
           <a:p>
             <a:fld id="{2B2593D1-B1B8-4118-AA01-962ACD022BA4}" type="datetimeFigureOut">
               <a:rPr lang="en-US" smtClean="0"/>
-              <a:t>9/5/2021</a:t>
+              <a:t>9/7/2021</a:t>
             </a:fld>
             <a:endParaRPr lang="en-US"/>
           </a:p>
@@ -669,7 +687,7 @@
           <a:p>
             <a:fld id="{2B2593D1-B1B8-4118-AA01-962ACD022BA4}" type="datetimeFigureOut">
               <a:rPr lang="en-US" smtClean="0"/>
-              <a:t>9/5/2021</a:t>
+              <a:t>9/7/2021</a:t>
             </a:fld>
             <a:endParaRPr lang="en-US"/>
           </a:p>
@@ -867,7 +885,7 @@
           <a:p>
             <a:fld id="{2B2593D1-B1B8-4118-AA01-962ACD022BA4}" type="datetimeFigureOut">
               <a:rPr lang="en-US" smtClean="0"/>
-              <a:t>9/5/2021</a:t>
+              <a:t>9/7/2021</a:t>
             </a:fld>
             <a:endParaRPr lang="en-US"/>
           </a:p>
@@ -1142,7 +1160,7 @@
           <a:p>
             <a:fld id="{2B2593D1-B1B8-4118-AA01-962ACD022BA4}" type="datetimeFigureOut">
               <a:rPr lang="en-US" smtClean="0"/>
-              <a:t>9/5/2021</a:t>
+              <a:t>9/7/2021</a:t>
             </a:fld>
             <a:endParaRPr lang="en-US"/>
           </a:p>
@@ -1407,7 +1425,7 @@
           <a:p>
             <a:fld id="{2B2593D1-B1B8-4118-AA01-962ACD022BA4}" type="datetimeFigureOut">
               <a:rPr lang="en-US" smtClean="0"/>
-              <a:t>9/5/2021</a:t>
+              <a:t>9/7/2021</a:t>
             </a:fld>
             <a:endParaRPr lang="en-US"/>
           </a:p>
@@ -1819,7 +1837,7 @@
           <a:p>
             <a:fld id="{2B2593D1-B1B8-4118-AA01-962ACD022BA4}" type="datetimeFigureOut">
               <a:rPr lang="en-US" smtClean="0"/>
-              <a:t>9/5/2021</a:t>
+              <a:t>9/7/2021</a:t>
             </a:fld>
             <a:endParaRPr lang="en-US"/>
           </a:p>
@@ -1960,7 +1978,7 @@
           <a:p>
             <a:fld id="{2B2593D1-B1B8-4118-AA01-962ACD022BA4}" type="datetimeFigureOut">
               <a:rPr lang="en-US" smtClean="0"/>
-              <a:t>9/5/2021</a:t>
+              <a:t>9/7/2021</a:t>
             </a:fld>
             <a:endParaRPr lang="en-US"/>
           </a:p>
@@ -2073,7 +2091,7 @@
           <a:p>
             <a:fld id="{2B2593D1-B1B8-4118-AA01-962ACD022BA4}" type="datetimeFigureOut">
               <a:rPr lang="en-US" smtClean="0"/>
-              <a:t>9/5/2021</a:t>
+              <a:t>9/7/2021</a:t>
             </a:fld>
             <a:endParaRPr lang="en-US"/>
           </a:p>
@@ -2384,7 +2402,7 @@
           <a:p>
             <a:fld id="{2B2593D1-B1B8-4118-AA01-962ACD022BA4}" type="datetimeFigureOut">
               <a:rPr lang="en-US" smtClean="0"/>
-              <a:t>9/5/2021</a:t>
+              <a:t>9/7/2021</a:t>
             </a:fld>
             <a:endParaRPr lang="en-US"/>
           </a:p>
@@ -2672,7 +2690,7 @@
           <a:p>
             <a:fld id="{2B2593D1-B1B8-4118-AA01-962ACD022BA4}" type="datetimeFigureOut">
               <a:rPr lang="en-US" smtClean="0"/>
-              <a:t>9/5/2021</a:t>
+              <a:t>9/7/2021</a:t>
             </a:fld>
             <a:endParaRPr lang="en-US"/>
           </a:p>
@@ -2913,7 +2931,7 @@
           <a:p>
             <a:fld id="{2B2593D1-B1B8-4118-AA01-962ACD022BA4}" type="datetimeFigureOut">
               <a:rPr lang="en-US" smtClean="0"/>
-              <a:t>9/5/2021</a:t>
+              <a:t>9/7/2021</a:t>
             </a:fld>
             <a:endParaRPr lang="en-US"/>
           </a:p>
@@ -3606,6 +3624,1030 @@
 </p:sld>
 </file>
 
+<file path=ppt/slides/slide11.xml><?xml version="1.0" encoding="utf-8"?>
+<p:sld xmlns:a="http://schemas.openxmlformats.org/drawingml/2006/main" xmlns:r="http://schemas.openxmlformats.org/officeDocument/2006/relationships" xmlns:p="http://schemas.openxmlformats.org/presentationml/2006/main">
+  <p:cSld>
+    <p:spTree>
+      <p:nvGrpSpPr>
+        <p:cNvPr id="1" name=""/>
+        <p:cNvGrpSpPr/>
+        <p:nvPr/>
+      </p:nvGrpSpPr>
+      <p:grpSpPr>
+        <a:xfrm>
+          <a:off x="0" y="0"/>
+          <a:ext cx="0" cy="0"/>
+          <a:chOff x="0" y="0"/>
+          <a:chExt cx="0" cy="0"/>
+        </a:xfrm>
+      </p:grpSpPr>
+      <p:sp>
+        <p:nvSpPr>
+          <p:cNvPr id="2" name="Title 1">
+            <a:extLst>
+              <a:ext uri="{FF2B5EF4-FFF2-40B4-BE49-F238E27FC236}">
+                <a16:creationId xmlns:a16="http://schemas.microsoft.com/office/drawing/2014/main" id="{0337092B-0B28-4A99-ADEB-2B3FC77085A7}"/>
+              </a:ext>
+            </a:extLst>
+          </p:cNvPr>
+          <p:cNvSpPr>
+            <a:spLocks noGrp="1"/>
+          </p:cNvSpPr>
+          <p:nvPr>
+            <p:ph type="title"/>
+          </p:nvPr>
+        </p:nvSpPr>
+        <p:spPr/>
+        <p:txBody>
+          <a:bodyPr/>
+          <a:lstStyle/>
+          <a:p>
+            <a:r>
+              <a:rPr lang="en-US" dirty="0"/>
+              <a:t>While loop</a:t>
+            </a:r>
+          </a:p>
+        </p:txBody>
+      </p:sp>
+      <p:pic>
+        <p:nvPicPr>
+          <p:cNvPr id="5" name="Content Placeholder 4">
+            <a:extLst>
+              <a:ext uri="{FF2B5EF4-FFF2-40B4-BE49-F238E27FC236}">
+                <a16:creationId xmlns:a16="http://schemas.microsoft.com/office/drawing/2014/main" id="{867347A2-12AF-47A1-8511-2DE63A806BAA}"/>
+              </a:ext>
+            </a:extLst>
+          </p:cNvPr>
+          <p:cNvPicPr>
+            <a:picLocks noGrp="1" noChangeAspect="1"/>
+          </p:cNvPicPr>
+          <p:nvPr>
+            <p:ph idx="1"/>
+          </p:nvPr>
+        </p:nvPicPr>
+        <p:blipFill>
+          <a:blip r:embed="rId2"/>
+          <a:stretch>
+            <a:fillRect/>
+          </a:stretch>
+        </p:blipFill>
+        <p:spPr>
+          <a:xfrm>
+            <a:off x="1140258" y="1930616"/>
+            <a:ext cx="7343775" cy="2552700"/>
+          </a:xfrm>
+        </p:spPr>
+      </p:pic>
+    </p:spTree>
+    <p:extLst>
+      <p:ext uri="{BB962C8B-B14F-4D97-AF65-F5344CB8AC3E}">
+        <p14:creationId xmlns:p14="http://schemas.microsoft.com/office/powerpoint/2010/main" val="2643394734"/>
+      </p:ext>
+    </p:extLst>
+  </p:cSld>
+  <p:clrMapOvr>
+    <a:masterClrMapping/>
+  </p:clrMapOvr>
+</p:sld>
+</file>
+
+<file path=ppt/slides/slide12.xml><?xml version="1.0" encoding="utf-8"?>
+<p:sld xmlns:a="http://schemas.openxmlformats.org/drawingml/2006/main" xmlns:r="http://schemas.openxmlformats.org/officeDocument/2006/relationships" xmlns:p="http://schemas.openxmlformats.org/presentationml/2006/main">
+  <p:cSld>
+    <p:spTree>
+      <p:nvGrpSpPr>
+        <p:cNvPr id="1" name=""/>
+        <p:cNvGrpSpPr/>
+        <p:nvPr/>
+      </p:nvGrpSpPr>
+      <p:grpSpPr>
+        <a:xfrm>
+          <a:off x="0" y="0"/>
+          <a:ext cx="0" cy="0"/>
+          <a:chOff x="0" y="0"/>
+          <a:chExt cx="0" cy="0"/>
+        </a:xfrm>
+      </p:grpSpPr>
+      <p:sp>
+        <p:nvSpPr>
+          <p:cNvPr id="2" name="Title 1">
+            <a:extLst>
+              <a:ext uri="{FF2B5EF4-FFF2-40B4-BE49-F238E27FC236}">
+                <a16:creationId xmlns:a16="http://schemas.microsoft.com/office/drawing/2014/main" id="{D1923482-A74E-4797-B9A9-6DD3AAA598A8}"/>
+              </a:ext>
+            </a:extLst>
+          </p:cNvPr>
+          <p:cNvSpPr>
+            <a:spLocks noGrp="1"/>
+          </p:cNvSpPr>
+          <p:nvPr>
+            <p:ph type="title"/>
+          </p:nvPr>
+        </p:nvSpPr>
+        <p:spPr/>
+        <p:txBody>
+          <a:bodyPr/>
+          <a:lstStyle/>
+          <a:p>
+            <a:r>
+              <a:rPr lang="en-US" dirty="0" err="1"/>
+              <a:t>dowhile</a:t>
+            </a:r>
+            <a:r>
+              <a:rPr lang="en-US" dirty="0"/>
+              <a:t> loop</a:t>
+            </a:r>
+          </a:p>
+        </p:txBody>
+      </p:sp>
+      <p:sp>
+        <p:nvSpPr>
+          <p:cNvPr id="3" name="Content Placeholder 2">
+            <a:extLst>
+              <a:ext uri="{FF2B5EF4-FFF2-40B4-BE49-F238E27FC236}">
+                <a16:creationId xmlns:a16="http://schemas.microsoft.com/office/drawing/2014/main" id="{71B3F509-89DC-4C6D-ABBB-BAB92B253BFE}"/>
+              </a:ext>
+            </a:extLst>
+          </p:cNvPr>
+          <p:cNvSpPr>
+            <a:spLocks noGrp="1"/>
+          </p:cNvSpPr>
+          <p:nvPr>
+            <p:ph idx="1"/>
+          </p:nvPr>
+        </p:nvSpPr>
+        <p:spPr/>
+        <p:txBody>
+          <a:bodyPr/>
+          <a:lstStyle/>
+          <a:p>
+            <a:r>
+              <a:rPr lang="en-US" dirty="0" err="1"/>
+              <a:t>dowhile</a:t>
+            </a:r>
+            <a:r>
+              <a:rPr lang="en-US" dirty="0"/>
+              <a:t> will execute at least once even it doesn’t meet the condition</a:t>
+            </a:r>
+          </a:p>
+          <a:p>
+            <a:endParaRPr lang="en-US" dirty="0"/>
+          </a:p>
+        </p:txBody>
+      </p:sp>
+      <p:pic>
+        <p:nvPicPr>
+          <p:cNvPr id="5" name="Picture 4">
+            <a:extLst>
+              <a:ext uri="{FF2B5EF4-FFF2-40B4-BE49-F238E27FC236}">
+                <a16:creationId xmlns:a16="http://schemas.microsoft.com/office/drawing/2014/main" id="{05BA306D-F265-432A-B362-7A76C2B27452}"/>
+              </a:ext>
+            </a:extLst>
+          </p:cNvPr>
+          <p:cNvPicPr>
+            <a:picLocks noChangeAspect="1"/>
+          </p:cNvPicPr>
+          <p:nvPr/>
+        </p:nvPicPr>
+        <p:blipFill>
+          <a:blip r:embed="rId2"/>
+          <a:stretch>
+            <a:fillRect/>
+          </a:stretch>
+        </p:blipFill>
+        <p:spPr>
+          <a:xfrm>
+            <a:off x="1185430" y="2889538"/>
+            <a:ext cx="7105650" cy="2686050"/>
+          </a:xfrm>
+          <a:prstGeom prst="rect">
+            <a:avLst/>
+          </a:prstGeom>
+        </p:spPr>
+      </p:pic>
+    </p:spTree>
+    <p:extLst>
+      <p:ext uri="{BB962C8B-B14F-4D97-AF65-F5344CB8AC3E}">
+        <p14:creationId xmlns:p14="http://schemas.microsoft.com/office/powerpoint/2010/main" val="1971850515"/>
+      </p:ext>
+    </p:extLst>
+  </p:cSld>
+  <p:clrMapOvr>
+    <a:masterClrMapping/>
+  </p:clrMapOvr>
+</p:sld>
+</file>
+
+<file path=ppt/slides/slide13.xml><?xml version="1.0" encoding="utf-8"?>
+<p:sld xmlns:a="http://schemas.openxmlformats.org/drawingml/2006/main" xmlns:r="http://schemas.openxmlformats.org/officeDocument/2006/relationships" xmlns:p="http://schemas.openxmlformats.org/presentationml/2006/main">
+  <p:cSld>
+    <p:spTree>
+      <p:nvGrpSpPr>
+        <p:cNvPr id="1" name=""/>
+        <p:cNvGrpSpPr/>
+        <p:nvPr/>
+      </p:nvGrpSpPr>
+      <p:grpSpPr>
+        <a:xfrm>
+          <a:off x="0" y="0"/>
+          <a:ext cx="0" cy="0"/>
+          <a:chOff x="0" y="0"/>
+          <a:chExt cx="0" cy="0"/>
+        </a:xfrm>
+      </p:grpSpPr>
+      <p:sp>
+        <p:nvSpPr>
+          <p:cNvPr id="2" name="Title 1">
+            <a:extLst>
+              <a:ext uri="{FF2B5EF4-FFF2-40B4-BE49-F238E27FC236}">
+                <a16:creationId xmlns:a16="http://schemas.microsoft.com/office/drawing/2014/main" id="{7771345A-F507-42DD-97C8-E90CAFC2DE12}"/>
+              </a:ext>
+            </a:extLst>
+          </p:cNvPr>
+          <p:cNvSpPr>
+            <a:spLocks noGrp="1"/>
+          </p:cNvSpPr>
+          <p:nvPr>
+            <p:ph type="title"/>
+          </p:nvPr>
+        </p:nvSpPr>
+        <p:spPr/>
+        <p:txBody>
+          <a:bodyPr/>
+          <a:lstStyle/>
+          <a:p>
+            <a:r>
+              <a:rPr lang="en-US" dirty="0"/>
+              <a:t>For loop</a:t>
+            </a:r>
+          </a:p>
+        </p:txBody>
+      </p:sp>
+      <p:pic>
+        <p:nvPicPr>
+          <p:cNvPr id="5" name="Content Placeholder 4">
+            <a:extLst>
+              <a:ext uri="{FF2B5EF4-FFF2-40B4-BE49-F238E27FC236}">
+                <a16:creationId xmlns:a16="http://schemas.microsoft.com/office/drawing/2014/main" id="{32604AEE-6556-41C5-9C93-1CD8437A1C3F}"/>
+              </a:ext>
+            </a:extLst>
+          </p:cNvPr>
+          <p:cNvPicPr>
+            <a:picLocks noGrp="1" noChangeAspect="1"/>
+          </p:cNvPicPr>
+          <p:nvPr>
+            <p:ph idx="1"/>
+          </p:nvPr>
+        </p:nvPicPr>
+        <p:blipFill>
+          <a:blip r:embed="rId2"/>
+          <a:stretch>
+            <a:fillRect/>
+          </a:stretch>
+        </p:blipFill>
+        <p:spPr>
+          <a:xfrm>
+            <a:off x="1013402" y="1967417"/>
+            <a:ext cx="6877050" cy="2257425"/>
+          </a:xfrm>
+        </p:spPr>
+      </p:pic>
+    </p:spTree>
+    <p:extLst>
+      <p:ext uri="{BB962C8B-B14F-4D97-AF65-F5344CB8AC3E}">
+        <p14:creationId xmlns:p14="http://schemas.microsoft.com/office/powerpoint/2010/main" val="3642753972"/>
+      </p:ext>
+    </p:extLst>
+  </p:cSld>
+  <p:clrMapOvr>
+    <a:masterClrMapping/>
+  </p:clrMapOvr>
+</p:sld>
+</file>
+
+<file path=ppt/slides/slide14.xml><?xml version="1.0" encoding="utf-8"?>
+<p:sld xmlns:a="http://schemas.openxmlformats.org/drawingml/2006/main" xmlns:r="http://schemas.openxmlformats.org/officeDocument/2006/relationships" xmlns:p="http://schemas.openxmlformats.org/presentationml/2006/main">
+  <p:cSld>
+    <p:spTree>
+      <p:nvGrpSpPr>
+        <p:cNvPr id="1" name=""/>
+        <p:cNvGrpSpPr/>
+        <p:nvPr/>
+      </p:nvGrpSpPr>
+      <p:grpSpPr>
+        <a:xfrm>
+          <a:off x="0" y="0"/>
+          <a:ext cx="0" cy="0"/>
+          <a:chOff x="0" y="0"/>
+          <a:chExt cx="0" cy="0"/>
+        </a:xfrm>
+      </p:grpSpPr>
+      <p:sp>
+        <p:nvSpPr>
+          <p:cNvPr id="2" name="Title 1">
+            <a:extLst>
+              <a:ext uri="{FF2B5EF4-FFF2-40B4-BE49-F238E27FC236}">
+                <a16:creationId xmlns:a16="http://schemas.microsoft.com/office/drawing/2014/main" id="{D80B52B4-B6B5-40F7-AEDB-BB53FE53A70E}"/>
+              </a:ext>
+            </a:extLst>
+          </p:cNvPr>
+          <p:cNvSpPr>
+            <a:spLocks noGrp="1"/>
+          </p:cNvSpPr>
+          <p:nvPr>
+            <p:ph type="title"/>
+          </p:nvPr>
+        </p:nvSpPr>
+        <p:spPr/>
+        <p:txBody>
+          <a:bodyPr/>
+          <a:lstStyle/>
+          <a:p>
+            <a:r>
+              <a:rPr lang="en-US" dirty="0"/>
+              <a:t>Continue/break</a:t>
+            </a:r>
+          </a:p>
+        </p:txBody>
+      </p:sp>
+      <p:sp>
+        <p:nvSpPr>
+          <p:cNvPr id="3" name="Content Placeholder 2">
+            <a:extLst>
+              <a:ext uri="{FF2B5EF4-FFF2-40B4-BE49-F238E27FC236}">
+                <a16:creationId xmlns:a16="http://schemas.microsoft.com/office/drawing/2014/main" id="{7196B141-A376-4428-B888-E522DCB3ADA3}"/>
+              </a:ext>
+            </a:extLst>
+          </p:cNvPr>
+          <p:cNvSpPr>
+            <a:spLocks noGrp="1"/>
+          </p:cNvSpPr>
+          <p:nvPr>
+            <p:ph idx="1"/>
+          </p:nvPr>
+        </p:nvSpPr>
+        <p:spPr/>
+        <p:txBody>
+          <a:bodyPr/>
+          <a:lstStyle/>
+          <a:p>
+            <a:r>
+              <a:rPr lang="en-US" dirty="0"/>
+              <a:t>Continue will not execute the current step and jump to next step</a:t>
+            </a:r>
+          </a:p>
+          <a:p>
+            <a:endParaRPr lang="en-US" dirty="0"/>
+          </a:p>
+        </p:txBody>
+      </p:sp>
+      <p:pic>
+        <p:nvPicPr>
+          <p:cNvPr id="6" name="Picture 5">
+            <a:extLst>
+              <a:ext uri="{FF2B5EF4-FFF2-40B4-BE49-F238E27FC236}">
+                <a16:creationId xmlns:a16="http://schemas.microsoft.com/office/drawing/2014/main" id="{EE56D7AA-A411-4F07-93FF-8AFF12A8E210}"/>
+              </a:ext>
+            </a:extLst>
+          </p:cNvPr>
+          <p:cNvPicPr>
+            <a:picLocks noChangeAspect="1"/>
+          </p:cNvPicPr>
+          <p:nvPr/>
+        </p:nvPicPr>
+        <p:blipFill>
+          <a:blip r:embed="rId2"/>
+          <a:stretch>
+            <a:fillRect/>
+          </a:stretch>
+        </p:blipFill>
+        <p:spPr>
+          <a:xfrm>
+            <a:off x="983657" y="2279783"/>
+            <a:ext cx="7367931" cy="4394906"/>
+          </a:xfrm>
+          <a:prstGeom prst="rect">
+            <a:avLst/>
+          </a:prstGeom>
+        </p:spPr>
+      </p:pic>
+    </p:spTree>
+    <p:extLst>
+      <p:ext uri="{BB962C8B-B14F-4D97-AF65-F5344CB8AC3E}">
+        <p14:creationId xmlns:p14="http://schemas.microsoft.com/office/powerpoint/2010/main" val="866231271"/>
+      </p:ext>
+    </p:extLst>
+  </p:cSld>
+  <p:clrMapOvr>
+    <a:masterClrMapping/>
+  </p:clrMapOvr>
+</p:sld>
+</file>
+
+<file path=ppt/slides/slide15.xml><?xml version="1.0" encoding="utf-8"?>
+<p:sld xmlns:a="http://schemas.openxmlformats.org/drawingml/2006/main" xmlns:r="http://schemas.openxmlformats.org/officeDocument/2006/relationships" xmlns:p="http://schemas.openxmlformats.org/presentationml/2006/main">
+  <p:cSld>
+    <p:spTree>
+      <p:nvGrpSpPr>
+        <p:cNvPr id="1" name=""/>
+        <p:cNvGrpSpPr/>
+        <p:nvPr/>
+      </p:nvGrpSpPr>
+      <p:grpSpPr>
+        <a:xfrm>
+          <a:off x="0" y="0"/>
+          <a:ext cx="0" cy="0"/>
+          <a:chOff x="0" y="0"/>
+          <a:chExt cx="0" cy="0"/>
+        </a:xfrm>
+      </p:grpSpPr>
+      <p:sp>
+        <p:nvSpPr>
+          <p:cNvPr id="2" name="Title 1">
+            <a:extLst>
+              <a:ext uri="{FF2B5EF4-FFF2-40B4-BE49-F238E27FC236}">
+                <a16:creationId xmlns:a16="http://schemas.microsoft.com/office/drawing/2014/main" id="{939D47E3-3D92-443E-A832-E7497BF01557}"/>
+              </a:ext>
+            </a:extLst>
+          </p:cNvPr>
+          <p:cNvSpPr>
+            <a:spLocks noGrp="1"/>
+          </p:cNvSpPr>
+          <p:nvPr>
+            <p:ph type="title"/>
+          </p:nvPr>
+        </p:nvSpPr>
+        <p:spPr>
+          <a:xfrm>
+            <a:off x="1156770" y="365126"/>
+            <a:ext cx="10197029" cy="637410"/>
+          </a:xfrm>
+        </p:spPr>
+        <p:txBody>
+          <a:bodyPr>
+            <a:normAutofit fontScale="90000"/>
+          </a:bodyPr>
+          <a:lstStyle/>
+          <a:p>
+            <a:r>
+              <a:rPr lang="en-US" dirty="0" err="1"/>
+              <a:t>Cont</a:t>
+            </a:r>
+            <a:r>
+              <a:rPr lang="en-US" dirty="0"/>
+              <a:t>’..</a:t>
+            </a:r>
+          </a:p>
+        </p:txBody>
+      </p:sp>
+      <p:sp>
+        <p:nvSpPr>
+          <p:cNvPr id="3" name="Content Placeholder 2">
+            <a:extLst>
+              <a:ext uri="{FF2B5EF4-FFF2-40B4-BE49-F238E27FC236}">
+                <a16:creationId xmlns:a16="http://schemas.microsoft.com/office/drawing/2014/main" id="{D8824C0E-15A6-4212-8CC3-02D1790B8FEA}"/>
+              </a:ext>
+            </a:extLst>
+          </p:cNvPr>
+          <p:cNvSpPr>
+            <a:spLocks noGrp="1"/>
+          </p:cNvSpPr>
+          <p:nvPr>
+            <p:ph idx="1"/>
+          </p:nvPr>
+        </p:nvSpPr>
+        <p:spPr>
+          <a:xfrm>
+            <a:off x="727113" y="1002536"/>
+            <a:ext cx="10626687" cy="5174427"/>
+          </a:xfrm>
+        </p:spPr>
+        <p:txBody>
+          <a:bodyPr/>
+          <a:lstStyle/>
+          <a:p>
+            <a:r>
+              <a:rPr lang="en-US" dirty="0"/>
+              <a:t>Break will stop the loop</a:t>
+            </a:r>
+          </a:p>
+          <a:p>
+            <a:endParaRPr lang="en-US" dirty="0"/>
+          </a:p>
+        </p:txBody>
+      </p:sp>
+      <p:pic>
+        <p:nvPicPr>
+          <p:cNvPr id="5" name="Picture 4">
+            <a:extLst>
+              <a:ext uri="{FF2B5EF4-FFF2-40B4-BE49-F238E27FC236}">
+                <a16:creationId xmlns:a16="http://schemas.microsoft.com/office/drawing/2014/main" id="{E904A68C-E1AD-4AA0-B236-946AA8708CD9}"/>
+              </a:ext>
+            </a:extLst>
+          </p:cNvPr>
+          <p:cNvPicPr>
+            <a:picLocks noChangeAspect="1"/>
+          </p:cNvPicPr>
+          <p:nvPr/>
+        </p:nvPicPr>
+        <p:blipFill>
+          <a:blip r:embed="rId2"/>
+          <a:stretch>
+            <a:fillRect/>
+          </a:stretch>
+        </p:blipFill>
+        <p:spPr>
+          <a:xfrm>
+            <a:off x="1013552" y="1639946"/>
+            <a:ext cx="6379960" cy="4799135"/>
+          </a:xfrm>
+          <a:prstGeom prst="rect">
+            <a:avLst/>
+          </a:prstGeom>
+        </p:spPr>
+      </p:pic>
+    </p:spTree>
+    <p:extLst>
+      <p:ext uri="{BB962C8B-B14F-4D97-AF65-F5344CB8AC3E}">
+        <p14:creationId xmlns:p14="http://schemas.microsoft.com/office/powerpoint/2010/main" val="2258121449"/>
+      </p:ext>
+    </p:extLst>
+  </p:cSld>
+  <p:clrMapOvr>
+    <a:masterClrMapping/>
+  </p:clrMapOvr>
+</p:sld>
+</file>
+
+<file path=ppt/slides/slide16.xml><?xml version="1.0" encoding="utf-8"?>
+<p:sld xmlns:a="http://schemas.openxmlformats.org/drawingml/2006/main" xmlns:r="http://schemas.openxmlformats.org/officeDocument/2006/relationships" xmlns:p="http://schemas.openxmlformats.org/presentationml/2006/main">
+  <p:cSld>
+    <p:spTree>
+      <p:nvGrpSpPr>
+        <p:cNvPr id="1" name=""/>
+        <p:cNvGrpSpPr/>
+        <p:nvPr/>
+      </p:nvGrpSpPr>
+      <p:grpSpPr>
+        <a:xfrm>
+          <a:off x="0" y="0"/>
+          <a:ext cx="0" cy="0"/>
+          <a:chOff x="0" y="0"/>
+          <a:chExt cx="0" cy="0"/>
+        </a:xfrm>
+      </p:grpSpPr>
+      <p:sp>
+        <p:nvSpPr>
+          <p:cNvPr id="2" name="Title 1">
+            <a:extLst>
+              <a:ext uri="{FF2B5EF4-FFF2-40B4-BE49-F238E27FC236}">
+                <a16:creationId xmlns:a16="http://schemas.microsoft.com/office/drawing/2014/main" id="{AB2A6B1C-59C7-49F0-B225-264914148D07}"/>
+              </a:ext>
+            </a:extLst>
+          </p:cNvPr>
+          <p:cNvSpPr>
+            <a:spLocks noGrp="1"/>
+          </p:cNvSpPr>
+          <p:nvPr>
+            <p:ph type="title"/>
+          </p:nvPr>
+        </p:nvSpPr>
+        <p:spPr/>
+        <p:txBody>
+          <a:bodyPr/>
+          <a:lstStyle/>
+          <a:p>
+            <a:r>
+              <a:rPr lang="en-US" dirty="0"/>
+              <a:t>Class &amp; constructor &amp;object</a:t>
+            </a:r>
+          </a:p>
+        </p:txBody>
+      </p:sp>
+      <p:pic>
+        <p:nvPicPr>
+          <p:cNvPr id="5" name="Content Placeholder 4">
+            <a:extLst>
+              <a:ext uri="{FF2B5EF4-FFF2-40B4-BE49-F238E27FC236}">
+                <a16:creationId xmlns:a16="http://schemas.microsoft.com/office/drawing/2014/main" id="{4DA7B00C-777B-4CC7-8E0C-3A43AF295EB2}"/>
+              </a:ext>
+            </a:extLst>
+          </p:cNvPr>
+          <p:cNvPicPr>
+            <a:picLocks noGrp="1" noChangeAspect="1"/>
+          </p:cNvPicPr>
+          <p:nvPr>
+            <p:ph idx="1"/>
+          </p:nvPr>
+        </p:nvPicPr>
+        <p:blipFill>
+          <a:blip r:embed="rId2"/>
+          <a:stretch>
+            <a:fillRect/>
+          </a:stretch>
+        </p:blipFill>
+        <p:spPr>
+          <a:xfrm>
+            <a:off x="1202836" y="1836642"/>
+            <a:ext cx="5776187" cy="4351338"/>
+          </a:xfrm>
+        </p:spPr>
+      </p:pic>
+    </p:spTree>
+    <p:extLst>
+      <p:ext uri="{BB962C8B-B14F-4D97-AF65-F5344CB8AC3E}">
+        <p14:creationId xmlns:p14="http://schemas.microsoft.com/office/powerpoint/2010/main" val="586947992"/>
+      </p:ext>
+    </p:extLst>
+  </p:cSld>
+  <p:clrMapOvr>
+    <a:masterClrMapping/>
+  </p:clrMapOvr>
+</p:sld>
+</file>
+
+<file path=ppt/slides/slide17.xml><?xml version="1.0" encoding="utf-8"?>
+<p:sld xmlns:a="http://schemas.openxmlformats.org/drawingml/2006/main" xmlns:r="http://schemas.openxmlformats.org/officeDocument/2006/relationships" xmlns:p="http://schemas.openxmlformats.org/presentationml/2006/main">
+  <p:cSld>
+    <p:spTree>
+      <p:nvGrpSpPr>
+        <p:cNvPr id="1" name=""/>
+        <p:cNvGrpSpPr/>
+        <p:nvPr/>
+      </p:nvGrpSpPr>
+      <p:grpSpPr>
+        <a:xfrm>
+          <a:off x="0" y="0"/>
+          <a:ext cx="0" cy="0"/>
+          <a:chOff x="0" y="0"/>
+          <a:chExt cx="0" cy="0"/>
+        </a:xfrm>
+      </p:grpSpPr>
+      <p:sp>
+        <p:nvSpPr>
+          <p:cNvPr id="2" name="Title 1">
+            <a:extLst>
+              <a:ext uri="{FF2B5EF4-FFF2-40B4-BE49-F238E27FC236}">
+                <a16:creationId xmlns:a16="http://schemas.microsoft.com/office/drawing/2014/main" id="{488E16EE-2595-4380-9505-66FFC093BBF0}"/>
+              </a:ext>
+            </a:extLst>
+          </p:cNvPr>
+          <p:cNvSpPr>
+            <a:spLocks noGrp="1"/>
+          </p:cNvSpPr>
+          <p:nvPr>
+            <p:ph type="title"/>
+          </p:nvPr>
+        </p:nvSpPr>
+        <p:spPr/>
+        <p:txBody>
+          <a:bodyPr/>
+          <a:lstStyle/>
+          <a:p>
+            <a:r>
+              <a:rPr lang="en-US" dirty="0"/>
+              <a:t>This keyword</a:t>
+            </a:r>
+          </a:p>
+        </p:txBody>
+      </p:sp>
+      <p:pic>
+        <p:nvPicPr>
+          <p:cNvPr id="9" name="Content Placeholder 8">
+            <a:extLst>
+              <a:ext uri="{FF2B5EF4-FFF2-40B4-BE49-F238E27FC236}">
+                <a16:creationId xmlns:a16="http://schemas.microsoft.com/office/drawing/2014/main" id="{71A931F3-9956-49AB-AA10-E0C44EE0EA1B}"/>
+              </a:ext>
+            </a:extLst>
+          </p:cNvPr>
+          <p:cNvPicPr>
+            <a:picLocks noGrp="1" noChangeAspect="1"/>
+          </p:cNvPicPr>
+          <p:nvPr>
+            <p:ph idx="1"/>
+          </p:nvPr>
+        </p:nvPicPr>
+        <p:blipFill>
+          <a:blip r:embed="rId2"/>
+          <a:stretch>
+            <a:fillRect/>
+          </a:stretch>
+        </p:blipFill>
+        <p:spPr>
+          <a:xfrm>
+            <a:off x="1120407" y="1690688"/>
+            <a:ext cx="5616080" cy="4478758"/>
+          </a:xfrm>
+        </p:spPr>
+      </p:pic>
+    </p:spTree>
+    <p:extLst>
+      <p:ext uri="{BB962C8B-B14F-4D97-AF65-F5344CB8AC3E}">
+        <p14:creationId xmlns:p14="http://schemas.microsoft.com/office/powerpoint/2010/main" val="2973609685"/>
+      </p:ext>
+    </p:extLst>
+  </p:cSld>
+  <p:clrMapOvr>
+    <a:masterClrMapping/>
+  </p:clrMapOvr>
+</p:sld>
+</file>
+
+<file path=ppt/slides/slide18.xml><?xml version="1.0" encoding="utf-8"?>
+<p:sld xmlns:a="http://schemas.openxmlformats.org/drawingml/2006/main" xmlns:r="http://schemas.openxmlformats.org/officeDocument/2006/relationships" xmlns:p="http://schemas.openxmlformats.org/presentationml/2006/main">
+  <p:cSld>
+    <p:spTree>
+      <p:nvGrpSpPr>
+        <p:cNvPr id="1" name=""/>
+        <p:cNvGrpSpPr/>
+        <p:nvPr/>
+      </p:nvGrpSpPr>
+      <p:grpSpPr>
+        <a:xfrm>
+          <a:off x="0" y="0"/>
+          <a:ext cx="0" cy="0"/>
+          <a:chOff x="0" y="0"/>
+          <a:chExt cx="0" cy="0"/>
+        </a:xfrm>
+      </p:grpSpPr>
+      <p:sp>
+        <p:nvSpPr>
+          <p:cNvPr id="2" name="Title 1">
+            <a:extLst>
+              <a:ext uri="{FF2B5EF4-FFF2-40B4-BE49-F238E27FC236}">
+                <a16:creationId xmlns:a16="http://schemas.microsoft.com/office/drawing/2014/main" id="{BCC8EE56-BAEA-4840-A3D1-A6E03D8E2F65}"/>
+              </a:ext>
+            </a:extLst>
+          </p:cNvPr>
+          <p:cNvSpPr>
+            <a:spLocks noGrp="1"/>
+          </p:cNvSpPr>
+          <p:nvPr>
+            <p:ph type="title"/>
+          </p:nvPr>
+        </p:nvSpPr>
+        <p:spPr>
+          <a:xfrm>
+            <a:off x="550843" y="40529"/>
+            <a:ext cx="10515600" cy="1325563"/>
+          </a:xfrm>
+        </p:spPr>
+        <p:txBody>
+          <a:bodyPr/>
+          <a:lstStyle/>
+          <a:p>
+            <a:r>
+              <a:rPr lang="en-US" dirty="0"/>
+              <a:t>Static </a:t>
+            </a:r>
+          </a:p>
+        </p:txBody>
+      </p:sp>
+      <p:pic>
+        <p:nvPicPr>
+          <p:cNvPr id="9" name="Content Placeholder 8">
+            <a:extLst>
+              <a:ext uri="{FF2B5EF4-FFF2-40B4-BE49-F238E27FC236}">
+                <a16:creationId xmlns:a16="http://schemas.microsoft.com/office/drawing/2014/main" id="{8F450C07-04B4-4F86-931D-AAF15AA20B07}"/>
+              </a:ext>
+            </a:extLst>
+          </p:cNvPr>
+          <p:cNvPicPr>
+            <a:picLocks noGrp="1" noChangeAspect="1"/>
+          </p:cNvPicPr>
+          <p:nvPr>
+            <p:ph idx="1"/>
+          </p:nvPr>
+        </p:nvPicPr>
+        <p:blipFill>
+          <a:blip r:embed="rId2"/>
+          <a:stretch>
+            <a:fillRect/>
+          </a:stretch>
+        </p:blipFill>
+        <p:spPr>
+          <a:xfrm>
+            <a:off x="892372" y="1638339"/>
+            <a:ext cx="6044576" cy="4351338"/>
+          </a:xfrm>
+        </p:spPr>
+      </p:pic>
+      <p:cxnSp>
+        <p:nvCxnSpPr>
+          <p:cNvPr id="11" name="Straight Arrow Connector 10">
+            <a:extLst>
+              <a:ext uri="{FF2B5EF4-FFF2-40B4-BE49-F238E27FC236}">
+                <a16:creationId xmlns:a16="http://schemas.microsoft.com/office/drawing/2014/main" id="{1A2F257A-29D8-47B0-9ED4-9CE99263C348}"/>
+              </a:ext>
+            </a:extLst>
+          </p:cNvPr>
+          <p:cNvCxnSpPr/>
+          <p:nvPr/>
+        </p:nvCxnSpPr>
+        <p:spPr>
+          <a:xfrm>
+            <a:off x="5387248" y="5034708"/>
+            <a:ext cx="2247441" cy="0"/>
+          </a:xfrm>
+          <a:prstGeom prst="straightConnector1">
+            <a:avLst/>
+          </a:prstGeom>
+          <a:ln>
+            <a:tailEnd type="triangle"/>
+          </a:ln>
+        </p:spPr>
+        <p:style>
+          <a:lnRef idx="1">
+            <a:schemeClr val="accent1"/>
+          </a:lnRef>
+          <a:fillRef idx="0">
+            <a:schemeClr val="accent1"/>
+          </a:fillRef>
+          <a:effectRef idx="0">
+            <a:schemeClr val="accent1"/>
+          </a:effectRef>
+          <a:fontRef idx="minor">
+            <a:schemeClr val="tx1"/>
+          </a:fontRef>
+        </p:style>
+      </p:cxnSp>
+      <p:sp>
+        <p:nvSpPr>
+          <p:cNvPr id="12" name="TextBox 11">
+            <a:extLst>
+              <a:ext uri="{FF2B5EF4-FFF2-40B4-BE49-F238E27FC236}">
+                <a16:creationId xmlns:a16="http://schemas.microsoft.com/office/drawing/2014/main" id="{DA939914-2D9C-489D-BA92-D8ACF0DAA5AC}"/>
+              </a:ext>
+            </a:extLst>
+          </p:cNvPr>
+          <p:cNvSpPr txBox="1"/>
+          <p:nvPr/>
+        </p:nvSpPr>
+        <p:spPr>
+          <a:xfrm>
+            <a:off x="7821976" y="4847422"/>
+            <a:ext cx="3910988" cy="369332"/>
+          </a:xfrm>
+          <a:prstGeom prst="rect">
+            <a:avLst/>
+          </a:prstGeom>
+          <a:noFill/>
+        </p:spPr>
+        <p:txBody>
+          <a:bodyPr wrap="square" rtlCol="0">
+            <a:spAutoFit/>
+          </a:bodyPr>
+          <a:lstStyle/>
+          <a:p>
+            <a:r>
+              <a:rPr lang="en-US" dirty="0"/>
+              <a:t>Static no need to create instance </a:t>
+            </a:r>
+          </a:p>
+        </p:txBody>
+      </p:sp>
+    </p:spTree>
+    <p:extLst>
+      <p:ext uri="{BB962C8B-B14F-4D97-AF65-F5344CB8AC3E}">
+        <p14:creationId xmlns:p14="http://schemas.microsoft.com/office/powerpoint/2010/main" val="4108507255"/>
+      </p:ext>
+    </p:extLst>
+  </p:cSld>
+  <p:clrMapOvr>
+    <a:masterClrMapping/>
+  </p:clrMapOvr>
+</p:sld>
+</file>
+
+<file path=ppt/slides/slide19.xml><?xml version="1.0" encoding="utf-8"?>
+<p:sld xmlns:a="http://schemas.openxmlformats.org/drawingml/2006/main" xmlns:r="http://schemas.openxmlformats.org/officeDocument/2006/relationships" xmlns:p="http://schemas.openxmlformats.org/presentationml/2006/main">
+  <p:cSld>
+    <p:spTree>
+      <p:nvGrpSpPr>
+        <p:cNvPr id="1" name=""/>
+        <p:cNvGrpSpPr/>
+        <p:nvPr/>
+      </p:nvGrpSpPr>
+      <p:grpSpPr>
+        <a:xfrm>
+          <a:off x="0" y="0"/>
+          <a:ext cx="0" cy="0"/>
+          <a:chOff x="0" y="0"/>
+          <a:chExt cx="0" cy="0"/>
+        </a:xfrm>
+      </p:grpSpPr>
+      <p:sp>
+        <p:nvSpPr>
+          <p:cNvPr id="2" name="Title 1">
+            <a:extLst>
+              <a:ext uri="{FF2B5EF4-FFF2-40B4-BE49-F238E27FC236}">
+                <a16:creationId xmlns:a16="http://schemas.microsoft.com/office/drawing/2014/main" id="{620DC2F5-1FF9-44DE-BE3E-97CB92C097C7}"/>
+              </a:ext>
+            </a:extLst>
+          </p:cNvPr>
+          <p:cNvSpPr>
+            <a:spLocks noGrp="1"/>
+          </p:cNvSpPr>
+          <p:nvPr>
+            <p:ph type="title"/>
+          </p:nvPr>
+        </p:nvSpPr>
+        <p:spPr>
+          <a:xfrm>
+            <a:off x="838200" y="111737"/>
+            <a:ext cx="10515600" cy="1325563"/>
+          </a:xfrm>
+        </p:spPr>
+        <p:txBody>
+          <a:bodyPr/>
+          <a:lstStyle/>
+          <a:p>
+            <a:r>
+              <a:rPr lang="en-US" dirty="0"/>
+              <a:t>Inner class</a:t>
+            </a:r>
+          </a:p>
+        </p:txBody>
+      </p:sp>
+      <p:sp>
+        <p:nvSpPr>
+          <p:cNvPr id="3" name="Content Placeholder 2">
+            <a:extLst>
+              <a:ext uri="{FF2B5EF4-FFF2-40B4-BE49-F238E27FC236}">
+                <a16:creationId xmlns:a16="http://schemas.microsoft.com/office/drawing/2014/main" id="{63D5D753-E224-467B-B817-E00E6DDEB4C6}"/>
+              </a:ext>
+            </a:extLst>
+          </p:cNvPr>
+          <p:cNvSpPr>
+            <a:spLocks noGrp="1"/>
+          </p:cNvSpPr>
+          <p:nvPr>
+            <p:ph idx="1"/>
+          </p:nvPr>
+        </p:nvSpPr>
+        <p:spPr>
+          <a:xfrm>
+            <a:off x="738130" y="1156771"/>
+            <a:ext cx="10615670" cy="4854939"/>
+          </a:xfrm>
+        </p:spPr>
+        <p:txBody>
+          <a:bodyPr/>
+          <a:lstStyle/>
+          <a:p>
+            <a:r>
+              <a:rPr lang="en-US" dirty="0"/>
+              <a:t>Class inside another class</a:t>
+            </a:r>
+          </a:p>
+          <a:p>
+            <a:endParaRPr lang="en-US" dirty="0"/>
+          </a:p>
+        </p:txBody>
+      </p:sp>
+      <p:pic>
+        <p:nvPicPr>
+          <p:cNvPr id="5" name="Picture 4">
+            <a:extLst>
+              <a:ext uri="{FF2B5EF4-FFF2-40B4-BE49-F238E27FC236}">
+                <a16:creationId xmlns:a16="http://schemas.microsoft.com/office/drawing/2014/main" id="{A05BE936-D1EF-4E2D-9F32-F02CD251C26B}"/>
+              </a:ext>
+            </a:extLst>
+          </p:cNvPr>
+          <p:cNvPicPr>
+            <a:picLocks noChangeAspect="1"/>
+          </p:cNvPicPr>
+          <p:nvPr/>
+        </p:nvPicPr>
+        <p:blipFill>
+          <a:blip r:embed="rId2"/>
+          <a:stretch>
+            <a:fillRect/>
+          </a:stretch>
+        </p:blipFill>
+        <p:spPr>
+          <a:xfrm>
+            <a:off x="991518" y="1700485"/>
+            <a:ext cx="5871648" cy="4944195"/>
+          </a:xfrm>
+          <a:prstGeom prst="rect">
+            <a:avLst/>
+          </a:prstGeom>
+        </p:spPr>
+      </p:pic>
+    </p:spTree>
+    <p:extLst>
+      <p:ext uri="{BB962C8B-B14F-4D97-AF65-F5344CB8AC3E}">
+        <p14:creationId xmlns:p14="http://schemas.microsoft.com/office/powerpoint/2010/main" val="1178157314"/>
+      </p:ext>
+    </p:extLst>
+  </p:cSld>
+  <p:clrMapOvr>
+    <a:masterClrMapping/>
+  </p:clrMapOvr>
+</p:sld>
+</file>
+
 <file path=ppt/slides/slide2.xml><?xml version="1.0" encoding="utf-8"?>
 <p:sld xmlns:a="http://schemas.openxmlformats.org/drawingml/2006/main" xmlns:r="http://schemas.openxmlformats.org/officeDocument/2006/relationships" xmlns:p="http://schemas.openxmlformats.org/presentationml/2006/main">
   <p:cSld>
@@ -3691,6 +4733,508 @@
     <p:extLst>
       <p:ext uri="{BB962C8B-B14F-4D97-AF65-F5344CB8AC3E}">
         <p14:creationId xmlns:p14="http://schemas.microsoft.com/office/powerpoint/2010/main" val="1964671319"/>
+      </p:ext>
+    </p:extLst>
+  </p:cSld>
+  <p:clrMapOvr>
+    <a:masterClrMapping/>
+  </p:clrMapOvr>
+</p:sld>
+</file>
+
+<file path=ppt/slides/slide20.xml><?xml version="1.0" encoding="utf-8"?>
+<p:sld xmlns:a="http://schemas.openxmlformats.org/drawingml/2006/main" xmlns:r="http://schemas.openxmlformats.org/officeDocument/2006/relationships" xmlns:p="http://schemas.openxmlformats.org/presentationml/2006/main">
+  <p:cSld>
+    <p:spTree>
+      <p:nvGrpSpPr>
+        <p:cNvPr id="1" name=""/>
+        <p:cNvGrpSpPr/>
+        <p:nvPr/>
+      </p:nvGrpSpPr>
+      <p:grpSpPr>
+        <a:xfrm>
+          <a:off x="0" y="0"/>
+          <a:ext cx="0" cy="0"/>
+          <a:chOff x="0" y="0"/>
+          <a:chExt cx="0" cy="0"/>
+        </a:xfrm>
+      </p:grpSpPr>
+      <p:sp>
+        <p:nvSpPr>
+          <p:cNvPr id="2" name="Title 1">
+            <a:extLst>
+              <a:ext uri="{FF2B5EF4-FFF2-40B4-BE49-F238E27FC236}">
+                <a16:creationId xmlns:a16="http://schemas.microsoft.com/office/drawing/2014/main" id="{B2833257-413E-450A-A30A-C369331CBEF4}"/>
+              </a:ext>
+            </a:extLst>
+          </p:cNvPr>
+          <p:cNvSpPr>
+            <a:spLocks noGrp="1"/>
+          </p:cNvSpPr>
+          <p:nvPr>
+            <p:ph type="title"/>
+          </p:nvPr>
+        </p:nvSpPr>
+        <p:spPr>
+          <a:xfrm>
+            <a:off x="838200" y="-68984"/>
+            <a:ext cx="10515600" cy="1325563"/>
+          </a:xfrm>
+        </p:spPr>
+        <p:txBody>
+          <a:bodyPr/>
+          <a:lstStyle/>
+          <a:p>
+            <a:r>
+              <a:rPr lang="en-US" dirty="0"/>
+              <a:t>Array</a:t>
+            </a:r>
+          </a:p>
+        </p:txBody>
+      </p:sp>
+      <p:sp>
+        <p:nvSpPr>
+          <p:cNvPr id="3" name="Content Placeholder 2">
+            <a:extLst>
+              <a:ext uri="{FF2B5EF4-FFF2-40B4-BE49-F238E27FC236}">
+                <a16:creationId xmlns:a16="http://schemas.microsoft.com/office/drawing/2014/main" id="{3CDA4181-191F-49F0-8932-403FAC36590D}"/>
+              </a:ext>
+            </a:extLst>
+          </p:cNvPr>
+          <p:cNvSpPr>
+            <a:spLocks noGrp="1"/>
+          </p:cNvSpPr>
+          <p:nvPr>
+            <p:ph idx="1"/>
+          </p:nvPr>
+        </p:nvSpPr>
+        <p:spPr>
+          <a:xfrm>
+            <a:off x="838200" y="1077480"/>
+            <a:ext cx="10515600" cy="4351338"/>
+          </a:xfrm>
+        </p:spPr>
+        <p:txBody>
+          <a:bodyPr/>
+          <a:lstStyle/>
+          <a:p>
+            <a:r>
+              <a:rPr lang="en-US" dirty="0"/>
+              <a:t>1 D :</a:t>
+            </a:r>
+          </a:p>
+          <a:p>
+            <a:endParaRPr lang="en-US" dirty="0"/>
+          </a:p>
+          <a:p>
+            <a:endParaRPr lang="en-US" dirty="0"/>
+          </a:p>
+          <a:p>
+            <a:endParaRPr lang="en-US" dirty="0"/>
+          </a:p>
+          <a:p>
+            <a:r>
+              <a:rPr lang="en-US" dirty="0"/>
+              <a:t>2D: </a:t>
+            </a:r>
+          </a:p>
+          <a:p>
+            <a:pPr lvl="2"/>
+            <a:endParaRPr lang="en-US" dirty="0"/>
+          </a:p>
+        </p:txBody>
+      </p:sp>
+      <p:pic>
+        <p:nvPicPr>
+          <p:cNvPr id="5" name="Picture 4">
+            <a:extLst>
+              <a:ext uri="{FF2B5EF4-FFF2-40B4-BE49-F238E27FC236}">
+                <a16:creationId xmlns:a16="http://schemas.microsoft.com/office/drawing/2014/main" id="{8A139D6C-7339-4D1A-9DA0-DC2B5640F10D}"/>
+              </a:ext>
+            </a:extLst>
+          </p:cNvPr>
+          <p:cNvPicPr>
+            <a:picLocks noChangeAspect="1"/>
+          </p:cNvPicPr>
+          <p:nvPr/>
+        </p:nvPicPr>
+        <p:blipFill>
+          <a:blip r:embed="rId2"/>
+          <a:stretch>
+            <a:fillRect/>
+          </a:stretch>
+        </p:blipFill>
+        <p:spPr>
+          <a:xfrm>
+            <a:off x="2484294" y="1077480"/>
+            <a:ext cx="3067050" cy="1571625"/>
+          </a:xfrm>
+          <a:prstGeom prst="rect">
+            <a:avLst/>
+          </a:prstGeom>
+        </p:spPr>
+      </p:pic>
+      <p:pic>
+        <p:nvPicPr>
+          <p:cNvPr id="7" name="Picture 6">
+            <a:extLst>
+              <a:ext uri="{FF2B5EF4-FFF2-40B4-BE49-F238E27FC236}">
+                <a16:creationId xmlns:a16="http://schemas.microsoft.com/office/drawing/2014/main" id="{7E0A3BEE-FD46-455C-B41F-783830FA256B}"/>
+              </a:ext>
+            </a:extLst>
+          </p:cNvPr>
+          <p:cNvPicPr>
+            <a:picLocks noChangeAspect="1"/>
+          </p:cNvPicPr>
+          <p:nvPr/>
+        </p:nvPicPr>
+        <p:blipFill>
+          <a:blip r:embed="rId3"/>
+          <a:stretch>
+            <a:fillRect/>
+          </a:stretch>
+        </p:blipFill>
+        <p:spPr>
+          <a:xfrm>
+            <a:off x="2414215" y="3555424"/>
+            <a:ext cx="2619316" cy="1984951"/>
+          </a:xfrm>
+          <a:prstGeom prst="rect">
+            <a:avLst/>
+          </a:prstGeom>
+        </p:spPr>
+      </p:pic>
+    </p:spTree>
+    <p:extLst>
+      <p:ext uri="{BB962C8B-B14F-4D97-AF65-F5344CB8AC3E}">
+        <p14:creationId xmlns:p14="http://schemas.microsoft.com/office/powerpoint/2010/main" val="1476443739"/>
+      </p:ext>
+    </p:extLst>
+  </p:cSld>
+  <p:clrMapOvr>
+    <a:masterClrMapping/>
+  </p:clrMapOvr>
+</p:sld>
+</file>
+
+<file path=ppt/slides/slide21.xml><?xml version="1.0" encoding="utf-8"?>
+<p:sld xmlns:a="http://schemas.openxmlformats.org/drawingml/2006/main" xmlns:r="http://schemas.openxmlformats.org/officeDocument/2006/relationships" xmlns:p="http://schemas.openxmlformats.org/presentationml/2006/main">
+  <p:cSld>
+    <p:spTree>
+      <p:nvGrpSpPr>
+        <p:cNvPr id="1" name=""/>
+        <p:cNvGrpSpPr/>
+        <p:nvPr/>
+      </p:nvGrpSpPr>
+      <p:grpSpPr>
+        <a:xfrm>
+          <a:off x="0" y="0"/>
+          <a:ext cx="0" cy="0"/>
+          <a:chOff x="0" y="0"/>
+          <a:chExt cx="0" cy="0"/>
+        </a:xfrm>
+      </p:grpSpPr>
+      <p:sp>
+        <p:nvSpPr>
+          <p:cNvPr id="2" name="Title 1">
+            <a:extLst>
+              <a:ext uri="{FF2B5EF4-FFF2-40B4-BE49-F238E27FC236}">
+                <a16:creationId xmlns:a16="http://schemas.microsoft.com/office/drawing/2014/main" id="{021DF1EF-8598-4E49-912C-E882AFECD37D}"/>
+              </a:ext>
+            </a:extLst>
+          </p:cNvPr>
+          <p:cNvSpPr>
+            <a:spLocks noGrp="1"/>
+          </p:cNvSpPr>
+          <p:nvPr>
+            <p:ph type="title"/>
+          </p:nvPr>
+        </p:nvSpPr>
+        <p:spPr/>
+        <p:txBody>
+          <a:bodyPr/>
+          <a:lstStyle/>
+          <a:p>
+            <a:r>
+              <a:rPr lang="en-US" dirty="0" err="1"/>
+              <a:t>Varargs</a:t>
+            </a:r>
+            <a:endParaRPr lang="en-US" dirty="0"/>
+          </a:p>
+        </p:txBody>
+      </p:sp>
+      <p:pic>
+        <p:nvPicPr>
+          <p:cNvPr id="5" name="Content Placeholder 4">
+            <a:extLst>
+              <a:ext uri="{FF2B5EF4-FFF2-40B4-BE49-F238E27FC236}">
+                <a16:creationId xmlns:a16="http://schemas.microsoft.com/office/drawing/2014/main" id="{94E38CA4-9A52-4CE1-BA41-5EA15585E2E1}"/>
+              </a:ext>
+            </a:extLst>
+          </p:cNvPr>
+          <p:cNvPicPr>
+            <a:picLocks noGrp="1" noChangeAspect="1"/>
+          </p:cNvPicPr>
+          <p:nvPr>
+            <p:ph idx="1"/>
+          </p:nvPr>
+        </p:nvPicPr>
+        <p:blipFill>
+          <a:blip r:embed="rId2"/>
+          <a:stretch>
+            <a:fillRect/>
+          </a:stretch>
+        </p:blipFill>
+        <p:spPr>
+          <a:xfrm>
+            <a:off x="1000125" y="1912278"/>
+            <a:ext cx="5766683" cy="4279202"/>
+          </a:xfrm>
+        </p:spPr>
+      </p:pic>
+    </p:spTree>
+    <p:extLst>
+      <p:ext uri="{BB962C8B-B14F-4D97-AF65-F5344CB8AC3E}">
+        <p14:creationId xmlns:p14="http://schemas.microsoft.com/office/powerpoint/2010/main" val="2026371522"/>
+      </p:ext>
+    </p:extLst>
+  </p:cSld>
+  <p:clrMapOvr>
+    <a:masterClrMapping/>
+  </p:clrMapOvr>
+</p:sld>
+</file>
+
+<file path=ppt/slides/slide22.xml><?xml version="1.0" encoding="utf-8"?>
+<p:sld xmlns:a="http://schemas.openxmlformats.org/drawingml/2006/main" xmlns:r="http://schemas.openxmlformats.org/officeDocument/2006/relationships" xmlns:p="http://schemas.openxmlformats.org/presentationml/2006/main">
+  <p:cSld>
+    <p:spTree>
+      <p:nvGrpSpPr>
+        <p:cNvPr id="1" name=""/>
+        <p:cNvGrpSpPr/>
+        <p:nvPr/>
+      </p:nvGrpSpPr>
+      <p:grpSpPr>
+        <a:xfrm>
+          <a:off x="0" y="0"/>
+          <a:ext cx="0" cy="0"/>
+          <a:chOff x="0" y="0"/>
+          <a:chExt cx="0" cy="0"/>
+        </a:xfrm>
+      </p:grpSpPr>
+      <p:sp>
+        <p:nvSpPr>
+          <p:cNvPr id="2" name="Title 1">
+            <a:extLst>
+              <a:ext uri="{FF2B5EF4-FFF2-40B4-BE49-F238E27FC236}">
+                <a16:creationId xmlns:a16="http://schemas.microsoft.com/office/drawing/2014/main" id="{426342E1-030C-4F2B-BA8C-C4355625771C}"/>
+              </a:ext>
+            </a:extLst>
+          </p:cNvPr>
+          <p:cNvSpPr>
+            <a:spLocks noGrp="1"/>
+          </p:cNvSpPr>
+          <p:nvPr>
+            <p:ph type="title"/>
+          </p:nvPr>
+        </p:nvSpPr>
+        <p:spPr/>
+        <p:txBody>
+          <a:bodyPr/>
+          <a:lstStyle/>
+          <a:p>
+            <a:r>
+              <a:rPr lang="en-US" dirty="0"/>
+              <a:t>Inheritance </a:t>
+            </a:r>
+          </a:p>
+        </p:txBody>
+      </p:sp>
+      <p:pic>
+        <p:nvPicPr>
+          <p:cNvPr id="9" name="Content Placeholder 8">
+            <a:extLst>
+              <a:ext uri="{FF2B5EF4-FFF2-40B4-BE49-F238E27FC236}">
+                <a16:creationId xmlns:a16="http://schemas.microsoft.com/office/drawing/2014/main" id="{8D1522B3-C707-43DE-B4CD-B3AF834AA4AA}"/>
+              </a:ext>
+            </a:extLst>
+          </p:cNvPr>
+          <p:cNvPicPr>
+            <a:picLocks noGrp="1" noChangeAspect="1"/>
+          </p:cNvPicPr>
+          <p:nvPr>
+            <p:ph idx="1"/>
+          </p:nvPr>
+        </p:nvPicPr>
+        <p:blipFill>
+          <a:blip r:embed="rId2"/>
+          <a:stretch>
+            <a:fillRect/>
+          </a:stretch>
+        </p:blipFill>
+        <p:spPr>
+          <a:xfrm>
+            <a:off x="838200" y="1869692"/>
+            <a:ext cx="4291022" cy="4351338"/>
+          </a:xfrm>
+        </p:spPr>
+      </p:pic>
+    </p:spTree>
+    <p:extLst>
+      <p:ext uri="{BB962C8B-B14F-4D97-AF65-F5344CB8AC3E}">
+        <p14:creationId xmlns:p14="http://schemas.microsoft.com/office/powerpoint/2010/main" val="2616497364"/>
+      </p:ext>
+    </p:extLst>
+  </p:cSld>
+  <p:clrMapOvr>
+    <a:masterClrMapping/>
+  </p:clrMapOvr>
+</p:sld>
+</file>
+
+<file path=ppt/slides/slide23.xml><?xml version="1.0" encoding="utf-8"?>
+<p:sld xmlns:a="http://schemas.openxmlformats.org/drawingml/2006/main" xmlns:r="http://schemas.openxmlformats.org/officeDocument/2006/relationships" xmlns:p="http://schemas.openxmlformats.org/presentationml/2006/main">
+  <p:cSld>
+    <p:spTree>
+      <p:nvGrpSpPr>
+        <p:cNvPr id="1" name=""/>
+        <p:cNvGrpSpPr/>
+        <p:nvPr/>
+      </p:nvGrpSpPr>
+      <p:grpSpPr>
+        <a:xfrm>
+          <a:off x="0" y="0"/>
+          <a:ext cx="0" cy="0"/>
+          <a:chOff x="0" y="0"/>
+          <a:chExt cx="0" cy="0"/>
+        </a:xfrm>
+      </p:grpSpPr>
+      <p:sp>
+        <p:nvSpPr>
+          <p:cNvPr id="2" name="Title 1">
+            <a:extLst>
+              <a:ext uri="{FF2B5EF4-FFF2-40B4-BE49-F238E27FC236}">
+                <a16:creationId xmlns:a16="http://schemas.microsoft.com/office/drawing/2014/main" id="{F8AC1739-9CE9-4DB1-B706-3A9207427227}"/>
+              </a:ext>
+            </a:extLst>
+          </p:cNvPr>
+          <p:cNvSpPr>
+            <a:spLocks noGrp="1"/>
+          </p:cNvSpPr>
+          <p:nvPr>
+            <p:ph type="title"/>
+          </p:nvPr>
+        </p:nvSpPr>
+        <p:spPr>
+          <a:xfrm>
+            <a:off x="461818" y="-78220"/>
+            <a:ext cx="10515600" cy="1325563"/>
+          </a:xfrm>
+        </p:spPr>
+        <p:txBody>
+          <a:bodyPr/>
+          <a:lstStyle/>
+          <a:p>
+            <a:r>
+              <a:rPr lang="en-US" dirty="0"/>
+              <a:t>Super variables, method, constructors</a:t>
+            </a:r>
+          </a:p>
+        </p:txBody>
+      </p:sp>
+      <p:pic>
+        <p:nvPicPr>
+          <p:cNvPr id="5" name="Content Placeholder 4">
+            <a:extLst>
+              <a:ext uri="{FF2B5EF4-FFF2-40B4-BE49-F238E27FC236}">
+                <a16:creationId xmlns:a16="http://schemas.microsoft.com/office/drawing/2014/main" id="{08D06D94-9041-4260-BF4B-24101DE628CC}"/>
+              </a:ext>
+            </a:extLst>
+          </p:cNvPr>
+          <p:cNvPicPr>
+            <a:picLocks noGrp="1" noChangeAspect="1"/>
+          </p:cNvPicPr>
+          <p:nvPr>
+            <p:ph idx="1"/>
+          </p:nvPr>
+        </p:nvPicPr>
+        <p:blipFill>
+          <a:blip r:embed="rId2"/>
+          <a:stretch>
+            <a:fillRect/>
+          </a:stretch>
+        </p:blipFill>
+        <p:spPr>
+          <a:xfrm>
+            <a:off x="237884" y="1177619"/>
+            <a:ext cx="3194444" cy="2601279"/>
+          </a:xfrm>
+        </p:spPr>
+      </p:pic>
+      <p:pic>
+        <p:nvPicPr>
+          <p:cNvPr id="7" name="Picture 6">
+            <a:extLst>
+              <a:ext uri="{FF2B5EF4-FFF2-40B4-BE49-F238E27FC236}">
+                <a16:creationId xmlns:a16="http://schemas.microsoft.com/office/drawing/2014/main" id="{098CDE5F-4277-4608-8687-C1681C59DA01}"/>
+              </a:ext>
+            </a:extLst>
+          </p:cNvPr>
+          <p:cNvPicPr>
+            <a:picLocks noChangeAspect="1"/>
+          </p:cNvPicPr>
+          <p:nvPr/>
+        </p:nvPicPr>
+        <p:blipFill>
+          <a:blip r:embed="rId3"/>
+          <a:stretch>
+            <a:fillRect/>
+          </a:stretch>
+        </p:blipFill>
+        <p:spPr>
+          <a:xfrm>
+            <a:off x="3656262" y="1179215"/>
+            <a:ext cx="3316780" cy="2783185"/>
+          </a:xfrm>
+          <a:prstGeom prst="rect">
+            <a:avLst/>
+          </a:prstGeom>
+        </p:spPr>
+      </p:pic>
+      <p:pic>
+        <p:nvPicPr>
+          <p:cNvPr id="9" name="Picture 8">
+            <a:extLst>
+              <a:ext uri="{FF2B5EF4-FFF2-40B4-BE49-F238E27FC236}">
+                <a16:creationId xmlns:a16="http://schemas.microsoft.com/office/drawing/2014/main" id="{E17DA7F7-3630-4E5A-901E-053BC603C24D}"/>
+              </a:ext>
+            </a:extLst>
+          </p:cNvPr>
+          <p:cNvPicPr>
+            <a:picLocks noChangeAspect="1"/>
+          </p:cNvPicPr>
+          <p:nvPr/>
+        </p:nvPicPr>
+        <p:blipFill>
+          <a:blip r:embed="rId4"/>
+          <a:stretch>
+            <a:fillRect/>
+          </a:stretch>
+        </p:blipFill>
+        <p:spPr>
+          <a:xfrm>
+            <a:off x="7496416" y="1065645"/>
+            <a:ext cx="4457700" cy="4191000"/>
+          </a:xfrm>
+          <a:prstGeom prst="rect">
+            <a:avLst/>
+          </a:prstGeom>
+        </p:spPr>
+      </p:pic>
+    </p:spTree>
+    <p:extLst>
+      <p:ext uri="{BB962C8B-B14F-4D97-AF65-F5344CB8AC3E}">
+        <p14:creationId xmlns:p14="http://schemas.microsoft.com/office/powerpoint/2010/main" val="1044968318"/>
       </p:ext>
     </p:extLst>
   </p:cSld>

--- a/Youtube_tutorial/Notes.pptx
+++ b/Youtube_tutorial/Notes.pptx
@@ -28,6 +28,7 @@
     <p:sldId id="277" r:id="rId22"/>
     <p:sldId id="278" r:id="rId23"/>
     <p:sldId id="279" r:id="rId24"/>
+    <p:sldId id="280" r:id="rId25"/>
   </p:sldIdLst>
   <p:sldSz cx="12192000" cy="6858000"/>
   <p:notesSz cx="6858000" cy="9144000"/>
@@ -281,7 +282,7 @@
           <a:p>
             <a:fld id="{2B2593D1-B1B8-4118-AA01-962ACD022BA4}" type="datetimeFigureOut">
               <a:rPr lang="en-US" smtClean="0"/>
-              <a:t>9/7/2021</a:t>
+              <a:t>9/9/2021</a:t>
             </a:fld>
             <a:endParaRPr lang="en-US"/>
           </a:p>
@@ -479,7 +480,7 @@
           <a:p>
             <a:fld id="{2B2593D1-B1B8-4118-AA01-962ACD022BA4}" type="datetimeFigureOut">
               <a:rPr lang="en-US" smtClean="0"/>
-              <a:t>9/7/2021</a:t>
+              <a:t>9/9/2021</a:t>
             </a:fld>
             <a:endParaRPr lang="en-US"/>
           </a:p>
@@ -687,7 +688,7 @@
           <a:p>
             <a:fld id="{2B2593D1-B1B8-4118-AA01-962ACD022BA4}" type="datetimeFigureOut">
               <a:rPr lang="en-US" smtClean="0"/>
-              <a:t>9/7/2021</a:t>
+              <a:t>9/9/2021</a:t>
             </a:fld>
             <a:endParaRPr lang="en-US"/>
           </a:p>
@@ -885,7 +886,7 @@
           <a:p>
             <a:fld id="{2B2593D1-B1B8-4118-AA01-962ACD022BA4}" type="datetimeFigureOut">
               <a:rPr lang="en-US" smtClean="0"/>
-              <a:t>9/7/2021</a:t>
+              <a:t>9/9/2021</a:t>
             </a:fld>
             <a:endParaRPr lang="en-US"/>
           </a:p>
@@ -1160,7 +1161,7 @@
           <a:p>
             <a:fld id="{2B2593D1-B1B8-4118-AA01-962ACD022BA4}" type="datetimeFigureOut">
               <a:rPr lang="en-US" smtClean="0"/>
-              <a:t>9/7/2021</a:t>
+              <a:t>9/9/2021</a:t>
             </a:fld>
             <a:endParaRPr lang="en-US"/>
           </a:p>
@@ -1425,7 +1426,7 @@
           <a:p>
             <a:fld id="{2B2593D1-B1B8-4118-AA01-962ACD022BA4}" type="datetimeFigureOut">
               <a:rPr lang="en-US" smtClean="0"/>
-              <a:t>9/7/2021</a:t>
+              <a:t>9/9/2021</a:t>
             </a:fld>
             <a:endParaRPr lang="en-US"/>
           </a:p>
@@ -1837,7 +1838,7 @@
           <a:p>
             <a:fld id="{2B2593D1-B1B8-4118-AA01-962ACD022BA4}" type="datetimeFigureOut">
               <a:rPr lang="en-US" smtClean="0"/>
-              <a:t>9/7/2021</a:t>
+              <a:t>9/9/2021</a:t>
             </a:fld>
             <a:endParaRPr lang="en-US"/>
           </a:p>
@@ -1978,7 +1979,7 @@
           <a:p>
             <a:fld id="{2B2593D1-B1B8-4118-AA01-962ACD022BA4}" type="datetimeFigureOut">
               <a:rPr lang="en-US" smtClean="0"/>
-              <a:t>9/7/2021</a:t>
+              <a:t>9/9/2021</a:t>
             </a:fld>
             <a:endParaRPr lang="en-US"/>
           </a:p>
@@ -2091,7 +2092,7 @@
           <a:p>
             <a:fld id="{2B2593D1-B1B8-4118-AA01-962ACD022BA4}" type="datetimeFigureOut">
               <a:rPr lang="en-US" smtClean="0"/>
-              <a:t>9/7/2021</a:t>
+              <a:t>9/9/2021</a:t>
             </a:fld>
             <a:endParaRPr lang="en-US"/>
           </a:p>
@@ -2402,7 +2403,7 @@
           <a:p>
             <a:fld id="{2B2593D1-B1B8-4118-AA01-962ACD022BA4}" type="datetimeFigureOut">
               <a:rPr lang="en-US" smtClean="0"/>
-              <a:t>9/7/2021</a:t>
+              <a:t>9/9/2021</a:t>
             </a:fld>
             <a:endParaRPr lang="en-US"/>
           </a:p>
@@ -2690,7 +2691,7 @@
           <a:p>
             <a:fld id="{2B2593D1-B1B8-4118-AA01-962ACD022BA4}" type="datetimeFigureOut">
               <a:rPr lang="en-US" smtClean="0"/>
-              <a:t>9/7/2021</a:t>
+              <a:t>9/9/2021</a:t>
             </a:fld>
             <a:endParaRPr lang="en-US"/>
           </a:p>
@@ -2931,7 +2932,7 @@
           <a:p>
             <a:fld id="{2B2593D1-B1B8-4118-AA01-962ACD022BA4}" type="datetimeFigureOut">
               <a:rPr lang="en-US" smtClean="0"/>
-              <a:t>9/7/2021</a:t>
+              <a:t>9/9/2021</a:t>
             </a:fld>
             <a:endParaRPr lang="en-US"/>
           </a:p>
@@ -5244,6 +5245,135 @@
 </p:sld>
 </file>
 
+<file path=ppt/slides/slide24.xml><?xml version="1.0" encoding="utf-8"?>
+<p:sld xmlns:a="http://schemas.openxmlformats.org/drawingml/2006/main" xmlns:r="http://schemas.openxmlformats.org/officeDocument/2006/relationships" xmlns:p="http://schemas.openxmlformats.org/presentationml/2006/main">
+  <p:cSld>
+    <p:spTree>
+      <p:nvGrpSpPr>
+        <p:cNvPr id="1" name=""/>
+        <p:cNvGrpSpPr/>
+        <p:nvPr/>
+      </p:nvGrpSpPr>
+      <p:grpSpPr>
+        <a:xfrm>
+          <a:off x="0" y="0"/>
+          <a:ext cx="0" cy="0"/>
+          <a:chOff x="0" y="0"/>
+          <a:chExt cx="0" cy="0"/>
+        </a:xfrm>
+      </p:grpSpPr>
+      <p:sp>
+        <p:nvSpPr>
+          <p:cNvPr id="2" name="Title 1">
+            <a:extLst>
+              <a:ext uri="{FF2B5EF4-FFF2-40B4-BE49-F238E27FC236}">
+                <a16:creationId xmlns:a16="http://schemas.microsoft.com/office/drawing/2014/main" id="{9BEFA51F-C07C-4780-BC3C-449A7EC9D68F}"/>
+              </a:ext>
+            </a:extLst>
+          </p:cNvPr>
+          <p:cNvSpPr>
+            <a:spLocks noGrp="1"/>
+          </p:cNvSpPr>
+          <p:nvPr>
+            <p:ph type="title"/>
+          </p:nvPr>
+        </p:nvSpPr>
+        <p:spPr>
+          <a:xfrm>
+            <a:off x="600878" y="-113708"/>
+            <a:ext cx="10515600" cy="1325563"/>
+          </a:xfrm>
+        </p:spPr>
+        <p:txBody>
+          <a:bodyPr/>
+          <a:lstStyle/>
+          <a:p>
+            <a:r>
+              <a:rPr lang="en-US" dirty="0"/>
+              <a:t>Method overriding</a:t>
+            </a:r>
+          </a:p>
+        </p:txBody>
+      </p:sp>
+      <p:sp>
+        <p:nvSpPr>
+          <p:cNvPr id="3" name="Content Placeholder 2">
+            <a:extLst>
+              <a:ext uri="{FF2B5EF4-FFF2-40B4-BE49-F238E27FC236}">
+                <a16:creationId xmlns:a16="http://schemas.microsoft.com/office/drawing/2014/main" id="{B95D8942-4745-4602-B67C-3ED6D61C28F3}"/>
+              </a:ext>
+            </a:extLst>
+          </p:cNvPr>
+          <p:cNvSpPr>
+            <a:spLocks noGrp="1"/>
+          </p:cNvSpPr>
+          <p:nvPr>
+            <p:ph idx="1"/>
+          </p:nvPr>
+        </p:nvSpPr>
+        <p:spPr>
+          <a:xfrm>
+            <a:off x="363557" y="1211855"/>
+            <a:ext cx="10990243" cy="4965108"/>
+          </a:xfrm>
+        </p:spPr>
+        <p:txBody>
+          <a:bodyPr/>
+          <a:lstStyle/>
+          <a:p>
+            <a:r>
+              <a:rPr lang="en-US" dirty="0"/>
+              <a:t>Child method override parent method</a:t>
+            </a:r>
+          </a:p>
+          <a:p>
+            <a:endParaRPr lang="en-US" dirty="0"/>
+          </a:p>
+        </p:txBody>
+      </p:sp>
+      <p:pic>
+        <p:nvPicPr>
+          <p:cNvPr id="5" name="Picture 4">
+            <a:extLst>
+              <a:ext uri="{FF2B5EF4-FFF2-40B4-BE49-F238E27FC236}">
+                <a16:creationId xmlns:a16="http://schemas.microsoft.com/office/drawing/2014/main" id="{848B0205-9BA0-4370-8771-E35809B68454}"/>
+              </a:ext>
+            </a:extLst>
+          </p:cNvPr>
+          <p:cNvPicPr>
+            <a:picLocks noChangeAspect="1"/>
+          </p:cNvPicPr>
+          <p:nvPr/>
+        </p:nvPicPr>
+        <p:blipFill>
+          <a:blip r:embed="rId2"/>
+          <a:stretch>
+            <a:fillRect/>
+          </a:stretch>
+        </p:blipFill>
+        <p:spPr>
+          <a:xfrm>
+            <a:off x="600878" y="1806765"/>
+            <a:ext cx="5907947" cy="4852700"/>
+          </a:xfrm>
+          <a:prstGeom prst="rect">
+            <a:avLst/>
+          </a:prstGeom>
+        </p:spPr>
+      </p:pic>
+    </p:spTree>
+    <p:extLst>
+      <p:ext uri="{BB962C8B-B14F-4D97-AF65-F5344CB8AC3E}">
+        <p14:creationId xmlns:p14="http://schemas.microsoft.com/office/powerpoint/2010/main" val="1887756621"/>
+      </p:ext>
+    </p:extLst>
+  </p:cSld>
+  <p:clrMapOvr>
+    <a:masterClrMapping/>
+  </p:clrMapOvr>
+</p:sld>
+</file>
+
 <file path=ppt/slides/slide3.xml><?xml version="1.0" encoding="utf-8"?>
 <p:sld xmlns:a="http://schemas.openxmlformats.org/drawingml/2006/main" xmlns:r="http://schemas.openxmlformats.org/officeDocument/2006/relationships" xmlns:p="http://schemas.openxmlformats.org/presentationml/2006/main">
   <p:cSld>

--- a/Youtube_tutorial/Notes.pptx
+++ b/Youtube_tutorial/Notes.pptx
@@ -4,31 +4,47 @@
   <p:sldMasterIdLst>
     <p:sldMasterId id="2147483648" r:id="rId1"/>
   </p:sldMasterIdLst>
+  <p:notesMasterIdLst>
+    <p:notesMasterId r:id="rId39"/>
+  </p:notesMasterIdLst>
   <p:sldIdLst>
     <p:sldId id="256" r:id="rId2"/>
-    <p:sldId id="258" r:id="rId3"/>
-    <p:sldId id="259" r:id="rId4"/>
-    <p:sldId id="260" r:id="rId5"/>
-    <p:sldId id="261" r:id="rId6"/>
-    <p:sldId id="262" r:id="rId7"/>
-    <p:sldId id="263" r:id="rId8"/>
-    <p:sldId id="264" r:id="rId9"/>
-    <p:sldId id="265" r:id="rId10"/>
-    <p:sldId id="266" r:id="rId11"/>
-    <p:sldId id="267" r:id="rId12"/>
-    <p:sldId id="268" r:id="rId13"/>
-    <p:sldId id="269" r:id="rId14"/>
-    <p:sldId id="270" r:id="rId15"/>
-    <p:sldId id="271" r:id="rId16"/>
-    <p:sldId id="272" r:id="rId17"/>
-    <p:sldId id="273" r:id="rId18"/>
-    <p:sldId id="274" r:id="rId19"/>
-    <p:sldId id="275" r:id="rId20"/>
-    <p:sldId id="276" r:id="rId21"/>
-    <p:sldId id="277" r:id="rId22"/>
-    <p:sldId id="278" r:id="rId23"/>
-    <p:sldId id="279" r:id="rId24"/>
-    <p:sldId id="280" r:id="rId25"/>
+    <p:sldId id="284" r:id="rId3"/>
+    <p:sldId id="258" r:id="rId4"/>
+    <p:sldId id="259" r:id="rId5"/>
+    <p:sldId id="260" r:id="rId6"/>
+    <p:sldId id="261" r:id="rId7"/>
+    <p:sldId id="262" r:id="rId8"/>
+    <p:sldId id="263" r:id="rId9"/>
+    <p:sldId id="264" r:id="rId10"/>
+    <p:sldId id="265" r:id="rId11"/>
+    <p:sldId id="266" r:id="rId12"/>
+    <p:sldId id="267" r:id="rId13"/>
+    <p:sldId id="268" r:id="rId14"/>
+    <p:sldId id="269" r:id="rId15"/>
+    <p:sldId id="270" r:id="rId16"/>
+    <p:sldId id="271" r:id="rId17"/>
+    <p:sldId id="272" r:id="rId18"/>
+    <p:sldId id="273" r:id="rId19"/>
+    <p:sldId id="293" r:id="rId20"/>
+    <p:sldId id="274" r:id="rId21"/>
+    <p:sldId id="275" r:id="rId22"/>
+    <p:sldId id="276" r:id="rId23"/>
+    <p:sldId id="292" r:id="rId24"/>
+    <p:sldId id="277" r:id="rId25"/>
+    <p:sldId id="278" r:id="rId26"/>
+    <p:sldId id="279" r:id="rId27"/>
+    <p:sldId id="280" r:id="rId28"/>
+    <p:sldId id="281" r:id="rId29"/>
+    <p:sldId id="282" r:id="rId30"/>
+    <p:sldId id="286" r:id="rId31"/>
+    <p:sldId id="283" r:id="rId32"/>
+    <p:sldId id="285" r:id="rId33"/>
+    <p:sldId id="287" r:id="rId34"/>
+    <p:sldId id="289" r:id="rId35"/>
+    <p:sldId id="288" r:id="rId36"/>
+    <p:sldId id="290" r:id="rId37"/>
+    <p:sldId id="291" r:id="rId38"/>
   </p:sldIdLst>
   <p:sldSz cx="12192000" cy="6858000"/>
   <p:notesSz cx="6858000" cy="9144000"/>
@@ -135,6 +151,439 @@
 </p:presentation>
 </file>
 
+<file path=ppt/notesMasters/notesMaster1.xml><?xml version="1.0" encoding="utf-8"?>
+<p:notesMaster xmlns:a="http://schemas.openxmlformats.org/drawingml/2006/main" xmlns:r="http://schemas.openxmlformats.org/officeDocument/2006/relationships" xmlns:p="http://schemas.openxmlformats.org/presentationml/2006/main">
+  <p:cSld>
+    <p:bg>
+      <p:bgRef idx="1001">
+        <a:schemeClr val="bg1"/>
+      </p:bgRef>
+    </p:bg>
+    <p:spTree>
+      <p:nvGrpSpPr>
+        <p:cNvPr id="1" name=""/>
+        <p:cNvGrpSpPr/>
+        <p:nvPr/>
+      </p:nvGrpSpPr>
+      <p:grpSpPr>
+        <a:xfrm>
+          <a:off x="0" y="0"/>
+          <a:ext cx="0" cy="0"/>
+          <a:chOff x="0" y="0"/>
+          <a:chExt cx="0" cy="0"/>
+        </a:xfrm>
+      </p:grpSpPr>
+      <p:sp>
+        <p:nvSpPr>
+          <p:cNvPr id="2" name="Header Placeholder 1"/>
+          <p:cNvSpPr>
+            <a:spLocks noGrp="1"/>
+          </p:cNvSpPr>
+          <p:nvPr>
+            <p:ph type="hdr" sz="quarter"/>
+          </p:nvPr>
+        </p:nvSpPr>
+        <p:spPr>
+          <a:xfrm>
+            <a:off x="0" y="0"/>
+            <a:ext cx="2971800" cy="458788"/>
+          </a:xfrm>
+          <a:prstGeom prst="rect">
+            <a:avLst/>
+          </a:prstGeom>
+        </p:spPr>
+        <p:txBody>
+          <a:bodyPr vert="horz" lIns="91440" tIns="45720" rIns="91440" bIns="45720" rtlCol="0"/>
+          <a:lstStyle>
+            <a:lvl1pPr algn="l">
+              <a:defRPr sz="1200"/>
+            </a:lvl1pPr>
+          </a:lstStyle>
+          <a:p>
+            <a:endParaRPr lang="en-US"/>
+          </a:p>
+        </p:txBody>
+      </p:sp>
+      <p:sp>
+        <p:nvSpPr>
+          <p:cNvPr id="3" name="Date Placeholder 2"/>
+          <p:cNvSpPr>
+            <a:spLocks noGrp="1"/>
+          </p:cNvSpPr>
+          <p:nvPr>
+            <p:ph type="dt" idx="1"/>
+          </p:nvPr>
+        </p:nvSpPr>
+        <p:spPr>
+          <a:xfrm>
+            <a:off x="3884613" y="0"/>
+            <a:ext cx="2971800" cy="458788"/>
+          </a:xfrm>
+          <a:prstGeom prst="rect">
+            <a:avLst/>
+          </a:prstGeom>
+        </p:spPr>
+        <p:txBody>
+          <a:bodyPr vert="horz" lIns="91440" tIns="45720" rIns="91440" bIns="45720" rtlCol="0"/>
+          <a:lstStyle>
+            <a:lvl1pPr algn="r">
+              <a:defRPr sz="1200"/>
+            </a:lvl1pPr>
+          </a:lstStyle>
+          <a:p>
+            <a:fld id="{A45F1ED8-0ED6-4914-95CE-86D30A1B8810}" type="datetimeFigureOut">
+              <a:rPr lang="en-US" smtClean="0"/>
+              <a:t>9/18/2021</a:t>
+            </a:fld>
+            <a:endParaRPr lang="en-US"/>
+          </a:p>
+        </p:txBody>
+      </p:sp>
+      <p:sp>
+        <p:nvSpPr>
+          <p:cNvPr id="4" name="Slide Image Placeholder 3"/>
+          <p:cNvSpPr>
+            <a:spLocks noGrp="1" noRot="1" noChangeAspect="1"/>
+          </p:cNvSpPr>
+          <p:nvPr>
+            <p:ph type="sldImg" idx="2"/>
+          </p:nvPr>
+        </p:nvSpPr>
+        <p:spPr>
+          <a:xfrm>
+            <a:off x="685800" y="1143000"/>
+            <a:ext cx="5486400" cy="3086100"/>
+          </a:xfrm>
+          <a:prstGeom prst="rect">
+            <a:avLst/>
+          </a:prstGeom>
+          <a:noFill/>
+          <a:ln w="12700">
+            <a:solidFill>
+              <a:prstClr val="black"/>
+            </a:solidFill>
+          </a:ln>
+        </p:spPr>
+        <p:txBody>
+          <a:bodyPr vert="horz" lIns="91440" tIns="45720" rIns="91440" bIns="45720" rtlCol="0" anchor="ctr"/>
+          <a:lstStyle/>
+          <a:p>
+            <a:endParaRPr lang="en-US"/>
+          </a:p>
+        </p:txBody>
+      </p:sp>
+      <p:sp>
+        <p:nvSpPr>
+          <p:cNvPr id="5" name="Notes Placeholder 4"/>
+          <p:cNvSpPr>
+            <a:spLocks noGrp="1"/>
+          </p:cNvSpPr>
+          <p:nvPr>
+            <p:ph type="body" sz="quarter" idx="3"/>
+          </p:nvPr>
+        </p:nvSpPr>
+        <p:spPr>
+          <a:xfrm>
+            <a:off x="685800" y="4400550"/>
+            <a:ext cx="5486400" cy="3600450"/>
+          </a:xfrm>
+          <a:prstGeom prst="rect">
+            <a:avLst/>
+          </a:prstGeom>
+        </p:spPr>
+        <p:txBody>
+          <a:bodyPr vert="horz" lIns="91440" tIns="45720" rIns="91440" bIns="45720" rtlCol="0"/>
+          <a:lstStyle/>
+          <a:p>
+            <a:pPr lvl="0"/>
+            <a:r>
+              <a:rPr lang="en-US"/>
+              <a:t>Click to edit Master text styles</a:t>
+            </a:r>
+          </a:p>
+          <a:p>
+            <a:pPr lvl="1"/>
+            <a:r>
+              <a:rPr lang="en-US"/>
+              <a:t>Second level</a:t>
+            </a:r>
+          </a:p>
+          <a:p>
+            <a:pPr lvl="2"/>
+            <a:r>
+              <a:rPr lang="en-US"/>
+              <a:t>Third level</a:t>
+            </a:r>
+          </a:p>
+          <a:p>
+            <a:pPr lvl="3"/>
+            <a:r>
+              <a:rPr lang="en-US"/>
+              <a:t>Fourth level</a:t>
+            </a:r>
+          </a:p>
+          <a:p>
+            <a:pPr lvl="4"/>
+            <a:r>
+              <a:rPr lang="en-US"/>
+              <a:t>Fifth level</a:t>
+            </a:r>
+          </a:p>
+        </p:txBody>
+      </p:sp>
+      <p:sp>
+        <p:nvSpPr>
+          <p:cNvPr id="6" name="Footer Placeholder 5"/>
+          <p:cNvSpPr>
+            <a:spLocks noGrp="1"/>
+          </p:cNvSpPr>
+          <p:nvPr>
+            <p:ph type="ftr" sz="quarter" idx="4"/>
+          </p:nvPr>
+        </p:nvSpPr>
+        <p:spPr>
+          <a:xfrm>
+            <a:off x="0" y="8685213"/>
+            <a:ext cx="2971800" cy="458787"/>
+          </a:xfrm>
+          <a:prstGeom prst="rect">
+            <a:avLst/>
+          </a:prstGeom>
+        </p:spPr>
+        <p:txBody>
+          <a:bodyPr vert="horz" lIns="91440" tIns="45720" rIns="91440" bIns="45720" rtlCol="0" anchor="b"/>
+          <a:lstStyle>
+            <a:lvl1pPr algn="l">
+              <a:defRPr sz="1200"/>
+            </a:lvl1pPr>
+          </a:lstStyle>
+          <a:p>
+            <a:endParaRPr lang="en-US"/>
+          </a:p>
+        </p:txBody>
+      </p:sp>
+      <p:sp>
+        <p:nvSpPr>
+          <p:cNvPr id="7" name="Slide Number Placeholder 6"/>
+          <p:cNvSpPr>
+            <a:spLocks noGrp="1"/>
+          </p:cNvSpPr>
+          <p:nvPr>
+            <p:ph type="sldNum" sz="quarter" idx="5"/>
+          </p:nvPr>
+        </p:nvSpPr>
+        <p:spPr>
+          <a:xfrm>
+            <a:off x="3884613" y="8685213"/>
+            <a:ext cx="2971800" cy="458787"/>
+          </a:xfrm>
+          <a:prstGeom prst="rect">
+            <a:avLst/>
+          </a:prstGeom>
+        </p:spPr>
+        <p:txBody>
+          <a:bodyPr vert="horz" lIns="91440" tIns="45720" rIns="91440" bIns="45720" rtlCol="0" anchor="b"/>
+          <a:lstStyle>
+            <a:lvl1pPr algn="r">
+              <a:defRPr sz="1200"/>
+            </a:lvl1pPr>
+          </a:lstStyle>
+          <a:p>
+            <a:fld id="{CCAB1AEE-C5CE-49EB-BE79-07D64110B078}" type="slidenum">
+              <a:rPr lang="en-US" smtClean="0"/>
+              <a:t>‹#›</a:t>
+            </a:fld>
+            <a:endParaRPr lang="en-US"/>
+          </a:p>
+        </p:txBody>
+      </p:sp>
+    </p:spTree>
+    <p:extLst>
+      <p:ext uri="{BB962C8B-B14F-4D97-AF65-F5344CB8AC3E}">
+        <p14:creationId xmlns:p14="http://schemas.microsoft.com/office/powerpoint/2010/main" val="3420580214"/>
+      </p:ext>
+    </p:extLst>
+  </p:cSld>
+  <p:clrMap bg1="lt1" tx1="dk1" bg2="lt2" tx2="dk2" accent1="accent1" accent2="accent2" accent3="accent3" accent4="accent4" accent5="accent5" accent6="accent6" hlink="hlink" folHlink="folHlink"/>
+  <p:notesStyle>
+    <a:lvl1pPr marL="0" algn="l" defTabSz="914400" rtl="0" eaLnBrk="1" latinLnBrk="0" hangingPunct="1">
+      <a:defRPr sz="1200" kern="1200">
+        <a:solidFill>
+          <a:schemeClr val="tx1"/>
+        </a:solidFill>
+        <a:latin typeface="+mn-lt"/>
+        <a:ea typeface="+mn-ea"/>
+        <a:cs typeface="+mn-cs"/>
+      </a:defRPr>
+    </a:lvl1pPr>
+    <a:lvl2pPr marL="457200" algn="l" defTabSz="914400" rtl="0" eaLnBrk="1" latinLnBrk="0" hangingPunct="1">
+      <a:defRPr sz="1200" kern="1200">
+        <a:solidFill>
+          <a:schemeClr val="tx1"/>
+        </a:solidFill>
+        <a:latin typeface="+mn-lt"/>
+        <a:ea typeface="+mn-ea"/>
+        <a:cs typeface="+mn-cs"/>
+      </a:defRPr>
+    </a:lvl2pPr>
+    <a:lvl3pPr marL="914400" algn="l" defTabSz="914400" rtl="0" eaLnBrk="1" latinLnBrk="0" hangingPunct="1">
+      <a:defRPr sz="1200" kern="1200">
+        <a:solidFill>
+          <a:schemeClr val="tx1"/>
+        </a:solidFill>
+        <a:latin typeface="+mn-lt"/>
+        <a:ea typeface="+mn-ea"/>
+        <a:cs typeface="+mn-cs"/>
+      </a:defRPr>
+    </a:lvl3pPr>
+    <a:lvl4pPr marL="1371600" algn="l" defTabSz="914400" rtl="0" eaLnBrk="1" latinLnBrk="0" hangingPunct="1">
+      <a:defRPr sz="1200" kern="1200">
+        <a:solidFill>
+          <a:schemeClr val="tx1"/>
+        </a:solidFill>
+        <a:latin typeface="+mn-lt"/>
+        <a:ea typeface="+mn-ea"/>
+        <a:cs typeface="+mn-cs"/>
+      </a:defRPr>
+    </a:lvl4pPr>
+    <a:lvl5pPr marL="1828800" algn="l" defTabSz="914400" rtl="0" eaLnBrk="1" latinLnBrk="0" hangingPunct="1">
+      <a:defRPr sz="1200" kern="1200">
+        <a:solidFill>
+          <a:schemeClr val="tx1"/>
+        </a:solidFill>
+        <a:latin typeface="+mn-lt"/>
+        <a:ea typeface="+mn-ea"/>
+        <a:cs typeface="+mn-cs"/>
+      </a:defRPr>
+    </a:lvl5pPr>
+    <a:lvl6pPr marL="2286000" algn="l" defTabSz="914400" rtl="0" eaLnBrk="1" latinLnBrk="0" hangingPunct="1">
+      <a:defRPr sz="1200" kern="1200">
+        <a:solidFill>
+          <a:schemeClr val="tx1"/>
+        </a:solidFill>
+        <a:latin typeface="+mn-lt"/>
+        <a:ea typeface="+mn-ea"/>
+        <a:cs typeface="+mn-cs"/>
+      </a:defRPr>
+    </a:lvl6pPr>
+    <a:lvl7pPr marL="2743200" algn="l" defTabSz="914400" rtl="0" eaLnBrk="1" latinLnBrk="0" hangingPunct="1">
+      <a:defRPr sz="1200" kern="1200">
+        <a:solidFill>
+          <a:schemeClr val="tx1"/>
+        </a:solidFill>
+        <a:latin typeface="+mn-lt"/>
+        <a:ea typeface="+mn-ea"/>
+        <a:cs typeface="+mn-cs"/>
+      </a:defRPr>
+    </a:lvl7pPr>
+    <a:lvl8pPr marL="3200400" algn="l" defTabSz="914400" rtl="0" eaLnBrk="1" latinLnBrk="0" hangingPunct="1">
+      <a:defRPr sz="1200" kern="1200">
+        <a:solidFill>
+          <a:schemeClr val="tx1"/>
+        </a:solidFill>
+        <a:latin typeface="+mn-lt"/>
+        <a:ea typeface="+mn-ea"/>
+        <a:cs typeface="+mn-cs"/>
+      </a:defRPr>
+    </a:lvl8pPr>
+    <a:lvl9pPr marL="3657600" algn="l" defTabSz="914400" rtl="0" eaLnBrk="1" latinLnBrk="0" hangingPunct="1">
+      <a:defRPr sz="1200" kern="1200">
+        <a:solidFill>
+          <a:schemeClr val="tx1"/>
+        </a:solidFill>
+        <a:latin typeface="+mn-lt"/>
+        <a:ea typeface="+mn-ea"/>
+        <a:cs typeface="+mn-cs"/>
+      </a:defRPr>
+    </a:lvl9pPr>
+  </p:notesStyle>
+</p:notesMaster>
+</file>
+
+<file path=ppt/notesSlides/notesSlide1.xml><?xml version="1.0" encoding="utf-8"?>
+<p:notes xmlns:a="http://schemas.openxmlformats.org/drawingml/2006/main" xmlns:r="http://schemas.openxmlformats.org/officeDocument/2006/relationships" xmlns:p="http://schemas.openxmlformats.org/presentationml/2006/main">
+  <p:cSld>
+    <p:spTree>
+      <p:nvGrpSpPr>
+        <p:cNvPr id="1" name=""/>
+        <p:cNvGrpSpPr/>
+        <p:nvPr/>
+      </p:nvGrpSpPr>
+      <p:grpSpPr>
+        <a:xfrm>
+          <a:off x="0" y="0"/>
+          <a:ext cx="0" cy="0"/>
+          <a:chOff x="0" y="0"/>
+          <a:chExt cx="0" cy="0"/>
+        </a:xfrm>
+      </p:grpSpPr>
+      <p:sp>
+        <p:nvSpPr>
+          <p:cNvPr id="2" name="Slide Image Placeholder 1"/>
+          <p:cNvSpPr>
+            <a:spLocks noGrp="1" noRot="1" noChangeAspect="1"/>
+          </p:cNvSpPr>
+          <p:nvPr>
+            <p:ph type="sldImg"/>
+          </p:nvPr>
+        </p:nvSpPr>
+        <p:spPr/>
+      </p:sp>
+      <p:sp>
+        <p:nvSpPr>
+          <p:cNvPr id="3" name="Notes Placeholder 2"/>
+          <p:cNvSpPr>
+            <a:spLocks noGrp="1"/>
+          </p:cNvSpPr>
+          <p:nvPr>
+            <p:ph type="body" idx="1"/>
+          </p:nvPr>
+        </p:nvSpPr>
+        <p:spPr/>
+        <p:txBody>
+          <a:bodyPr/>
+          <a:lstStyle/>
+          <a:p>
+            <a:endParaRPr lang="en-US" dirty="0"/>
+          </a:p>
+        </p:txBody>
+      </p:sp>
+      <p:sp>
+        <p:nvSpPr>
+          <p:cNvPr id="4" name="Slide Number Placeholder 3"/>
+          <p:cNvSpPr>
+            <a:spLocks noGrp="1"/>
+          </p:cNvSpPr>
+          <p:nvPr>
+            <p:ph type="sldNum" sz="quarter" idx="5"/>
+          </p:nvPr>
+        </p:nvSpPr>
+        <p:spPr/>
+        <p:txBody>
+          <a:bodyPr/>
+          <a:lstStyle/>
+          <a:p>
+            <a:fld id="{CCAB1AEE-C5CE-49EB-BE79-07D64110B078}" type="slidenum">
+              <a:rPr lang="en-US" smtClean="0"/>
+              <a:t>33</a:t>
+            </a:fld>
+            <a:endParaRPr lang="en-US"/>
+          </a:p>
+        </p:txBody>
+      </p:sp>
+    </p:spTree>
+    <p:extLst>
+      <p:ext uri="{BB962C8B-B14F-4D97-AF65-F5344CB8AC3E}">
+        <p14:creationId xmlns:p14="http://schemas.microsoft.com/office/powerpoint/2010/main" val="2765835080"/>
+      </p:ext>
+    </p:extLst>
+  </p:cSld>
+  <p:clrMapOvr>
+    <a:masterClrMapping/>
+  </p:clrMapOvr>
+</p:notes>
+</file>
+
 <file path=ppt/slideLayouts/slideLayout1.xml><?xml version="1.0" encoding="utf-8"?>
 <p:sldLayout xmlns:a="http://schemas.openxmlformats.org/drawingml/2006/main" xmlns:r="http://schemas.openxmlformats.org/officeDocument/2006/relationships" xmlns:p="http://schemas.openxmlformats.org/presentationml/2006/main" type="title" preserve="1">
   <p:cSld name="Title Slide">
@@ -282,7 +731,7 @@
           <a:p>
             <a:fld id="{2B2593D1-B1B8-4118-AA01-962ACD022BA4}" type="datetimeFigureOut">
               <a:rPr lang="en-US" smtClean="0"/>
-              <a:t>9/9/2021</a:t>
+              <a:t>9/18/2021</a:t>
             </a:fld>
             <a:endParaRPr lang="en-US"/>
           </a:p>
@@ -480,7 +929,7 @@
           <a:p>
             <a:fld id="{2B2593D1-B1B8-4118-AA01-962ACD022BA4}" type="datetimeFigureOut">
               <a:rPr lang="en-US" smtClean="0"/>
-              <a:t>9/9/2021</a:t>
+              <a:t>9/18/2021</a:t>
             </a:fld>
             <a:endParaRPr lang="en-US"/>
           </a:p>
@@ -688,7 +1137,7 @@
           <a:p>
             <a:fld id="{2B2593D1-B1B8-4118-AA01-962ACD022BA4}" type="datetimeFigureOut">
               <a:rPr lang="en-US" smtClean="0"/>
-              <a:t>9/9/2021</a:t>
+              <a:t>9/18/2021</a:t>
             </a:fld>
             <a:endParaRPr lang="en-US"/>
           </a:p>
@@ -886,7 +1335,7 @@
           <a:p>
             <a:fld id="{2B2593D1-B1B8-4118-AA01-962ACD022BA4}" type="datetimeFigureOut">
               <a:rPr lang="en-US" smtClean="0"/>
-              <a:t>9/9/2021</a:t>
+              <a:t>9/18/2021</a:t>
             </a:fld>
             <a:endParaRPr lang="en-US"/>
           </a:p>
@@ -1161,7 +1610,7 @@
           <a:p>
             <a:fld id="{2B2593D1-B1B8-4118-AA01-962ACD022BA4}" type="datetimeFigureOut">
               <a:rPr lang="en-US" smtClean="0"/>
-              <a:t>9/9/2021</a:t>
+              <a:t>9/18/2021</a:t>
             </a:fld>
             <a:endParaRPr lang="en-US"/>
           </a:p>
@@ -1426,7 +1875,7 @@
           <a:p>
             <a:fld id="{2B2593D1-B1B8-4118-AA01-962ACD022BA4}" type="datetimeFigureOut">
               <a:rPr lang="en-US" smtClean="0"/>
-              <a:t>9/9/2021</a:t>
+              <a:t>9/18/2021</a:t>
             </a:fld>
             <a:endParaRPr lang="en-US"/>
           </a:p>
@@ -1838,7 +2287,7 @@
           <a:p>
             <a:fld id="{2B2593D1-B1B8-4118-AA01-962ACD022BA4}" type="datetimeFigureOut">
               <a:rPr lang="en-US" smtClean="0"/>
-              <a:t>9/9/2021</a:t>
+              <a:t>9/18/2021</a:t>
             </a:fld>
             <a:endParaRPr lang="en-US"/>
           </a:p>
@@ -1979,7 +2428,7 @@
           <a:p>
             <a:fld id="{2B2593D1-B1B8-4118-AA01-962ACD022BA4}" type="datetimeFigureOut">
               <a:rPr lang="en-US" smtClean="0"/>
-              <a:t>9/9/2021</a:t>
+              <a:t>9/18/2021</a:t>
             </a:fld>
             <a:endParaRPr lang="en-US"/>
           </a:p>
@@ -2092,7 +2541,7 @@
           <a:p>
             <a:fld id="{2B2593D1-B1B8-4118-AA01-962ACD022BA4}" type="datetimeFigureOut">
               <a:rPr lang="en-US" smtClean="0"/>
-              <a:t>9/9/2021</a:t>
+              <a:t>9/18/2021</a:t>
             </a:fld>
             <a:endParaRPr lang="en-US"/>
           </a:p>
@@ -2403,7 +2852,7 @@
           <a:p>
             <a:fld id="{2B2593D1-B1B8-4118-AA01-962ACD022BA4}" type="datetimeFigureOut">
               <a:rPr lang="en-US" smtClean="0"/>
-              <a:t>9/9/2021</a:t>
+              <a:t>9/18/2021</a:t>
             </a:fld>
             <a:endParaRPr lang="en-US"/>
           </a:p>
@@ -2691,7 +3140,7 @@
           <a:p>
             <a:fld id="{2B2593D1-B1B8-4118-AA01-962ACD022BA4}" type="datetimeFigureOut">
               <a:rPr lang="en-US" smtClean="0"/>
-              <a:t>9/9/2021</a:t>
+              <a:t>9/18/2021</a:t>
             </a:fld>
             <a:endParaRPr lang="en-US"/>
           </a:p>
@@ -2932,7 +3381,7 @@
           <a:p>
             <a:fld id="{2B2593D1-B1B8-4118-AA01-962ACD022BA4}" type="datetimeFigureOut">
               <a:rPr lang="en-US" smtClean="0"/>
-              <a:t>9/9/2021</a:t>
+              <a:t>9/18/2021</a:t>
             </a:fld>
             <a:endParaRPr lang="en-US"/>
           </a:p>
@@ -3482,7 +3931,7 @@
           <p:cNvPr id="2" name="Title 1">
             <a:extLst>
               <a:ext uri="{FF2B5EF4-FFF2-40B4-BE49-F238E27FC236}">
-                <a16:creationId xmlns:a16="http://schemas.microsoft.com/office/drawing/2014/main" id="{7C01A3E4-90AA-43AD-8426-5D13FF898E4A}"/>
+                <a16:creationId xmlns:a16="http://schemas.microsoft.com/office/drawing/2014/main" id="{197E14A5-3E9D-42A9-8D55-85B9FB633899}"/>
               </a:ext>
             </a:extLst>
           </p:cNvPr>
@@ -3500,11 +3949,11 @@
           <a:p>
             <a:r>
               <a:rPr lang="en-US" dirty="0" err="1"/>
-              <a:t>Cont</a:t>
+              <a:t>Ifelse</a:t>
             </a:r>
             <a:r>
               <a:rPr lang="en-US" dirty="0"/>
-              <a:t>’…</a:t>
+              <a:t> selection (switch &amp; ternary operator)</a:t>
             </a:r>
           </a:p>
         </p:txBody>
@@ -3514,7 +3963,7 @@
           <p:cNvPr id="5" name="Content Placeholder 4">
             <a:extLst>
               <a:ext uri="{FF2B5EF4-FFF2-40B4-BE49-F238E27FC236}">
-                <a16:creationId xmlns:a16="http://schemas.microsoft.com/office/drawing/2014/main" id="{99404852-CDB4-4306-AC90-27DB62536148}"/>
+                <a16:creationId xmlns:a16="http://schemas.microsoft.com/office/drawing/2014/main" id="{C1EE37A9-619E-4F28-B1B3-09DAB6961C5A}"/>
               </a:ext>
             </a:extLst>
           </p:cNvPr>
@@ -3533,17 +3982,17 @@
         </p:blipFill>
         <p:spPr>
           <a:xfrm>
-            <a:off x="694739" y="1803591"/>
-            <a:ext cx="8533047" cy="4351338"/>
+            <a:off x="650913" y="2727363"/>
+            <a:ext cx="7391400" cy="2720137"/>
           </a:xfrm>
         </p:spPr>
       </p:pic>
       <p:cxnSp>
         <p:nvCxnSpPr>
-          <p:cNvPr id="6" name="Straight Arrow Connector 5">
-            <a:extLst>
-              <a:ext uri="{FF2B5EF4-FFF2-40B4-BE49-F238E27FC236}">
-                <a16:creationId xmlns:a16="http://schemas.microsoft.com/office/drawing/2014/main" id="{5BD524CF-B4BB-4FBB-B4B2-0E4775FD898B}"/>
+          <p:cNvPr id="7" name="Straight Arrow Connector 6">
+            <a:extLst>
+              <a:ext uri="{FF2B5EF4-FFF2-40B4-BE49-F238E27FC236}">
+                <a16:creationId xmlns:a16="http://schemas.microsoft.com/office/drawing/2014/main" id="{E8FEF510-5AA6-44FA-A93F-28F0FEE1B1FA}"/>
               </a:ext>
             </a:extLst>
           </p:cNvPr>
@@ -3552,7 +4001,7 @@
         </p:nvCxnSpPr>
         <p:spPr>
           <a:xfrm flipV="1">
-            <a:off x="9408405" y="3800819"/>
+            <a:off x="8141465" y="4065224"/>
             <a:ext cx="969484" cy="88135"/>
           </a:xfrm>
           <a:prstGeom prst="straightConnector1">
@@ -3579,10 +4028,10 @@
       </p:cxnSp>
       <p:sp>
         <p:nvSpPr>
-          <p:cNvPr id="7" name="TextBox 6">
-            <a:extLst>
-              <a:ext uri="{FF2B5EF4-FFF2-40B4-BE49-F238E27FC236}">
-                <a16:creationId xmlns:a16="http://schemas.microsoft.com/office/drawing/2014/main" id="{FDFFE7D6-008F-40CD-8C6D-14E33F6CCF4B}"/>
+          <p:cNvPr id="8" name="TextBox 7">
+            <a:extLst>
+              <a:ext uri="{FF2B5EF4-FFF2-40B4-BE49-F238E27FC236}">
+                <a16:creationId xmlns:a16="http://schemas.microsoft.com/office/drawing/2014/main" id="{2ED1FC70-7B41-417D-B136-B2AE2F9E1FB7}"/>
               </a:ext>
             </a:extLst>
           </p:cNvPr>
@@ -3591,8 +4040,8 @@
         </p:nvSpPr>
         <p:spPr>
           <a:xfrm>
-            <a:off x="10377889" y="3609928"/>
-            <a:ext cx="2225407" cy="369332"/>
+            <a:off x="9199084" y="3877937"/>
+            <a:ext cx="1762699" cy="369332"/>
           </a:xfrm>
           <a:prstGeom prst="rect">
             <a:avLst/>
@@ -3607,7 +4056,7 @@
           <a:p>
             <a:r>
               <a:rPr lang="en-US" dirty="0"/>
-              <a:t>Switch statement</a:t>
+              <a:t>Ternary operator </a:t>
             </a:r>
           </a:p>
         </p:txBody>
@@ -3615,7 +4064,7 @@
     </p:spTree>
     <p:extLst>
       <p:ext uri="{BB962C8B-B14F-4D97-AF65-F5344CB8AC3E}">
-        <p14:creationId xmlns:p14="http://schemas.microsoft.com/office/powerpoint/2010/main" val="3705514307"/>
+        <p14:creationId xmlns:p14="http://schemas.microsoft.com/office/powerpoint/2010/main" val="2535228344"/>
       </p:ext>
     </p:extLst>
   </p:cSld>
@@ -3647,7 +4096,7 @@
           <p:cNvPr id="2" name="Title 1">
             <a:extLst>
               <a:ext uri="{FF2B5EF4-FFF2-40B4-BE49-F238E27FC236}">
-                <a16:creationId xmlns:a16="http://schemas.microsoft.com/office/drawing/2014/main" id="{0337092B-0B28-4A99-ADEB-2B3FC77085A7}"/>
+                <a16:creationId xmlns:a16="http://schemas.microsoft.com/office/drawing/2014/main" id="{7C01A3E4-90AA-43AD-8426-5D13FF898E4A}"/>
               </a:ext>
             </a:extLst>
           </p:cNvPr>
@@ -3664,8 +4113,12 @@
           <a:lstStyle/>
           <a:p>
             <a:r>
+              <a:rPr lang="en-US" dirty="0" err="1"/>
+              <a:t>Cont</a:t>
+            </a:r>
+            <a:r>
               <a:rPr lang="en-US" dirty="0"/>
-              <a:t>While loop</a:t>
+              <a:t>’…</a:t>
             </a:r>
           </a:p>
         </p:txBody>
@@ -3675,7 +4128,7 @@
           <p:cNvPr id="5" name="Content Placeholder 4">
             <a:extLst>
               <a:ext uri="{FF2B5EF4-FFF2-40B4-BE49-F238E27FC236}">
-                <a16:creationId xmlns:a16="http://schemas.microsoft.com/office/drawing/2014/main" id="{867347A2-12AF-47A1-8511-2DE63A806BAA}"/>
+                <a16:creationId xmlns:a16="http://schemas.microsoft.com/office/drawing/2014/main" id="{99404852-CDB4-4306-AC90-27DB62536148}"/>
               </a:ext>
             </a:extLst>
           </p:cNvPr>
@@ -3694,15 +4147,89 @@
         </p:blipFill>
         <p:spPr>
           <a:xfrm>
-            <a:off x="1140258" y="1930616"/>
-            <a:ext cx="7343775" cy="2552700"/>
+            <a:off x="694739" y="1803591"/>
+            <a:ext cx="8533047" cy="4351338"/>
           </a:xfrm>
         </p:spPr>
       </p:pic>
+      <p:cxnSp>
+        <p:nvCxnSpPr>
+          <p:cNvPr id="6" name="Straight Arrow Connector 5">
+            <a:extLst>
+              <a:ext uri="{FF2B5EF4-FFF2-40B4-BE49-F238E27FC236}">
+                <a16:creationId xmlns:a16="http://schemas.microsoft.com/office/drawing/2014/main" id="{5BD524CF-B4BB-4FBB-B4B2-0E4775FD898B}"/>
+              </a:ext>
+            </a:extLst>
+          </p:cNvPr>
+          <p:cNvCxnSpPr/>
+          <p:nvPr/>
+        </p:nvCxnSpPr>
+        <p:spPr>
+          <a:xfrm flipV="1">
+            <a:off x="9408405" y="3800819"/>
+            <a:ext cx="969484" cy="88135"/>
+          </a:xfrm>
+          <a:prstGeom prst="straightConnector1">
+            <a:avLst/>
+          </a:prstGeom>
+          <a:ln>
+            <a:tailEnd type="triangle"/>
+          </a:ln>
+        </p:spPr>
+        <p:style>
+          <a:lnRef idx="1">
+            <a:schemeClr val="accent1"/>
+          </a:lnRef>
+          <a:fillRef idx="0">
+            <a:schemeClr val="accent1"/>
+          </a:fillRef>
+          <a:effectRef idx="0">
+            <a:schemeClr val="accent1"/>
+          </a:effectRef>
+          <a:fontRef idx="minor">
+            <a:schemeClr val="tx1"/>
+          </a:fontRef>
+        </p:style>
+      </p:cxnSp>
+      <p:sp>
+        <p:nvSpPr>
+          <p:cNvPr id="7" name="TextBox 6">
+            <a:extLst>
+              <a:ext uri="{FF2B5EF4-FFF2-40B4-BE49-F238E27FC236}">
+                <a16:creationId xmlns:a16="http://schemas.microsoft.com/office/drawing/2014/main" id="{FDFFE7D6-008F-40CD-8C6D-14E33F6CCF4B}"/>
+              </a:ext>
+            </a:extLst>
+          </p:cNvPr>
+          <p:cNvSpPr txBox="1"/>
+          <p:nvPr/>
+        </p:nvSpPr>
+        <p:spPr>
+          <a:xfrm>
+            <a:off x="10377889" y="3609928"/>
+            <a:ext cx="2225407" cy="369332"/>
+          </a:xfrm>
+          <a:prstGeom prst="rect">
+            <a:avLst/>
+          </a:prstGeom>
+          <a:noFill/>
+        </p:spPr>
+        <p:txBody>
+          <a:bodyPr wrap="square" rtlCol="0">
+            <a:spAutoFit/>
+          </a:bodyPr>
+          <a:lstStyle/>
+          <a:p>
+            <a:r>
+              <a:rPr lang="en-US" dirty="0"/>
+              <a:t>Switch statement</a:t>
+            </a:r>
+          </a:p>
+        </p:txBody>
+      </p:sp>
     </p:spTree>
     <p:extLst>
       <p:ext uri="{BB962C8B-B14F-4D97-AF65-F5344CB8AC3E}">
-        <p14:creationId xmlns:p14="http://schemas.microsoft.com/office/powerpoint/2010/main" val="2643394734"/>
+        <p14:creationId xmlns:p14="http://schemas.microsoft.com/office/powerpoint/2010/main" val="3705514307"/>
       </p:ext>
     </p:extLst>
   </p:cSld>
@@ -3734,7 +4261,7 @@
           <p:cNvPr id="2" name="Title 1">
             <a:extLst>
               <a:ext uri="{FF2B5EF4-FFF2-40B4-BE49-F238E27FC236}">
-                <a16:creationId xmlns:a16="http://schemas.microsoft.com/office/drawing/2014/main" id="{D1923482-A74E-4797-B9A9-6DD3AAA598A8}"/>
+                <a16:creationId xmlns:a16="http://schemas.microsoft.com/office/drawing/2014/main" id="{0337092B-0B28-4A99-ADEB-2B3FC77085A7}"/>
               </a:ext>
             </a:extLst>
           </p:cNvPr>
@@ -3751,64 +4278,27 @@
           <a:lstStyle/>
           <a:p>
             <a:r>
-              <a:rPr lang="en-US" dirty="0" err="1"/>
-              <a:t>dowhile</a:t>
-            </a:r>
-            <a:r>
               <a:rPr lang="en-US" dirty="0"/>
-              <a:t> loop</a:t>
-            </a:r>
-          </a:p>
-        </p:txBody>
-      </p:sp>
-      <p:sp>
-        <p:nvSpPr>
-          <p:cNvPr id="3" name="Content Placeholder 2">
-            <a:extLst>
-              <a:ext uri="{FF2B5EF4-FFF2-40B4-BE49-F238E27FC236}">
-                <a16:creationId xmlns:a16="http://schemas.microsoft.com/office/drawing/2014/main" id="{71B3F509-89DC-4C6D-ABBB-BAB92B253BFE}"/>
-              </a:ext>
-            </a:extLst>
-          </p:cNvPr>
-          <p:cNvSpPr>
-            <a:spLocks noGrp="1"/>
-          </p:cNvSpPr>
-          <p:nvPr>
-            <p:ph idx="1"/>
-          </p:nvPr>
-        </p:nvSpPr>
-        <p:spPr/>
-        <p:txBody>
-          <a:bodyPr/>
-          <a:lstStyle/>
-          <a:p>
-            <a:r>
-              <a:rPr lang="en-US" dirty="0" err="1"/>
-              <a:t>dowhile</a:t>
-            </a:r>
-            <a:r>
-              <a:rPr lang="en-US" dirty="0"/>
-              <a:t> will execute at least once even it doesn’t meet the condition</a:t>
-            </a:r>
-          </a:p>
-          <a:p>
-            <a:endParaRPr lang="en-US" dirty="0"/>
+              <a:t>While loop</a:t>
+            </a:r>
           </a:p>
         </p:txBody>
       </p:sp>
       <p:pic>
         <p:nvPicPr>
-          <p:cNvPr id="5" name="Picture 4">
-            <a:extLst>
-              <a:ext uri="{FF2B5EF4-FFF2-40B4-BE49-F238E27FC236}">
-                <a16:creationId xmlns:a16="http://schemas.microsoft.com/office/drawing/2014/main" id="{05BA306D-F265-432A-B362-7A76C2B27452}"/>
+          <p:cNvPr id="5" name="Content Placeholder 4">
+            <a:extLst>
+              <a:ext uri="{FF2B5EF4-FFF2-40B4-BE49-F238E27FC236}">
+                <a16:creationId xmlns:a16="http://schemas.microsoft.com/office/drawing/2014/main" id="{867347A2-12AF-47A1-8511-2DE63A806BAA}"/>
               </a:ext>
             </a:extLst>
           </p:cNvPr>
           <p:cNvPicPr>
-            <a:picLocks noChangeAspect="1"/>
+            <a:picLocks noGrp="1" noChangeAspect="1"/>
           </p:cNvPicPr>
-          <p:nvPr/>
+          <p:nvPr>
+            <p:ph idx="1"/>
+          </p:nvPr>
         </p:nvPicPr>
         <p:blipFill>
           <a:blip r:embed="rId2"/>
@@ -3818,18 +4308,15 @@
         </p:blipFill>
         <p:spPr>
           <a:xfrm>
-            <a:off x="1185430" y="2889538"/>
-            <a:ext cx="7105650" cy="2686050"/>
-          </a:xfrm>
-          <a:prstGeom prst="rect">
-            <a:avLst/>
-          </a:prstGeom>
+            <a:off x="1140258" y="1930616"/>
+            <a:ext cx="7343775" cy="2552700"/>
+          </a:xfrm>
         </p:spPr>
       </p:pic>
     </p:spTree>
     <p:extLst>
       <p:ext uri="{BB962C8B-B14F-4D97-AF65-F5344CB8AC3E}">
-        <p14:creationId xmlns:p14="http://schemas.microsoft.com/office/powerpoint/2010/main" val="1971850515"/>
+        <p14:creationId xmlns:p14="http://schemas.microsoft.com/office/powerpoint/2010/main" val="2643394734"/>
       </p:ext>
     </p:extLst>
   </p:cSld>
@@ -3861,7 +4348,7 @@
           <p:cNvPr id="2" name="Title 1">
             <a:extLst>
               <a:ext uri="{FF2B5EF4-FFF2-40B4-BE49-F238E27FC236}">
-                <a16:creationId xmlns:a16="http://schemas.microsoft.com/office/drawing/2014/main" id="{7771345A-F507-42DD-97C8-E90CAFC2DE12}"/>
+                <a16:creationId xmlns:a16="http://schemas.microsoft.com/office/drawing/2014/main" id="{D1923482-A74E-4797-B9A9-6DD3AAA598A8}"/>
               </a:ext>
             </a:extLst>
           </p:cNvPr>
@@ -3878,27 +4365,64 @@
           <a:lstStyle/>
           <a:p>
             <a:r>
+              <a:rPr lang="en-US" dirty="0" err="1"/>
+              <a:t>dowhile</a:t>
+            </a:r>
+            <a:r>
               <a:rPr lang="en-US" dirty="0"/>
-              <a:t>For loop</a:t>
-            </a:r>
+              <a:t> loop</a:t>
+            </a:r>
+          </a:p>
+        </p:txBody>
+      </p:sp>
+      <p:sp>
+        <p:nvSpPr>
+          <p:cNvPr id="3" name="Content Placeholder 2">
+            <a:extLst>
+              <a:ext uri="{FF2B5EF4-FFF2-40B4-BE49-F238E27FC236}">
+                <a16:creationId xmlns:a16="http://schemas.microsoft.com/office/drawing/2014/main" id="{71B3F509-89DC-4C6D-ABBB-BAB92B253BFE}"/>
+              </a:ext>
+            </a:extLst>
+          </p:cNvPr>
+          <p:cNvSpPr>
+            <a:spLocks noGrp="1"/>
+          </p:cNvSpPr>
+          <p:nvPr>
+            <p:ph idx="1"/>
+          </p:nvPr>
+        </p:nvSpPr>
+        <p:spPr/>
+        <p:txBody>
+          <a:bodyPr/>
+          <a:lstStyle/>
+          <a:p>
+            <a:r>
+              <a:rPr lang="en-US" dirty="0" err="1"/>
+              <a:t>dowhile</a:t>
+            </a:r>
+            <a:r>
+              <a:rPr lang="en-US" dirty="0"/>
+              <a:t> will execute at least once even it doesn’t meet the condition</a:t>
+            </a:r>
+          </a:p>
+          <a:p>
+            <a:endParaRPr lang="en-US" dirty="0"/>
           </a:p>
         </p:txBody>
       </p:sp>
       <p:pic>
         <p:nvPicPr>
-          <p:cNvPr id="5" name="Content Placeholder 4">
-            <a:extLst>
-              <a:ext uri="{FF2B5EF4-FFF2-40B4-BE49-F238E27FC236}">
-                <a16:creationId xmlns:a16="http://schemas.microsoft.com/office/drawing/2014/main" id="{32604AEE-6556-41C5-9C93-1CD8437A1C3F}"/>
+          <p:cNvPr id="5" name="Picture 4">
+            <a:extLst>
+              <a:ext uri="{FF2B5EF4-FFF2-40B4-BE49-F238E27FC236}">
+                <a16:creationId xmlns:a16="http://schemas.microsoft.com/office/drawing/2014/main" id="{05BA306D-F265-432A-B362-7A76C2B27452}"/>
               </a:ext>
             </a:extLst>
           </p:cNvPr>
           <p:cNvPicPr>
-            <a:picLocks noGrp="1" noChangeAspect="1"/>
+            <a:picLocks noChangeAspect="1"/>
           </p:cNvPicPr>
-          <p:nvPr>
-            <p:ph idx="1"/>
-          </p:nvPr>
+          <p:nvPr/>
         </p:nvPicPr>
         <p:blipFill>
           <a:blip r:embed="rId2"/>
@@ -3908,15 +4432,18 @@
         </p:blipFill>
         <p:spPr>
           <a:xfrm>
-            <a:off x="1013402" y="1967417"/>
-            <a:ext cx="6877050" cy="2257425"/>
-          </a:xfrm>
+            <a:off x="1185430" y="2889538"/>
+            <a:ext cx="7105650" cy="2686050"/>
+          </a:xfrm>
+          <a:prstGeom prst="rect">
+            <a:avLst/>
+          </a:prstGeom>
         </p:spPr>
       </p:pic>
     </p:spTree>
     <p:extLst>
       <p:ext uri="{BB962C8B-B14F-4D97-AF65-F5344CB8AC3E}">
-        <p14:creationId xmlns:p14="http://schemas.microsoft.com/office/powerpoint/2010/main" val="3642753972"/>
+        <p14:creationId xmlns:p14="http://schemas.microsoft.com/office/powerpoint/2010/main" val="1971850515"/>
       </p:ext>
     </p:extLst>
   </p:cSld>
@@ -3948,7 +4475,7 @@
           <p:cNvPr id="2" name="Title 1">
             <a:extLst>
               <a:ext uri="{FF2B5EF4-FFF2-40B4-BE49-F238E27FC236}">
-                <a16:creationId xmlns:a16="http://schemas.microsoft.com/office/drawing/2014/main" id="{D80B52B4-B6B5-40F7-AEDB-BB53FE53A70E}"/>
+                <a16:creationId xmlns:a16="http://schemas.microsoft.com/office/drawing/2014/main" id="{7771345A-F507-42DD-97C8-E90CAFC2DE12}"/>
               </a:ext>
             </a:extLst>
           </p:cNvPr>
@@ -3966,55 +4493,26 @@
           <a:p>
             <a:r>
               <a:rPr lang="en-US" dirty="0"/>
-              <a:t>Continue/break</a:t>
-            </a:r>
-          </a:p>
-        </p:txBody>
-      </p:sp>
-      <p:sp>
-        <p:nvSpPr>
-          <p:cNvPr id="3" name="Content Placeholder 2">
-            <a:extLst>
-              <a:ext uri="{FF2B5EF4-FFF2-40B4-BE49-F238E27FC236}">
-                <a16:creationId xmlns:a16="http://schemas.microsoft.com/office/drawing/2014/main" id="{7196B141-A376-4428-B888-E522DCB3ADA3}"/>
-              </a:ext>
-            </a:extLst>
-          </p:cNvPr>
-          <p:cNvSpPr>
-            <a:spLocks noGrp="1"/>
-          </p:cNvSpPr>
-          <p:nvPr>
-            <p:ph idx="1"/>
-          </p:nvPr>
-        </p:nvSpPr>
-        <p:spPr/>
-        <p:txBody>
-          <a:bodyPr/>
-          <a:lstStyle/>
-          <a:p>
-            <a:r>
-              <a:rPr lang="en-US" dirty="0"/>
-              <a:t>Continue will not execute the current step and jump to next step</a:t>
-            </a:r>
-          </a:p>
-          <a:p>
-            <a:endParaRPr lang="en-US" dirty="0"/>
+              <a:t>For loop</a:t>
+            </a:r>
           </a:p>
         </p:txBody>
       </p:sp>
       <p:pic>
         <p:nvPicPr>
-          <p:cNvPr id="6" name="Picture 5">
-            <a:extLst>
-              <a:ext uri="{FF2B5EF4-FFF2-40B4-BE49-F238E27FC236}">
-                <a16:creationId xmlns:a16="http://schemas.microsoft.com/office/drawing/2014/main" id="{EE56D7AA-A411-4F07-93FF-8AFF12A8E210}"/>
+          <p:cNvPr id="5" name="Content Placeholder 4">
+            <a:extLst>
+              <a:ext uri="{FF2B5EF4-FFF2-40B4-BE49-F238E27FC236}">
+                <a16:creationId xmlns:a16="http://schemas.microsoft.com/office/drawing/2014/main" id="{32604AEE-6556-41C5-9C93-1CD8437A1C3F}"/>
               </a:ext>
             </a:extLst>
           </p:cNvPr>
           <p:cNvPicPr>
-            <a:picLocks noChangeAspect="1"/>
+            <a:picLocks noGrp="1" noChangeAspect="1"/>
           </p:cNvPicPr>
-          <p:nvPr/>
+          <p:nvPr>
+            <p:ph idx="1"/>
+          </p:nvPr>
         </p:nvPicPr>
         <p:blipFill>
           <a:blip r:embed="rId2"/>
@@ -4024,18 +4522,15 @@
         </p:blipFill>
         <p:spPr>
           <a:xfrm>
-            <a:off x="983657" y="2279783"/>
-            <a:ext cx="7367931" cy="4394906"/>
-          </a:xfrm>
-          <a:prstGeom prst="rect">
-            <a:avLst/>
-          </a:prstGeom>
+            <a:off x="1013402" y="1967417"/>
+            <a:ext cx="6877050" cy="2257425"/>
+          </a:xfrm>
         </p:spPr>
       </p:pic>
     </p:spTree>
     <p:extLst>
       <p:ext uri="{BB962C8B-B14F-4D97-AF65-F5344CB8AC3E}">
-        <p14:creationId xmlns:p14="http://schemas.microsoft.com/office/powerpoint/2010/main" val="866231271"/>
+        <p14:creationId xmlns:p14="http://schemas.microsoft.com/office/powerpoint/2010/main" val="3642753972"/>
       </p:ext>
     </p:extLst>
   </p:cSld>
@@ -4067,7 +4562,7 @@
           <p:cNvPr id="2" name="Title 1">
             <a:extLst>
               <a:ext uri="{FF2B5EF4-FFF2-40B4-BE49-F238E27FC236}">
-                <a16:creationId xmlns:a16="http://schemas.microsoft.com/office/drawing/2014/main" id="{939D47E3-3D92-443E-A832-E7497BF01557}"/>
+                <a16:creationId xmlns:a16="http://schemas.microsoft.com/office/drawing/2014/main" id="{D80B52B4-B6B5-40F7-AEDB-BB53FE53A70E}"/>
               </a:ext>
             </a:extLst>
           </p:cNvPr>
@@ -4078,25 +4573,14 @@
             <p:ph type="title"/>
           </p:nvPr>
         </p:nvSpPr>
-        <p:spPr>
-          <a:xfrm>
-            <a:off x="1156770" y="365126"/>
-            <a:ext cx="10197029" cy="637410"/>
-          </a:xfrm>
-        </p:spPr>
-        <p:txBody>
-          <a:bodyPr>
-            <a:normAutofit fontScale="90000"/>
-          </a:bodyPr>
-          <a:lstStyle/>
-          <a:p>
-            <a:r>
-              <a:rPr lang="en-US" dirty="0" err="1"/>
-              <a:t>Cont</a:t>
-            </a:r>
+        <p:spPr/>
+        <p:txBody>
+          <a:bodyPr/>
+          <a:lstStyle/>
+          <a:p>
             <a:r>
               <a:rPr lang="en-US" dirty="0"/>
-              <a:t>’..</a:t>
+              <a:t>Continue/break</a:t>
             </a:r>
           </a:p>
         </p:txBody>
@@ -4106,7 +4590,7 @@
           <p:cNvPr id="3" name="Content Placeholder 2">
             <a:extLst>
               <a:ext uri="{FF2B5EF4-FFF2-40B4-BE49-F238E27FC236}">
-                <a16:creationId xmlns:a16="http://schemas.microsoft.com/office/drawing/2014/main" id="{D8824C0E-15A6-4212-8CC3-02D1790B8FEA}"/>
+                <a16:creationId xmlns:a16="http://schemas.microsoft.com/office/drawing/2014/main" id="{7196B141-A376-4428-B888-E522DCB3ADA3}"/>
               </a:ext>
             </a:extLst>
           </p:cNvPr>
@@ -4117,19 +4601,14 @@
             <p:ph idx="1"/>
           </p:nvPr>
         </p:nvSpPr>
-        <p:spPr>
-          <a:xfrm>
-            <a:off x="727113" y="1002536"/>
-            <a:ext cx="10626687" cy="5174427"/>
-          </a:xfrm>
-        </p:spPr>
+        <p:spPr/>
         <p:txBody>
           <a:bodyPr/>
           <a:lstStyle/>
           <a:p>
             <a:r>
               <a:rPr lang="en-US" dirty="0"/>
-              <a:t>Break will stop the loop</a:t>
+              <a:t>Continue will not execute the current step and jump to next step</a:t>
             </a:r>
           </a:p>
           <a:p>
@@ -4139,10 +4618,10 @@
       </p:sp>
       <p:pic>
         <p:nvPicPr>
-          <p:cNvPr id="5" name="Picture 4">
-            <a:extLst>
-              <a:ext uri="{FF2B5EF4-FFF2-40B4-BE49-F238E27FC236}">
-                <a16:creationId xmlns:a16="http://schemas.microsoft.com/office/drawing/2014/main" id="{E904A68C-E1AD-4AA0-B236-946AA8708CD9}"/>
+          <p:cNvPr id="6" name="Picture 5">
+            <a:extLst>
+              <a:ext uri="{FF2B5EF4-FFF2-40B4-BE49-F238E27FC236}">
+                <a16:creationId xmlns:a16="http://schemas.microsoft.com/office/drawing/2014/main" id="{EE56D7AA-A411-4F07-93FF-8AFF12A8E210}"/>
               </a:ext>
             </a:extLst>
           </p:cNvPr>
@@ -4159,8 +4638,8 @@
         </p:blipFill>
         <p:spPr>
           <a:xfrm>
-            <a:off x="1013552" y="1639946"/>
-            <a:ext cx="6379960" cy="4799135"/>
+            <a:off x="983657" y="2279783"/>
+            <a:ext cx="7367931" cy="4394906"/>
           </a:xfrm>
           <a:prstGeom prst="rect">
             <a:avLst/>
@@ -4170,7 +4649,7 @@
     </p:spTree>
     <p:extLst>
       <p:ext uri="{BB962C8B-B14F-4D97-AF65-F5344CB8AC3E}">
-        <p14:creationId xmlns:p14="http://schemas.microsoft.com/office/powerpoint/2010/main" val="2258121449"/>
+        <p14:creationId xmlns:p14="http://schemas.microsoft.com/office/powerpoint/2010/main" val="866231271"/>
       </p:ext>
     </p:extLst>
   </p:cSld>
@@ -4202,7 +4681,7 @@
           <p:cNvPr id="2" name="Title 1">
             <a:extLst>
               <a:ext uri="{FF2B5EF4-FFF2-40B4-BE49-F238E27FC236}">
-                <a16:creationId xmlns:a16="http://schemas.microsoft.com/office/drawing/2014/main" id="{AB2A6B1C-59C7-49F0-B225-264914148D07}"/>
+                <a16:creationId xmlns:a16="http://schemas.microsoft.com/office/drawing/2014/main" id="{939D47E3-3D92-443E-A832-E7497BF01557}"/>
               </a:ext>
             </a:extLst>
           </p:cNvPr>
@@ -4213,33 +4692,78 @@
             <p:ph type="title"/>
           </p:nvPr>
         </p:nvSpPr>
-        <p:spPr/>
-        <p:txBody>
-          <a:bodyPr/>
-          <a:lstStyle/>
-          <a:p>
+        <p:spPr>
+          <a:xfrm>
+            <a:off x="1156770" y="365126"/>
+            <a:ext cx="10197029" cy="637410"/>
+          </a:xfrm>
+        </p:spPr>
+        <p:txBody>
+          <a:bodyPr>
+            <a:normAutofit fontScale="90000"/>
+          </a:bodyPr>
+          <a:lstStyle/>
+          <a:p>
+            <a:r>
+              <a:rPr lang="en-US" dirty="0" err="1"/>
+              <a:t>Cont</a:t>
+            </a:r>
             <a:r>
               <a:rPr lang="en-US" dirty="0"/>
-              <a:t>Class &amp; constructor &amp;object</a:t>
-            </a:r>
+              <a:t>’..</a:t>
+            </a:r>
+          </a:p>
+        </p:txBody>
+      </p:sp>
+      <p:sp>
+        <p:nvSpPr>
+          <p:cNvPr id="3" name="Content Placeholder 2">
+            <a:extLst>
+              <a:ext uri="{FF2B5EF4-FFF2-40B4-BE49-F238E27FC236}">
+                <a16:creationId xmlns:a16="http://schemas.microsoft.com/office/drawing/2014/main" id="{D8824C0E-15A6-4212-8CC3-02D1790B8FEA}"/>
+              </a:ext>
+            </a:extLst>
+          </p:cNvPr>
+          <p:cNvSpPr>
+            <a:spLocks noGrp="1"/>
+          </p:cNvSpPr>
+          <p:nvPr>
+            <p:ph idx="1"/>
+          </p:nvPr>
+        </p:nvSpPr>
+        <p:spPr>
+          <a:xfrm>
+            <a:off x="727113" y="1002536"/>
+            <a:ext cx="10626687" cy="5174427"/>
+          </a:xfrm>
+        </p:spPr>
+        <p:txBody>
+          <a:bodyPr/>
+          <a:lstStyle/>
+          <a:p>
+            <a:r>
+              <a:rPr lang="en-US" dirty="0"/>
+              <a:t>Break will stop the loop</a:t>
+            </a:r>
+          </a:p>
+          <a:p>
+            <a:endParaRPr lang="en-US" dirty="0"/>
           </a:p>
         </p:txBody>
       </p:sp>
       <p:pic>
         <p:nvPicPr>
-          <p:cNvPr id="5" name="Content Placeholder 4">
-            <a:extLst>
-              <a:ext uri="{FF2B5EF4-FFF2-40B4-BE49-F238E27FC236}">
-                <a16:creationId xmlns:a16="http://schemas.microsoft.com/office/drawing/2014/main" id="{4DA7B00C-777B-4CC7-8E0C-3A43AF295EB2}"/>
+          <p:cNvPr id="5" name="Picture 4">
+            <a:extLst>
+              <a:ext uri="{FF2B5EF4-FFF2-40B4-BE49-F238E27FC236}">
+                <a16:creationId xmlns:a16="http://schemas.microsoft.com/office/drawing/2014/main" id="{E904A68C-E1AD-4AA0-B236-946AA8708CD9}"/>
               </a:ext>
             </a:extLst>
           </p:cNvPr>
           <p:cNvPicPr>
-            <a:picLocks noGrp="1" noChangeAspect="1"/>
+            <a:picLocks noChangeAspect="1"/>
           </p:cNvPicPr>
-          <p:nvPr>
-            <p:ph idx="1"/>
-          </p:nvPr>
+          <p:nvPr/>
         </p:nvPicPr>
         <p:blipFill>
           <a:blip r:embed="rId2"/>
@@ -4249,15 +4773,18 @@
         </p:blipFill>
         <p:spPr>
           <a:xfrm>
-            <a:off x="1202836" y="1836642"/>
-            <a:ext cx="5776187" cy="4351338"/>
-          </a:xfrm>
+            <a:off x="1013552" y="1639946"/>
+            <a:ext cx="6379960" cy="4799135"/>
+          </a:xfrm>
+          <a:prstGeom prst="rect">
+            <a:avLst/>
+          </a:prstGeom>
         </p:spPr>
       </p:pic>
     </p:spTree>
     <p:extLst>
       <p:ext uri="{BB962C8B-B14F-4D97-AF65-F5344CB8AC3E}">
-        <p14:creationId xmlns:p14="http://schemas.microsoft.com/office/powerpoint/2010/main" val="586947992"/>
+        <p14:creationId xmlns:p14="http://schemas.microsoft.com/office/powerpoint/2010/main" val="2258121449"/>
       </p:ext>
     </p:extLst>
   </p:cSld>
@@ -4289,7 +4816,7 @@
           <p:cNvPr id="2" name="Title 1">
             <a:extLst>
               <a:ext uri="{FF2B5EF4-FFF2-40B4-BE49-F238E27FC236}">
-                <a16:creationId xmlns:a16="http://schemas.microsoft.com/office/drawing/2014/main" id="{488E16EE-2595-4380-9505-66FFC093BBF0}"/>
+                <a16:creationId xmlns:a16="http://schemas.microsoft.com/office/drawing/2014/main" id="{AB2A6B1C-59C7-49F0-B225-264914148D07}"/>
               </a:ext>
             </a:extLst>
           </p:cNvPr>
@@ -4307,17 +4834,17 @@
           <a:p>
             <a:r>
               <a:rPr lang="en-US" dirty="0"/>
-              <a:t>This keyword</a:t>
+              <a:t>Class &amp; constructor &amp;object</a:t>
             </a:r>
           </a:p>
         </p:txBody>
       </p:sp>
       <p:pic>
         <p:nvPicPr>
-          <p:cNvPr id="9" name="Content Placeholder 8">
-            <a:extLst>
-              <a:ext uri="{FF2B5EF4-FFF2-40B4-BE49-F238E27FC236}">
-                <a16:creationId xmlns:a16="http://schemas.microsoft.com/office/drawing/2014/main" id="{71A931F3-9956-49AB-AA10-E0C44EE0EA1B}"/>
+          <p:cNvPr id="5" name="Content Placeholder 4">
+            <a:extLst>
+              <a:ext uri="{FF2B5EF4-FFF2-40B4-BE49-F238E27FC236}">
+                <a16:creationId xmlns:a16="http://schemas.microsoft.com/office/drawing/2014/main" id="{4DA7B00C-777B-4CC7-8E0C-3A43AF295EB2}"/>
               </a:ext>
             </a:extLst>
           </p:cNvPr>
@@ -4336,15 +4863,15 @@
         </p:blipFill>
         <p:spPr>
           <a:xfrm>
-            <a:off x="1120407" y="1690688"/>
-            <a:ext cx="5616080" cy="4478758"/>
+            <a:off x="1202836" y="1836642"/>
+            <a:ext cx="5776187" cy="4351338"/>
           </a:xfrm>
         </p:spPr>
       </p:pic>
     </p:spTree>
     <p:extLst>
       <p:ext uri="{BB962C8B-B14F-4D97-AF65-F5344CB8AC3E}">
-        <p14:creationId xmlns:p14="http://schemas.microsoft.com/office/powerpoint/2010/main" val="2973609685"/>
+        <p14:creationId xmlns:p14="http://schemas.microsoft.com/office/powerpoint/2010/main" val="586947992"/>
       </p:ext>
     </p:extLst>
   </p:cSld>
@@ -4376,7 +4903,7 @@
           <p:cNvPr id="2" name="Title 1">
             <a:extLst>
               <a:ext uri="{FF2B5EF4-FFF2-40B4-BE49-F238E27FC236}">
-                <a16:creationId xmlns:a16="http://schemas.microsoft.com/office/drawing/2014/main" id="{BCC8EE56-BAEA-4840-A3D1-A6E03D8E2F65}"/>
+                <a16:creationId xmlns:a16="http://schemas.microsoft.com/office/drawing/2014/main" id="{488E16EE-2595-4380-9505-66FFC093BBF0}"/>
               </a:ext>
             </a:extLst>
           </p:cNvPr>
@@ -4387,19 +4914,14 @@
             <p:ph type="title"/>
           </p:nvPr>
         </p:nvSpPr>
-        <p:spPr>
-          <a:xfrm>
-            <a:off x="550843" y="40529"/>
-            <a:ext cx="10515600" cy="1325563"/>
-          </a:xfrm>
-        </p:spPr>
+        <p:spPr/>
         <p:txBody>
           <a:bodyPr/>
           <a:lstStyle/>
           <a:p>
             <a:r>
               <a:rPr lang="en-US" dirty="0"/>
-              <a:t>Static </a:t>
+              <a:t>This keyword</a:t>
             </a:r>
           </a:p>
         </p:txBody>
@@ -4409,7 +4931,7 @@
           <p:cNvPr id="9" name="Content Placeholder 8">
             <a:extLst>
               <a:ext uri="{FF2B5EF4-FFF2-40B4-BE49-F238E27FC236}">
-                <a16:creationId xmlns:a16="http://schemas.microsoft.com/office/drawing/2014/main" id="{8F450C07-04B4-4F86-931D-AAF15AA20B07}"/>
+                <a16:creationId xmlns:a16="http://schemas.microsoft.com/office/drawing/2014/main" id="{71A931F3-9956-49AB-AA10-E0C44EE0EA1B}"/>
               </a:ext>
             </a:extLst>
           </p:cNvPr>
@@ -4428,89 +4950,15 @@
         </p:blipFill>
         <p:spPr>
           <a:xfrm>
-            <a:off x="892372" y="1638339"/>
-            <a:ext cx="6044576" cy="4351338"/>
+            <a:off x="1120407" y="1690688"/>
+            <a:ext cx="5616080" cy="4478758"/>
           </a:xfrm>
         </p:spPr>
       </p:pic>
-      <p:cxnSp>
-        <p:nvCxnSpPr>
-          <p:cNvPr id="11" name="Straight Arrow Connector 10">
-            <a:extLst>
-              <a:ext uri="{FF2B5EF4-FFF2-40B4-BE49-F238E27FC236}">
-                <a16:creationId xmlns:a16="http://schemas.microsoft.com/office/drawing/2014/main" id="{1A2F257A-29D8-47B0-9ED4-9CE99263C348}"/>
-              </a:ext>
-            </a:extLst>
-          </p:cNvPr>
-          <p:cNvCxnSpPr/>
-          <p:nvPr/>
-        </p:nvCxnSpPr>
-        <p:spPr>
-          <a:xfrm>
-            <a:off x="5387248" y="5034708"/>
-            <a:ext cx="2247441" cy="0"/>
-          </a:xfrm>
-          <a:prstGeom prst="straightConnector1">
-            <a:avLst/>
-          </a:prstGeom>
-          <a:ln>
-            <a:tailEnd type="triangle"/>
-          </a:ln>
-        </p:spPr>
-        <p:style>
-          <a:lnRef idx="1">
-            <a:schemeClr val="accent1"/>
-          </a:lnRef>
-          <a:fillRef idx="0">
-            <a:schemeClr val="accent1"/>
-          </a:fillRef>
-          <a:effectRef idx="0">
-            <a:schemeClr val="accent1"/>
-          </a:effectRef>
-          <a:fontRef idx="minor">
-            <a:schemeClr val="tx1"/>
-          </a:fontRef>
-        </p:style>
-      </p:cxnSp>
-      <p:sp>
-        <p:nvSpPr>
-          <p:cNvPr id="12" name="TextBox 11">
-            <a:extLst>
-              <a:ext uri="{FF2B5EF4-FFF2-40B4-BE49-F238E27FC236}">
-                <a16:creationId xmlns:a16="http://schemas.microsoft.com/office/drawing/2014/main" id="{DA939914-2D9C-489D-BA92-D8ACF0DAA5AC}"/>
-              </a:ext>
-            </a:extLst>
-          </p:cNvPr>
-          <p:cNvSpPr txBox="1"/>
-          <p:nvPr/>
-        </p:nvSpPr>
-        <p:spPr>
-          <a:xfrm>
-            <a:off x="7821976" y="4847422"/>
-            <a:ext cx="3910988" cy="369332"/>
-          </a:xfrm>
-          <a:prstGeom prst="rect">
-            <a:avLst/>
-          </a:prstGeom>
-          <a:noFill/>
-        </p:spPr>
-        <p:txBody>
-          <a:bodyPr wrap="square" rtlCol="0">
-            <a:spAutoFit/>
-          </a:bodyPr>
-          <a:lstStyle/>
-          <a:p>
-            <a:r>
-              <a:rPr lang="en-US" dirty="0"/>
-              <a:t>Static no need to create instance </a:t>
-            </a:r>
-          </a:p>
-        </p:txBody>
-      </p:sp>
     </p:spTree>
     <p:extLst>
       <p:ext uri="{BB962C8B-B14F-4D97-AF65-F5344CB8AC3E}">
-        <p14:creationId xmlns:p14="http://schemas.microsoft.com/office/powerpoint/2010/main" val="4108507255"/>
+        <p14:creationId xmlns:p14="http://schemas.microsoft.com/office/powerpoint/2010/main" val="2973609685"/>
       </p:ext>
     </p:extLst>
   </p:cSld>
@@ -4542,7 +4990,7 @@
           <p:cNvPr id="2" name="Title 1">
             <a:extLst>
               <a:ext uri="{FF2B5EF4-FFF2-40B4-BE49-F238E27FC236}">
-                <a16:creationId xmlns:a16="http://schemas.microsoft.com/office/drawing/2014/main" id="{620DC2F5-1FF9-44DE-BE3E-97CB92C097C7}"/>
+                <a16:creationId xmlns:a16="http://schemas.microsoft.com/office/drawing/2014/main" id="{4CD6C447-8D40-4A9C-B64E-033AB232BD75}"/>
               </a:ext>
             </a:extLst>
           </p:cNvPr>
@@ -4553,19 +5001,14 @@
             <p:ph type="title"/>
           </p:nvPr>
         </p:nvSpPr>
-        <p:spPr>
-          <a:xfrm>
-            <a:off x="838200" y="111737"/>
-            <a:ext cx="10515600" cy="1325563"/>
-          </a:xfrm>
-        </p:spPr>
+        <p:spPr/>
         <p:txBody>
           <a:bodyPr/>
           <a:lstStyle/>
           <a:p>
             <a:r>
               <a:rPr lang="en-US" dirty="0"/>
-              <a:t>Inner class</a:t>
+              <a:t>Field</a:t>
             </a:r>
           </a:p>
         </p:txBody>
@@ -4575,7 +5018,7 @@
           <p:cNvPr id="3" name="Content Placeholder 2">
             <a:extLst>
               <a:ext uri="{FF2B5EF4-FFF2-40B4-BE49-F238E27FC236}">
-                <a16:creationId xmlns:a16="http://schemas.microsoft.com/office/drawing/2014/main" id="{63D5D753-E224-467B-B817-E00E6DDEB4C6}"/>
+                <a16:creationId xmlns:a16="http://schemas.microsoft.com/office/drawing/2014/main" id="{A5000673-6DA4-4933-9A30-99A90912AF3C}"/>
               </a:ext>
             </a:extLst>
           </p:cNvPr>
@@ -4586,60 +5029,39 @@
             <p:ph idx="1"/>
           </p:nvPr>
         </p:nvSpPr>
-        <p:spPr>
-          <a:xfrm>
-            <a:off x="738130" y="1156771"/>
-            <a:ext cx="10615670" cy="4854939"/>
-          </a:xfrm>
-        </p:spPr>
+        <p:spPr/>
         <p:txBody>
           <a:bodyPr/>
           <a:lstStyle/>
           <a:p>
             <a:r>
               <a:rPr lang="en-US" dirty="0"/>
-              <a:t>Class inside another class</a:t>
+              <a:t>Field is declared under class not method</a:t>
             </a:r>
           </a:p>
           <a:p>
             <a:endParaRPr lang="en-US" dirty="0"/>
           </a:p>
-        </p:txBody>
-      </p:sp>
-      <p:pic>
-        <p:nvPicPr>
-          <p:cNvPr id="5" name="Picture 4">
-            <a:extLst>
-              <a:ext uri="{FF2B5EF4-FFF2-40B4-BE49-F238E27FC236}">
-                <a16:creationId xmlns:a16="http://schemas.microsoft.com/office/drawing/2014/main" id="{A05BE936-D1EF-4E2D-9F32-F02CD251C26B}"/>
-              </a:ext>
-            </a:extLst>
-          </p:cNvPr>
-          <p:cNvPicPr>
-            <a:picLocks noChangeAspect="1"/>
-          </p:cNvPicPr>
-          <p:nvPr/>
-        </p:nvPicPr>
-        <p:blipFill>
-          <a:blip r:embed="rId2"/>
-          <a:stretch>
-            <a:fillRect/>
-          </a:stretch>
-        </p:blipFill>
-        <p:spPr>
-          <a:xfrm>
-            <a:off x="991518" y="1700485"/>
-            <a:ext cx="5871648" cy="4944195"/>
-          </a:xfrm>
-          <a:prstGeom prst="rect">
-            <a:avLst/>
-          </a:prstGeom>
-        </p:spPr>
-      </p:pic>
+          <a:p>
+            <a:r>
+              <a:rPr lang="en-US" dirty="0"/>
+              <a:t>Can be shared across classes or within class (depends on </a:t>
+            </a:r>
+            <a:r>
+              <a:rPr lang="en-US" dirty="0" err="1"/>
+              <a:t>wheather</a:t>
+            </a:r>
+            <a:r>
+              <a:rPr lang="en-US" dirty="0"/>
+              <a:t> it’s private and public)</a:t>
+            </a:r>
+          </a:p>
+        </p:txBody>
+      </p:sp>
     </p:spTree>
     <p:extLst>
       <p:ext uri="{BB962C8B-B14F-4D97-AF65-F5344CB8AC3E}">
-        <p14:creationId xmlns:p14="http://schemas.microsoft.com/office/powerpoint/2010/main" val="1178157314"/>
+        <p14:creationId xmlns:p14="http://schemas.microsoft.com/office/powerpoint/2010/main" val="914904754"/>
       </p:ext>
     </p:extLst>
   </p:cSld>
@@ -4671,7 +5093,7 @@
           <p:cNvPr id="2" name="Title 1">
             <a:extLst>
               <a:ext uri="{FF2B5EF4-FFF2-40B4-BE49-F238E27FC236}">
-                <a16:creationId xmlns:a16="http://schemas.microsoft.com/office/drawing/2014/main" id="{925FA213-5BF9-4D86-9D18-0BAB27D66B08}"/>
+                <a16:creationId xmlns:a16="http://schemas.microsoft.com/office/drawing/2014/main" id="{3982D035-3275-4382-936E-485B13FE405D}"/>
               </a:ext>
             </a:extLst>
           </p:cNvPr>
@@ -4689,43 +5111,71 @@
           <a:p>
             <a:r>
               <a:rPr lang="en-US" dirty="0"/>
-              <a:t>Install IDE</a:t>
-            </a:r>
-          </a:p>
-        </p:txBody>
-      </p:sp>
-      <p:sp>
-        <p:nvSpPr>
-          <p:cNvPr id="3" name="Content Placeholder 2">
-            <a:extLst>
-              <a:ext uri="{FF2B5EF4-FFF2-40B4-BE49-F238E27FC236}">
-                <a16:creationId xmlns:a16="http://schemas.microsoft.com/office/drawing/2014/main" id="{82844A12-B930-44F4-A40F-0D6EF3A93DAF}"/>
-              </a:ext>
-            </a:extLst>
-          </p:cNvPr>
-          <p:cNvSpPr>
-            <a:spLocks noGrp="1"/>
-          </p:cNvSpPr>
+              <a:t>JAVA JDK</a:t>
+            </a:r>
+          </a:p>
+        </p:txBody>
+      </p:sp>
+      <p:pic>
+        <p:nvPicPr>
+          <p:cNvPr id="5" name="Content Placeholder 4">
+            <a:extLst>
+              <a:ext uri="{FF2B5EF4-FFF2-40B4-BE49-F238E27FC236}">
+                <a16:creationId xmlns:a16="http://schemas.microsoft.com/office/drawing/2014/main" id="{FF9C5C1C-9AF3-4AF6-B7DA-F2E696A747AC}"/>
+              </a:ext>
+            </a:extLst>
+          </p:cNvPr>
+          <p:cNvPicPr>
+            <a:picLocks noGrp="1" noChangeAspect="1"/>
+          </p:cNvPicPr>
           <p:nvPr>
             <p:ph idx="1"/>
           </p:nvPr>
-        </p:nvSpPr>
-        <p:spPr/>
-        <p:txBody>
-          <a:bodyPr/>
+        </p:nvPicPr>
+        <p:blipFill>
+          <a:blip r:embed="rId2"/>
+          <a:stretch>
+            <a:fillRect/>
+          </a:stretch>
+        </p:blipFill>
+        <p:spPr>
+          <a:xfrm>
+            <a:off x="838200" y="2226088"/>
+            <a:ext cx="8777555" cy="4351338"/>
+          </a:xfrm>
+        </p:spPr>
+      </p:pic>
+      <p:sp>
+        <p:nvSpPr>
+          <p:cNvPr id="6" name="TextBox 5">
+            <a:extLst>
+              <a:ext uri="{FF2B5EF4-FFF2-40B4-BE49-F238E27FC236}">
+                <a16:creationId xmlns:a16="http://schemas.microsoft.com/office/drawing/2014/main" id="{4A04C64A-E8CA-4611-B9AF-C393D7EB548E}"/>
+              </a:ext>
+            </a:extLst>
+          </p:cNvPr>
+          <p:cNvSpPr txBox="1"/>
+          <p:nvPr/>
+        </p:nvSpPr>
+        <p:spPr>
+          <a:xfrm>
+            <a:off x="1240971" y="1511559"/>
+            <a:ext cx="5943600" cy="646331"/>
+          </a:xfrm>
+          <a:prstGeom prst="rect">
+            <a:avLst/>
+          </a:prstGeom>
+          <a:noFill/>
+        </p:spPr>
+        <p:txBody>
+          <a:bodyPr wrap="square" rtlCol="0">
+            <a:spAutoFit/>
+          </a:bodyPr>
           <a:lstStyle/>
           <a:p>
             <a:r>
               <a:rPr lang="en-US" dirty="0"/>
-              <a:t>Eclipse :special type of editor for java and it can also helps to compile the code (</a:t>
-            </a:r>
-            <a:r>
-              <a:rPr lang="en-US" dirty="0">
-                <a:solidFill>
-                  <a:srgbClr val="FF0000"/>
-                </a:solidFill>
-              </a:rPr>
-              <a:t>editor + compiler)</a:t>
+              <a:t>Main part of JDK is JVM (which helps to translate bytecode .class to machine code)</a:t>
             </a:r>
           </a:p>
         </p:txBody>
@@ -4733,7 +5183,7 @@
     </p:spTree>
     <p:extLst>
       <p:ext uri="{BB962C8B-B14F-4D97-AF65-F5344CB8AC3E}">
-        <p14:creationId xmlns:p14="http://schemas.microsoft.com/office/powerpoint/2010/main" val="1964671319"/>
+        <p14:creationId xmlns:p14="http://schemas.microsoft.com/office/powerpoint/2010/main" val="3871273729"/>
       </p:ext>
     </p:extLst>
   </p:cSld>
@@ -4765,7 +5215,7 @@
           <p:cNvPr id="2" name="Title 1">
             <a:extLst>
               <a:ext uri="{FF2B5EF4-FFF2-40B4-BE49-F238E27FC236}">
-                <a16:creationId xmlns:a16="http://schemas.microsoft.com/office/drawing/2014/main" id="{B2833257-413E-450A-A30A-C369331CBEF4}"/>
+                <a16:creationId xmlns:a16="http://schemas.microsoft.com/office/drawing/2014/main" id="{BCC8EE56-BAEA-4840-A3D1-A6E03D8E2F65}"/>
               </a:ext>
             </a:extLst>
           </p:cNvPr>
@@ -4778,7 +5228,7 @@
         </p:nvSpPr>
         <p:spPr>
           <a:xfrm>
-            <a:off x="838200" y="-68984"/>
+            <a:off x="550843" y="40529"/>
             <a:ext cx="10515600" cy="1325563"/>
           </a:xfrm>
         </p:spPr>
@@ -4788,76 +5238,26 @@
           <a:p>
             <a:r>
               <a:rPr lang="en-US" dirty="0"/>
-              <a:t>Array</a:t>
-            </a:r>
-          </a:p>
-        </p:txBody>
-      </p:sp>
-      <p:sp>
-        <p:nvSpPr>
-          <p:cNvPr id="3" name="Content Placeholder 2">
-            <a:extLst>
-              <a:ext uri="{FF2B5EF4-FFF2-40B4-BE49-F238E27FC236}">
-                <a16:creationId xmlns:a16="http://schemas.microsoft.com/office/drawing/2014/main" id="{3CDA4181-191F-49F0-8932-403FAC36590D}"/>
-              </a:ext>
-            </a:extLst>
-          </p:cNvPr>
-          <p:cNvSpPr>
-            <a:spLocks noGrp="1"/>
-          </p:cNvSpPr>
-          <p:nvPr>
-            <p:ph idx="1"/>
-          </p:nvPr>
-        </p:nvSpPr>
-        <p:spPr>
-          <a:xfrm>
-            <a:off x="838200" y="1077480"/>
-            <a:ext cx="10515600" cy="4351338"/>
-          </a:xfrm>
-        </p:spPr>
-        <p:txBody>
-          <a:bodyPr/>
-          <a:lstStyle/>
-          <a:p>
-            <a:r>
-              <a:rPr lang="en-US" dirty="0"/>
-              <a:t>1 D :</a:t>
-            </a:r>
-          </a:p>
-          <a:p>
-            <a:endParaRPr lang="en-US" dirty="0"/>
-          </a:p>
-          <a:p>
-            <a:endParaRPr lang="en-US" dirty="0"/>
-          </a:p>
-          <a:p>
-            <a:endParaRPr lang="en-US" dirty="0"/>
-          </a:p>
-          <a:p>
-            <a:r>
-              <a:rPr lang="en-US" dirty="0"/>
-              <a:t>2D: </a:t>
-            </a:r>
-          </a:p>
-          <a:p>
-            <a:pPr lvl="2"/>
-            <a:endParaRPr lang="en-US" dirty="0"/>
+              <a:t>Static </a:t>
+            </a:r>
           </a:p>
         </p:txBody>
       </p:sp>
       <p:pic>
         <p:nvPicPr>
-          <p:cNvPr id="5" name="Picture 4">
-            <a:extLst>
-              <a:ext uri="{FF2B5EF4-FFF2-40B4-BE49-F238E27FC236}">
-                <a16:creationId xmlns:a16="http://schemas.microsoft.com/office/drawing/2014/main" id="{8A139D6C-7339-4D1A-9DA0-DC2B5640F10D}"/>
+          <p:cNvPr id="9" name="Content Placeholder 8">
+            <a:extLst>
+              <a:ext uri="{FF2B5EF4-FFF2-40B4-BE49-F238E27FC236}">
+                <a16:creationId xmlns:a16="http://schemas.microsoft.com/office/drawing/2014/main" id="{8F450C07-04B4-4F86-931D-AAF15AA20B07}"/>
               </a:ext>
             </a:extLst>
           </p:cNvPr>
           <p:cNvPicPr>
-            <a:picLocks noChangeAspect="1"/>
+            <a:picLocks noGrp="1" noChangeAspect="1"/>
           </p:cNvPicPr>
-          <p:nvPr/>
+          <p:nvPr>
+            <p:ph idx="1"/>
+          </p:nvPr>
         </p:nvPicPr>
         <p:blipFill>
           <a:blip r:embed="rId2"/>
@@ -4867,48 +5267,89 @@
         </p:blipFill>
         <p:spPr>
           <a:xfrm>
-            <a:off x="2484294" y="1077480"/>
-            <a:ext cx="3067050" cy="1571625"/>
+            <a:off x="892372" y="1638339"/>
+            <a:ext cx="6044576" cy="4351338"/>
+          </a:xfrm>
+        </p:spPr>
+      </p:pic>
+      <p:cxnSp>
+        <p:nvCxnSpPr>
+          <p:cNvPr id="11" name="Straight Arrow Connector 10">
+            <a:extLst>
+              <a:ext uri="{FF2B5EF4-FFF2-40B4-BE49-F238E27FC236}">
+                <a16:creationId xmlns:a16="http://schemas.microsoft.com/office/drawing/2014/main" id="{1A2F257A-29D8-47B0-9ED4-9CE99263C348}"/>
+              </a:ext>
+            </a:extLst>
+          </p:cNvPr>
+          <p:cNvCxnSpPr/>
+          <p:nvPr/>
+        </p:nvCxnSpPr>
+        <p:spPr>
+          <a:xfrm>
+            <a:off x="5387248" y="5034708"/>
+            <a:ext cx="2247441" cy="0"/>
+          </a:xfrm>
+          <a:prstGeom prst="straightConnector1">
+            <a:avLst/>
+          </a:prstGeom>
+          <a:ln>
+            <a:tailEnd type="triangle"/>
+          </a:ln>
+        </p:spPr>
+        <p:style>
+          <a:lnRef idx="1">
+            <a:schemeClr val="accent1"/>
+          </a:lnRef>
+          <a:fillRef idx="0">
+            <a:schemeClr val="accent1"/>
+          </a:fillRef>
+          <a:effectRef idx="0">
+            <a:schemeClr val="accent1"/>
+          </a:effectRef>
+          <a:fontRef idx="minor">
+            <a:schemeClr val="tx1"/>
+          </a:fontRef>
+        </p:style>
+      </p:cxnSp>
+      <p:sp>
+        <p:nvSpPr>
+          <p:cNvPr id="12" name="TextBox 11">
+            <a:extLst>
+              <a:ext uri="{FF2B5EF4-FFF2-40B4-BE49-F238E27FC236}">
+                <a16:creationId xmlns:a16="http://schemas.microsoft.com/office/drawing/2014/main" id="{DA939914-2D9C-489D-BA92-D8ACF0DAA5AC}"/>
+              </a:ext>
+            </a:extLst>
+          </p:cNvPr>
+          <p:cNvSpPr txBox="1"/>
+          <p:nvPr/>
+        </p:nvSpPr>
+        <p:spPr>
+          <a:xfrm>
+            <a:off x="7821976" y="4847422"/>
+            <a:ext cx="3910988" cy="369332"/>
           </a:xfrm>
           <a:prstGeom prst="rect">
             <a:avLst/>
           </a:prstGeom>
-        </p:spPr>
-      </p:pic>
-      <p:pic>
-        <p:nvPicPr>
-          <p:cNvPr id="7" name="Picture 6">
-            <a:extLst>
-              <a:ext uri="{FF2B5EF4-FFF2-40B4-BE49-F238E27FC236}">
-                <a16:creationId xmlns:a16="http://schemas.microsoft.com/office/drawing/2014/main" id="{7E0A3BEE-FD46-455C-B41F-783830FA256B}"/>
-              </a:ext>
-            </a:extLst>
-          </p:cNvPr>
-          <p:cNvPicPr>
-            <a:picLocks noChangeAspect="1"/>
-          </p:cNvPicPr>
-          <p:nvPr/>
-        </p:nvPicPr>
-        <p:blipFill>
-          <a:blip r:embed="rId3"/>
-          <a:stretch>
-            <a:fillRect/>
-          </a:stretch>
-        </p:blipFill>
-        <p:spPr>
-          <a:xfrm>
-            <a:off x="2414215" y="3555424"/>
-            <a:ext cx="2619316" cy="1984951"/>
-          </a:xfrm>
-          <a:prstGeom prst="rect">
-            <a:avLst/>
-          </a:prstGeom>
-        </p:spPr>
-      </p:pic>
+          <a:noFill/>
+        </p:spPr>
+        <p:txBody>
+          <a:bodyPr wrap="square" rtlCol="0">
+            <a:spAutoFit/>
+          </a:bodyPr>
+          <a:lstStyle/>
+          <a:p>
+            <a:r>
+              <a:rPr lang="en-US" dirty="0"/>
+              <a:t>Static no need to create instance </a:t>
+            </a:r>
+          </a:p>
+        </p:txBody>
+      </p:sp>
     </p:spTree>
     <p:extLst>
       <p:ext uri="{BB962C8B-B14F-4D97-AF65-F5344CB8AC3E}">
-        <p14:creationId xmlns:p14="http://schemas.microsoft.com/office/powerpoint/2010/main" val="1476443739"/>
+        <p14:creationId xmlns:p14="http://schemas.microsoft.com/office/powerpoint/2010/main" val="4108507255"/>
       </p:ext>
     </p:extLst>
   </p:cSld>
@@ -4940,7 +5381,7 @@
           <p:cNvPr id="2" name="Title 1">
             <a:extLst>
               <a:ext uri="{FF2B5EF4-FFF2-40B4-BE49-F238E27FC236}">
-                <a16:creationId xmlns:a16="http://schemas.microsoft.com/office/drawing/2014/main" id="{021DF1EF-8598-4E49-912C-E882AFECD37D}"/>
+                <a16:creationId xmlns:a16="http://schemas.microsoft.com/office/drawing/2014/main" id="{620DC2F5-1FF9-44DE-BE3E-97CB92C097C7}"/>
               </a:ext>
             </a:extLst>
           </p:cNvPr>
@@ -4951,34 +5392,72 @@
             <p:ph type="title"/>
           </p:nvPr>
         </p:nvSpPr>
-        <p:spPr/>
-        <p:txBody>
-          <a:bodyPr/>
-          <a:lstStyle/>
-          <a:p>
-            <a:r>
-              <a:rPr lang="en-US" dirty="0" err="1"/>
-              <a:t>Varargs</a:t>
-            </a:r>
+        <p:spPr>
+          <a:xfrm>
+            <a:off x="838200" y="111737"/>
+            <a:ext cx="10515600" cy="1325563"/>
+          </a:xfrm>
+        </p:spPr>
+        <p:txBody>
+          <a:bodyPr/>
+          <a:lstStyle/>
+          <a:p>
+            <a:r>
+              <a:rPr lang="en-US" dirty="0"/>
+              <a:t>Inner class</a:t>
+            </a:r>
+          </a:p>
+        </p:txBody>
+      </p:sp>
+      <p:sp>
+        <p:nvSpPr>
+          <p:cNvPr id="3" name="Content Placeholder 2">
+            <a:extLst>
+              <a:ext uri="{FF2B5EF4-FFF2-40B4-BE49-F238E27FC236}">
+                <a16:creationId xmlns:a16="http://schemas.microsoft.com/office/drawing/2014/main" id="{63D5D753-E224-467B-B817-E00E6DDEB4C6}"/>
+              </a:ext>
+            </a:extLst>
+          </p:cNvPr>
+          <p:cNvSpPr>
+            <a:spLocks noGrp="1"/>
+          </p:cNvSpPr>
+          <p:nvPr>
+            <p:ph idx="1"/>
+          </p:nvPr>
+        </p:nvSpPr>
+        <p:spPr>
+          <a:xfrm>
+            <a:off x="738130" y="1156771"/>
+            <a:ext cx="10615670" cy="4854939"/>
+          </a:xfrm>
+        </p:spPr>
+        <p:txBody>
+          <a:bodyPr/>
+          <a:lstStyle/>
+          <a:p>
+            <a:r>
+              <a:rPr lang="en-US" dirty="0"/>
+              <a:t>Class inside another class</a:t>
+            </a:r>
+          </a:p>
+          <a:p>
             <a:endParaRPr lang="en-US" dirty="0"/>
           </a:p>
         </p:txBody>
       </p:sp>
       <p:pic>
         <p:nvPicPr>
-          <p:cNvPr id="5" name="Content Placeholder 4">
-            <a:extLst>
-              <a:ext uri="{FF2B5EF4-FFF2-40B4-BE49-F238E27FC236}">
-                <a16:creationId xmlns:a16="http://schemas.microsoft.com/office/drawing/2014/main" id="{94E38CA4-9A52-4CE1-BA41-5EA15585E2E1}"/>
+          <p:cNvPr id="5" name="Picture 4">
+            <a:extLst>
+              <a:ext uri="{FF2B5EF4-FFF2-40B4-BE49-F238E27FC236}">
+                <a16:creationId xmlns:a16="http://schemas.microsoft.com/office/drawing/2014/main" id="{A05BE936-D1EF-4E2D-9F32-F02CD251C26B}"/>
               </a:ext>
             </a:extLst>
           </p:cNvPr>
           <p:cNvPicPr>
-            <a:picLocks noGrp="1" noChangeAspect="1"/>
+            <a:picLocks noChangeAspect="1"/>
           </p:cNvPicPr>
-          <p:nvPr>
-            <p:ph idx="1"/>
-          </p:nvPr>
+          <p:nvPr/>
         </p:nvPicPr>
         <p:blipFill>
           <a:blip r:embed="rId2"/>
@@ -4988,15 +5467,18 @@
         </p:blipFill>
         <p:spPr>
           <a:xfrm>
-            <a:off x="1000125" y="1912278"/>
-            <a:ext cx="5766683" cy="4279202"/>
-          </a:xfrm>
+            <a:off x="991518" y="1700485"/>
+            <a:ext cx="5871648" cy="4944195"/>
+          </a:xfrm>
+          <a:prstGeom prst="rect">
+            <a:avLst/>
+          </a:prstGeom>
         </p:spPr>
       </p:pic>
     </p:spTree>
     <p:extLst>
       <p:ext uri="{BB962C8B-B14F-4D97-AF65-F5344CB8AC3E}">
-        <p14:creationId xmlns:p14="http://schemas.microsoft.com/office/powerpoint/2010/main" val="2026371522"/>
+        <p14:creationId xmlns:p14="http://schemas.microsoft.com/office/powerpoint/2010/main" val="1178157314"/>
       </p:ext>
     </p:extLst>
   </p:cSld>
@@ -5028,7 +5510,7 @@
           <p:cNvPr id="2" name="Title 1">
             <a:extLst>
               <a:ext uri="{FF2B5EF4-FFF2-40B4-BE49-F238E27FC236}">
-                <a16:creationId xmlns:a16="http://schemas.microsoft.com/office/drawing/2014/main" id="{426342E1-030C-4F2B-BA8C-C4355625771C}"/>
+                <a16:creationId xmlns:a16="http://schemas.microsoft.com/office/drawing/2014/main" id="{B2833257-413E-450A-A30A-C369331CBEF4}"/>
               </a:ext>
             </a:extLst>
           </p:cNvPr>
@@ -5039,33 +5521,88 @@
             <p:ph type="title"/>
           </p:nvPr>
         </p:nvSpPr>
-        <p:spPr/>
+        <p:spPr>
+          <a:xfrm>
+            <a:off x="838200" y="-68984"/>
+            <a:ext cx="10515600" cy="1325563"/>
+          </a:xfrm>
+        </p:spPr>
         <p:txBody>
           <a:bodyPr/>
           <a:lstStyle/>
           <a:p>
             <a:r>
               <a:rPr lang="en-US" dirty="0"/>
-              <a:t>Inheritance </a:t>
-            </a:r>
+              <a:t>Array</a:t>
+            </a:r>
+          </a:p>
+        </p:txBody>
+      </p:sp>
+      <p:sp>
+        <p:nvSpPr>
+          <p:cNvPr id="3" name="Content Placeholder 2">
+            <a:extLst>
+              <a:ext uri="{FF2B5EF4-FFF2-40B4-BE49-F238E27FC236}">
+                <a16:creationId xmlns:a16="http://schemas.microsoft.com/office/drawing/2014/main" id="{3CDA4181-191F-49F0-8932-403FAC36590D}"/>
+              </a:ext>
+            </a:extLst>
+          </p:cNvPr>
+          <p:cNvSpPr>
+            <a:spLocks noGrp="1"/>
+          </p:cNvSpPr>
+          <p:nvPr>
+            <p:ph idx="1"/>
+          </p:nvPr>
+        </p:nvSpPr>
+        <p:spPr>
+          <a:xfrm>
+            <a:off x="838200" y="1077480"/>
+            <a:ext cx="10515600" cy="4351338"/>
+          </a:xfrm>
+        </p:spPr>
+        <p:txBody>
+          <a:bodyPr/>
+          <a:lstStyle/>
+          <a:p>
+            <a:r>
+              <a:rPr lang="en-US" dirty="0"/>
+              <a:t>1 D :</a:t>
+            </a:r>
+          </a:p>
+          <a:p>
+            <a:endParaRPr lang="en-US" dirty="0"/>
+          </a:p>
+          <a:p>
+            <a:endParaRPr lang="en-US" dirty="0"/>
+          </a:p>
+          <a:p>
+            <a:endParaRPr lang="en-US" dirty="0"/>
+          </a:p>
+          <a:p>
+            <a:r>
+              <a:rPr lang="en-US" dirty="0"/>
+              <a:t>2D: </a:t>
+            </a:r>
+          </a:p>
+          <a:p>
+            <a:pPr lvl="2"/>
+            <a:endParaRPr lang="en-US" dirty="0"/>
           </a:p>
         </p:txBody>
       </p:sp>
       <p:pic>
         <p:nvPicPr>
-          <p:cNvPr id="9" name="Content Placeholder 8">
-            <a:extLst>
-              <a:ext uri="{FF2B5EF4-FFF2-40B4-BE49-F238E27FC236}">
-                <a16:creationId xmlns:a16="http://schemas.microsoft.com/office/drawing/2014/main" id="{8D1522B3-C707-43DE-B4CD-B3AF834AA4AA}"/>
+          <p:cNvPr id="5" name="Picture 4">
+            <a:extLst>
+              <a:ext uri="{FF2B5EF4-FFF2-40B4-BE49-F238E27FC236}">
+                <a16:creationId xmlns:a16="http://schemas.microsoft.com/office/drawing/2014/main" id="{8A139D6C-7339-4D1A-9DA0-DC2B5640F10D}"/>
               </a:ext>
             </a:extLst>
           </p:cNvPr>
           <p:cNvPicPr>
-            <a:picLocks noGrp="1" noChangeAspect="1"/>
+            <a:picLocks noChangeAspect="1"/>
           </p:cNvPicPr>
-          <p:nvPr>
-            <p:ph idx="1"/>
-          </p:nvPr>
+          <p:nvPr/>
         </p:nvPicPr>
         <p:blipFill>
           <a:blip r:embed="rId2"/>
@@ -5075,15 +5612,48 @@
         </p:blipFill>
         <p:spPr>
           <a:xfrm>
-            <a:off x="838200" y="1869692"/>
-            <a:ext cx="4291022" cy="4351338"/>
-          </a:xfrm>
+            <a:off x="2484294" y="1077480"/>
+            <a:ext cx="3067050" cy="1571625"/>
+          </a:xfrm>
+          <a:prstGeom prst="rect">
+            <a:avLst/>
+          </a:prstGeom>
+        </p:spPr>
+      </p:pic>
+      <p:pic>
+        <p:nvPicPr>
+          <p:cNvPr id="7" name="Picture 6">
+            <a:extLst>
+              <a:ext uri="{FF2B5EF4-FFF2-40B4-BE49-F238E27FC236}">
+                <a16:creationId xmlns:a16="http://schemas.microsoft.com/office/drawing/2014/main" id="{7E0A3BEE-FD46-455C-B41F-783830FA256B}"/>
+              </a:ext>
+            </a:extLst>
+          </p:cNvPr>
+          <p:cNvPicPr>
+            <a:picLocks noChangeAspect="1"/>
+          </p:cNvPicPr>
+          <p:nvPr/>
+        </p:nvPicPr>
+        <p:blipFill>
+          <a:blip r:embed="rId3"/>
+          <a:stretch>
+            <a:fillRect/>
+          </a:stretch>
+        </p:blipFill>
+        <p:spPr>
+          <a:xfrm>
+            <a:off x="2414215" y="3555424"/>
+            <a:ext cx="2619316" cy="1984951"/>
+          </a:xfrm>
+          <a:prstGeom prst="rect">
+            <a:avLst/>
+          </a:prstGeom>
         </p:spPr>
       </p:pic>
     </p:spTree>
     <p:extLst>
       <p:ext uri="{BB962C8B-B14F-4D97-AF65-F5344CB8AC3E}">
-        <p14:creationId xmlns:p14="http://schemas.microsoft.com/office/powerpoint/2010/main" val="2616497364"/>
+        <p14:creationId xmlns:p14="http://schemas.microsoft.com/office/powerpoint/2010/main" val="1476443739"/>
       </p:ext>
     </p:extLst>
   </p:cSld>
@@ -5115,7 +5685,7 @@
           <p:cNvPr id="2" name="Title 1">
             <a:extLst>
               <a:ext uri="{FF2B5EF4-FFF2-40B4-BE49-F238E27FC236}">
-                <a16:creationId xmlns:a16="http://schemas.microsoft.com/office/drawing/2014/main" id="{F8AC1739-9CE9-4DB1-B706-3A9207427227}"/>
+                <a16:creationId xmlns:a16="http://schemas.microsoft.com/office/drawing/2014/main" id="{854CD367-4D0C-484C-883D-7DC269ED6D8E}"/>
               </a:ext>
             </a:extLst>
           </p:cNvPr>
@@ -5128,7 +5698,7 @@
         </p:nvSpPr>
         <p:spPr>
           <a:xfrm>
-            <a:off x="461818" y="-78220"/>
+            <a:off x="838200" y="18255"/>
             <a:ext cx="10515600" cy="1325563"/>
           </a:xfrm>
         </p:spPr>
@@ -5137,27 +5707,69 @@
           <a:lstStyle/>
           <a:p>
             <a:r>
+              <a:rPr lang="en-US" dirty="0" err="1"/>
+              <a:t>ArrayList</a:t>
+            </a:r>
+            <a:endParaRPr lang="en-US" dirty="0"/>
+          </a:p>
+        </p:txBody>
+      </p:sp>
+      <p:sp>
+        <p:nvSpPr>
+          <p:cNvPr id="3" name="Content Placeholder 2">
+            <a:extLst>
+              <a:ext uri="{FF2B5EF4-FFF2-40B4-BE49-F238E27FC236}">
+                <a16:creationId xmlns:a16="http://schemas.microsoft.com/office/drawing/2014/main" id="{CF1B0D9D-2D5C-4565-AE8F-4C411E1CF5FE}"/>
+              </a:ext>
+            </a:extLst>
+          </p:cNvPr>
+          <p:cNvSpPr>
+            <a:spLocks noGrp="1"/>
+          </p:cNvSpPr>
+          <p:nvPr>
+            <p:ph idx="1"/>
+          </p:nvPr>
+        </p:nvSpPr>
+        <p:spPr>
+          <a:xfrm>
+            <a:off x="738909" y="1343818"/>
+            <a:ext cx="10614891" cy="4833145"/>
+          </a:xfrm>
+        </p:spPr>
+        <p:txBody>
+          <a:bodyPr/>
+          <a:lstStyle/>
+          <a:p>
+            <a:r>
+              <a:rPr lang="en-US" dirty="0" err="1"/>
+              <a:t>ArrayList</a:t>
+            </a:r>
+            <a:r>
               <a:rPr lang="en-US" dirty="0"/>
-              <a:t>Super variables, method, constructors</a:t>
-            </a:r>
+              <a:t> can change size (dynamic) but Array size always fix </a:t>
+            </a:r>
+          </a:p>
+          <a:p>
+            <a:endParaRPr lang="en-US" dirty="0"/>
+          </a:p>
+          <a:p>
+            <a:endParaRPr lang="en-US" dirty="0"/>
           </a:p>
         </p:txBody>
       </p:sp>
       <p:pic>
         <p:nvPicPr>
-          <p:cNvPr id="5" name="Content Placeholder 4">
-            <a:extLst>
-              <a:ext uri="{FF2B5EF4-FFF2-40B4-BE49-F238E27FC236}">
-                <a16:creationId xmlns:a16="http://schemas.microsoft.com/office/drawing/2014/main" id="{08D06D94-9041-4260-BF4B-24101DE628CC}"/>
+          <p:cNvPr id="5" name="Picture 4">
+            <a:extLst>
+              <a:ext uri="{FF2B5EF4-FFF2-40B4-BE49-F238E27FC236}">
+                <a16:creationId xmlns:a16="http://schemas.microsoft.com/office/drawing/2014/main" id="{F96113DD-EFBC-4465-A932-451737FF19F7}"/>
               </a:ext>
             </a:extLst>
           </p:cNvPr>
           <p:cNvPicPr>
-            <a:picLocks noGrp="1" noChangeAspect="1"/>
+            <a:picLocks noChangeAspect="1"/>
           </p:cNvPicPr>
-          <p:nvPr>
-            <p:ph idx="1"/>
-          </p:nvPr>
+          <p:nvPr/>
         </p:nvPicPr>
         <p:blipFill>
           <a:blip r:embed="rId2"/>
@@ -5167,65 +5779,8 @@
         </p:blipFill>
         <p:spPr>
           <a:xfrm>
-            <a:off x="237884" y="1177619"/>
-            <a:ext cx="3194444" cy="2601279"/>
-          </a:xfrm>
-        </p:spPr>
-      </p:pic>
-      <p:pic>
-        <p:nvPicPr>
-          <p:cNvPr id="7" name="Picture 6">
-            <a:extLst>
-              <a:ext uri="{FF2B5EF4-FFF2-40B4-BE49-F238E27FC236}">
-                <a16:creationId xmlns:a16="http://schemas.microsoft.com/office/drawing/2014/main" id="{098CDE5F-4277-4608-8687-C1681C59DA01}"/>
-              </a:ext>
-            </a:extLst>
-          </p:cNvPr>
-          <p:cNvPicPr>
-            <a:picLocks noChangeAspect="1"/>
-          </p:cNvPicPr>
-          <p:nvPr/>
-        </p:nvPicPr>
-        <p:blipFill>
-          <a:blip r:embed="rId3"/>
-          <a:stretch>
-            <a:fillRect/>
-          </a:stretch>
-        </p:blipFill>
-        <p:spPr>
-          <a:xfrm>
-            <a:off x="3656262" y="1179215"/>
-            <a:ext cx="3316780" cy="2783185"/>
-          </a:xfrm>
-          <a:prstGeom prst="rect">
-            <a:avLst/>
-          </a:prstGeom>
-        </p:spPr>
-      </p:pic>
-      <p:pic>
-        <p:nvPicPr>
-          <p:cNvPr id="9" name="Picture 8">
-            <a:extLst>
-              <a:ext uri="{FF2B5EF4-FFF2-40B4-BE49-F238E27FC236}">
-                <a16:creationId xmlns:a16="http://schemas.microsoft.com/office/drawing/2014/main" id="{E17DA7F7-3630-4E5A-901E-053BC603C24D}"/>
-              </a:ext>
-            </a:extLst>
-          </p:cNvPr>
-          <p:cNvPicPr>
-            <a:picLocks noChangeAspect="1"/>
-          </p:cNvPicPr>
-          <p:nvPr/>
-        </p:nvPicPr>
-        <p:blipFill>
-          <a:blip r:embed="rId4"/>
-          <a:stretch>
-            <a:fillRect/>
-          </a:stretch>
-        </p:blipFill>
-        <p:spPr>
-          <a:xfrm>
-            <a:off x="7496416" y="1065645"/>
-            <a:ext cx="4457700" cy="4191000"/>
+            <a:off x="1119476" y="2436091"/>
+            <a:ext cx="4448175" cy="2743200"/>
           </a:xfrm>
           <a:prstGeom prst="rect">
             <a:avLst/>
@@ -5235,7 +5790,7 @@
     </p:spTree>
     <p:extLst>
       <p:ext uri="{BB962C8B-B14F-4D97-AF65-F5344CB8AC3E}">
-        <p14:creationId xmlns:p14="http://schemas.microsoft.com/office/powerpoint/2010/main" val="1044968318"/>
+        <p14:creationId xmlns:p14="http://schemas.microsoft.com/office/powerpoint/2010/main" val="1214023990"/>
       </p:ext>
     </p:extLst>
   </p:cSld>
@@ -5267,6 +5822,333 @@
           <p:cNvPr id="2" name="Title 1">
             <a:extLst>
               <a:ext uri="{FF2B5EF4-FFF2-40B4-BE49-F238E27FC236}">
+                <a16:creationId xmlns:a16="http://schemas.microsoft.com/office/drawing/2014/main" id="{021DF1EF-8598-4E49-912C-E882AFECD37D}"/>
+              </a:ext>
+            </a:extLst>
+          </p:cNvPr>
+          <p:cNvSpPr>
+            <a:spLocks noGrp="1"/>
+          </p:cNvSpPr>
+          <p:nvPr>
+            <p:ph type="title"/>
+          </p:nvPr>
+        </p:nvSpPr>
+        <p:spPr/>
+        <p:txBody>
+          <a:bodyPr/>
+          <a:lstStyle/>
+          <a:p>
+            <a:r>
+              <a:rPr lang="en-US" dirty="0" err="1"/>
+              <a:t>Varargs</a:t>
+            </a:r>
+            <a:endParaRPr lang="en-US" dirty="0"/>
+          </a:p>
+        </p:txBody>
+      </p:sp>
+      <p:pic>
+        <p:nvPicPr>
+          <p:cNvPr id="5" name="Content Placeholder 4">
+            <a:extLst>
+              <a:ext uri="{FF2B5EF4-FFF2-40B4-BE49-F238E27FC236}">
+                <a16:creationId xmlns:a16="http://schemas.microsoft.com/office/drawing/2014/main" id="{94E38CA4-9A52-4CE1-BA41-5EA15585E2E1}"/>
+              </a:ext>
+            </a:extLst>
+          </p:cNvPr>
+          <p:cNvPicPr>
+            <a:picLocks noGrp="1" noChangeAspect="1"/>
+          </p:cNvPicPr>
+          <p:nvPr>
+            <p:ph idx="1"/>
+          </p:nvPr>
+        </p:nvPicPr>
+        <p:blipFill>
+          <a:blip r:embed="rId2"/>
+          <a:stretch>
+            <a:fillRect/>
+          </a:stretch>
+        </p:blipFill>
+        <p:spPr>
+          <a:xfrm>
+            <a:off x="1000125" y="1912278"/>
+            <a:ext cx="5766683" cy="4279202"/>
+          </a:xfrm>
+        </p:spPr>
+      </p:pic>
+    </p:spTree>
+    <p:extLst>
+      <p:ext uri="{BB962C8B-B14F-4D97-AF65-F5344CB8AC3E}">
+        <p14:creationId xmlns:p14="http://schemas.microsoft.com/office/powerpoint/2010/main" val="2026371522"/>
+      </p:ext>
+    </p:extLst>
+  </p:cSld>
+  <p:clrMapOvr>
+    <a:masterClrMapping/>
+  </p:clrMapOvr>
+</p:sld>
+</file>
+
+<file path=ppt/slides/slide25.xml><?xml version="1.0" encoding="utf-8"?>
+<p:sld xmlns:a="http://schemas.openxmlformats.org/drawingml/2006/main" xmlns:r="http://schemas.openxmlformats.org/officeDocument/2006/relationships" xmlns:p="http://schemas.openxmlformats.org/presentationml/2006/main">
+  <p:cSld>
+    <p:spTree>
+      <p:nvGrpSpPr>
+        <p:cNvPr id="1" name=""/>
+        <p:cNvGrpSpPr/>
+        <p:nvPr/>
+      </p:nvGrpSpPr>
+      <p:grpSpPr>
+        <a:xfrm>
+          <a:off x="0" y="0"/>
+          <a:ext cx="0" cy="0"/>
+          <a:chOff x="0" y="0"/>
+          <a:chExt cx="0" cy="0"/>
+        </a:xfrm>
+      </p:grpSpPr>
+      <p:sp>
+        <p:nvSpPr>
+          <p:cNvPr id="2" name="Title 1">
+            <a:extLst>
+              <a:ext uri="{FF2B5EF4-FFF2-40B4-BE49-F238E27FC236}">
+                <a16:creationId xmlns:a16="http://schemas.microsoft.com/office/drawing/2014/main" id="{426342E1-030C-4F2B-BA8C-C4355625771C}"/>
+              </a:ext>
+            </a:extLst>
+          </p:cNvPr>
+          <p:cNvSpPr>
+            <a:spLocks noGrp="1"/>
+          </p:cNvSpPr>
+          <p:nvPr>
+            <p:ph type="title"/>
+          </p:nvPr>
+        </p:nvSpPr>
+        <p:spPr/>
+        <p:txBody>
+          <a:bodyPr/>
+          <a:lstStyle/>
+          <a:p>
+            <a:r>
+              <a:rPr lang="en-US" dirty="0"/>
+              <a:t>Inheritance </a:t>
+            </a:r>
+          </a:p>
+        </p:txBody>
+      </p:sp>
+      <p:pic>
+        <p:nvPicPr>
+          <p:cNvPr id="9" name="Content Placeholder 8">
+            <a:extLst>
+              <a:ext uri="{FF2B5EF4-FFF2-40B4-BE49-F238E27FC236}">
+                <a16:creationId xmlns:a16="http://schemas.microsoft.com/office/drawing/2014/main" id="{8D1522B3-C707-43DE-B4CD-B3AF834AA4AA}"/>
+              </a:ext>
+            </a:extLst>
+          </p:cNvPr>
+          <p:cNvPicPr>
+            <a:picLocks noGrp="1" noChangeAspect="1"/>
+          </p:cNvPicPr>
+          <p:nvPr>
+            <p:ph idx="1"/>
+          </p:nvPr>
+        </p:nvPicPr>
+        <p:blipFill>
+          <a:blip r:embed="rId2"/>
+          <a:stretch>
+            <a:fillRect/>
+          </a:stretch>
+        </p:blipFill>
+        <p:spPr>
+          <a:xfrm>
+            <a:off x="838200" y="1869692"/>
+            <a:ext cx="4291022" cy="4351338"/>
+          </a:xfrm>
+        </p:spPr>
+      </p:pic>
+    </p:spTree>
+    <p:extLst>
+      <p:ext uri="{BB962C8B-B14F-4D97-AF65-F5344CB8AC3E}">
+        <p14:creationId xmlns:p14="http://schemas.microsoft.com/office/powerpoint/2010/main" val="2616497364"/>
+      </p:ext>
+    </p:extLst>
+  </p:cSld>
+  <p:clrMapOvr>
+    <a:masterClrMapping/>
+  </p:clrMapOvr>
+</p:sld>
+</file>
+
+<file path=ppt/slides/slide26.xml><?xml version="1.0" encoding="utf-8"?>
+<p:sld xmlns:a="http://schemas.openxmlformats.org/drawingml/2006/main" xmlns:r="http://schemas.openxmlformats.org/officeDocument/2006/relationships" xmlns:p="http://schemas.openxmlformats.org/presentationml/2006/main">
+  <p:cSld>
+    <p:spTree>
+      <p:nvGrpSpPr>
+        <p:cNvPr id="1" name=""/>
+        <p:cNvGrpSpPr/>
+        <p:nvPr/>
+      </p:nvGrpSpPr>
+      <p:grpSpPr>
+        <a:xfrm>
+          <a:off x="0" y="0"/>
+          <a:ext cx="0" cy="0"/>
+          <a:chOff x="0" y="0"/>
+          <a:chExt cx="0" cy="0"/>
+        </a:xfrm>
+      </p:grpSpPr>
+      <p:sp>
+        <p:nvSpPr>
+          <p:cNvPr id="2" name="Title 1">
+            <a:extLst>
+              <a:ext uri="{FF2B5EF4-FFF2-40B4-BE49-F238E27FC236}">
+                <a16:creationId xmlns:a16="http://schemas.microsoft.com/office/drawing/2014/main" id="{F8AC1739-9CE9-4DB1-B706-3A9207427227}"/>
+              </a:ext>
+            </a:extLst>
+          </p:cNvPr>
+          <p:cNvSpPr>
+            <a:spLocks noGrp="1"/>
+          </p:cNvSpPr>
+          <p:nvPr>
+            <p:ph type="title"/>
+          </p:nvPr>
+        </p:nvSpPr>
+        <p:spPr>
+          <a:xfrm>
+            <a:off x="461818" y="-78220"/>
+            <a:ext cx="10515600" cy="1325563"/>
+          </a:xfrm>
+        </p:spPr>
+        <p:txBody>
+          <a:bodyPr/>
+          <a:lstStyle/>
+          <a:p>
+            <a:r>
+              <a:rPr lang="en-US" dirty="0"/>
+              <a:t>Super variables, method, constructors</a:t>
+            </a:r>
+          </a:p>
+        </p:txBody>
+      </p:sp>
+      <p:pic>
+        <p:nvPicPr>
+          <p:cNvPr id="5" name="Content Placeholder 4">
+            <a:extLst>
+              <a:ext uri="{FF2B5EF4-FFF2-40B4-BE49-F238E27FC236}">
+                <a16:creationId xmlns:a16="http://schemas.microsoft.com/office/drawing/2014/main" id="{08D06D94-9041-4260-BF4B-24101DE628CC}"/>
+              </a:ext>
+            </a:extLst>
+          </p:cNvPr>
+          <p:cNvPicPr>
+            <a:picLocks noGrp="1" noChangeAspect="1"/>
+          </p:cNvPicPr>
+          <p:nvPr>
+            <p:ph idx="1"/>
+          </p:nvPr>
+        </p:nvPicPr>
+        <p:blipFill>
+          <a:blip r:embed="rId2"/>
+          <a:stretch>
+            <a:fillRect/>
+          </a:stretch>
+        </p:blipFill>
+        <p:spPr>
+          <a:xfrm>
+            <a:off x="237884" y="1177619"/>
+            <a:ext cx="3194444" cy="2601279"/>
+          </a:xfrm>
+        </p:spPr>
+      </p:pic>
+      <p:pic>
+        <p:nvPicPr>
+          <p:cNvPr id="7" name="Picture 6">
+            <a:extLst>
+              <a:ext uri="{FF2B5EF4-FFF2-40B4-BE49-F238E27FC236}">
+                <a16:creationId xmlns:a16="http://schemas.microsoft.com/office/drawing/2014/main" id="{098CDE5F-4277-4608-8687-C1681C59DA01}"/>
+              </a:ext>
+            </a:extLst>
+          </p:cNvPr>
+          <p:cNvPicPr>
+            <a:picLocks noChangeAspect="1"/>
+          </p:cNvPicPr>
+          <p:nvPr/>
+        </p:nvPicPr>
+        <p:blipFill>
+          <a:blip r:embed="rId3"/>
+          <a:stretch>
+            <a:fillRect/>
+          </a:stretch>
+        </p:blipFill>
+        <p:spPr>
+          <a:xfrm>
+            <a:off x="3656262" y="1179215"/>
+            <a:ext cx="3316780" cy="2783185"/>
+          </a:xfrm>
+          <a:prstGeom prst="rect">
+            <a:avLst/>
+          </a:prstGeom>
+        </p:spPr>
+      </p:pic>
+      <p:pic>
+        <p:nvPicPr>
+          <p:cNvPr id="9" name="Picture 8">
+            <a:extLst>
+              <a:ext uri="{FF2B5EF4-FFF2-40B4-BE49-F238E27FC236}">
+                <a16:creationId xmlns:a16="http://schemas.microsoft.com/office/drawing/2014/main" id="{E17DA7F7-3630-4E5A-901E-053BC603C24D}"/>
+              </a:ext>
+            </a:extLst>
+          </p:cNvPr>
+          <p:cNvPicPr>
+            <a:picLocks noChangeAspect="1"/>
+          </p:cNvPicPr>
+          <p:nvPr/>
+        </p:nvPicPr>
+        <p:blipFill>
+          <a:blip r:embed="rId4"/>
+          <a:stretch>
+            <a:fillRect/>
+          </a:stretch>
+        </p:blipFill>
+        <p:spPr>
+          <a:xfrm>
+            <a:off x="7496416" y="1065645"/>
+            <a:ext cx="4457700" cy="4191000"/>
+          </a:xfrm>
+          <a:prstGeom prst="rect">
+            <a:avLst/>
+          </a:prstGeom>
+        </p:spPr>
+      </p:pic>
+    </p:spTree>
+    <p:extLst>
+      <p:ext uri="{BB962C8B-B14F-4D97-AF65-F5344CB8AC3E}">
+        <p14:creationId xmlns:p14="http://schemas.microsoft.com/office/powerpoint/2010/main" val="1044968318"/>
+      </p:ext>
+    </p:extLst>
+  </p:cSld>
+  <p:clrMapOvr>
+    <a:masterClrMapping/>
+  </p:clrMapOvr>
+</p:sld>
+</file>
+
+<file path=ppt/slides/slide27.xml><?xml version="1.0" encoding="utf-8"?>
+<p:sld xmlns:a="http://schemas.openxmlformats.org/drawingml/2006/main" xmlns:r="http://schemas.openxmlformats.org/officeDocument/2006/relationships" xmlns:p="http://schemas.openxmlformats.org/presentationml/2006/main">
+  <p:cSld>
+    <p:spTree>
+      <p:nvGrpSpPr>
+        <p:cNvPr id="1" name=""/>
+        <p:cNvGrpSpPr/>
+        <p:nvPr/>
+      </p:nvGrpSpPr>
+      <p:grpSpPr>
+        <a:xfrm>
+          <a:off x="0" y="0"/>
+          <a:ext cx="0" cy="0"/>
+          <a:chOff x="0" y="0"/>
+          <a:chExt cx="0" cy="0"/>
+        </a:xfrm>
+      </p:grpSpPr>
+      <p:sp>
+        <p:nvSpPr>
+          <p:cNvPr id="2" name="Title 1">
+            <a:extLst>
+              <a:ext uri="{FF2B5EF4-FFF2-40B4-BE49-F238E27FC236}">
                 <a16:creationId xmlns:a16="http://schemas.microsoft.com/office/drawing/2014/main" id="{9BEFA51F-C07C-4780-BC3C-449A7EC9D68F}"/>
               </a:ext>
             </a:extLst>
@@ -5365,6 +6247,329 @@
     <p:extLst>
       <p:ext uri="{BB962C8B-B14F-4D97-AF65-F5344CB8AC3E}">
         <p14:creationId xmlns:p14="http://schemas.microsoft.com/office/powerpoint/2010/main" val="1887756621"/>
+      </p:ext>
+    </p:extLst>
+  </p:cSld>
+  <p:clrMapOvr>
+    <a:masterClrMapping/>
+  </p:clrMapOvr>
+</p:sld>
+</file>
+
+<file path=ppt/slides/slide28.xml><?xml version="1.0" encoding="utf-8"?>
+<p:sld xmlns:a="http://schemas.openxmlformats.org/drawingml/2006/main" xmlns:r="http://schemas.openxmlformats.org/officeDocument/2006/relationships" xmlns:p="http://schemas.openxmlformats.org/presentationml/2006/main">
+  <p:cSld>
+    <p:spTree>
+      <p:nvGrpSpPr>
+        <p:cNvPr id="1" name=""/>
+        <p:cNvGrpSpPr/>
+        <p:nvPr/>
+      </p:nvGrpSpPr>
+      <p:grpSpPr>
+        <a:xfrm>
+          <a:off x="0" y="0"/>
+          <a:ext cx="0" cy="0"/>
+          <a:chOff x="0" y="0"/>
+          <a:chExt cx="0" cy="0"/>
+        </a:xfrm>
+      </p:grpSpPr>
+      <p:sp>
+        <p:nvSpPr>
+          <p:cNvPr id="2" name="Title 1">
+            <a:extLst>
+              <a:ext uri="{FF2B5EF4-FFF2-40B4-BE49-F238E27FC236}">
+                <a16:creationId xmlns:a16="http://schemas.microsoft.com/office/drawing/2014/main" id="{E9664E42-72A4-441C-B561-E32C62D0173A}"/>
+              </a:ext>
+            </a:extLst>
+          </p:cNvPr>
+          <p:cNvSpPr>
+            <a:spLocks noGrp="1"/>
+          </p:cNvSpPr>
+          <p:nvPr>
+            <p:ph type="title"/>
+          </p:nvPr>
+        </p:nvSpPr>
+        <p:spPr>
+          <a:xfrm>
+            <a:off x="1222872" y="365125"/>
+            <a:ext cx="10130928" cy="549275"/>
+          </a:xfrm>
+        </p:spPr>
+        <p:txBody>
+          <a:bodyPr>
+            <a:normAutofit fontScale="90000"/>
+          </a:bodyPr>
+          <a:lstStyle/>
+          <a:p>
+            <a:r>
+              <a:rPr lang="en-US" dirty="0"/>
+              <a:t>Encapsulation (</a:t>
+            </a:r>
+            <a:r>
+              <a:rPr lang="en-US" dirty="0" err="1"/>
+              <a:t>setters&amp;getter</a:t>
+            </a:r>
+            <a:r>
+              <a:rPr lang="en-US" dirty="0"/>
+              <a:t>) </a:t>
+            </a:r>
+          </a:p>
+        </p:txBody>
+      </p:sp>
+      <p:sp>
+        <p:nvSpPr>
+          <p:cNvPr id="3" name="Content Placeholder 2">
+            <a:extLst>
+              <a:ext uri="{FF2B5EF4-FFF2-40B4-BE49-F238E27FC236}">
+                <a16:creationId xmlns:a16="http://schemas.microsoft.com/office/drawing/2014/main" id="{DA9B0F38-FA7F-4426-B115-C058AE1E0DAC}"/>
+              </a:ext>
+            </a:extLst>
+          </p:cNvPr>
+          <p:cNvSpPr>
+            <a:spLocks noGrp="1"/>
+          </p:cNvSpPr>
+          <p:nvPr>
+            <p:ph idx="1"/>
+          </p:nvPr>
+        </p:nvSpPr>
+        <p:spPr>
+          <a:xfrm>
+            <a:off x="838200" y="914400"/>
+            <a:ext cx="10515600" cy="4351338"/>
+          </a:xfrm>
+        </p:spPr>
+        <p:txBody>
+          <a:bodyPr/>
+          <a:lstStyle/>
+          <a:p>
+            <a:r>
+              <a:rPr lang="en-US" dirty="0"/>
+              <a:t>Purpose: </a:t>
+            </a:r>
+            <a:r>
+              <a:rPr lang="en-US" dirty="0" err="1"/>
+              <a:t>Binnding</a:t>
+            </a:r>
+            <a:r>
+              <a:rPr lang="en-US" dirty="0"/>
+              <a:t> data with setters and getter method. Other class can only access/read data via method (instead of directly access the variable). We can also put some limits in the method </a:t>
+            </a:r>
+          </a:p>
+          <a:p>
+            <a:endParaRPr lang="en-US" dirty="0"/>
+          </a:p>
+        </p:txBody>
+      </p:sp>
+      <p:pic>
+        <p:nvPicPr>
+          <p:cNvPr id="5" name="Picture 4">
+            <a:extLst>
+              <a:ext uri="{FF2B5EF4-FFF2-40B4-BE49-F238E27FC236}">
+                <a16:creationId xmlns:a16="http://schemas.microsoft.com/office/drawing/2014/main" id="{0D438572-1638-43B8-BBE9-F605D8C2B0EB}"/>
+              </a:ext>
+            </a:extLst>
+          </p:cNvPr>
+          <p:cNvPicPr>
+            <a:picLocks noChangeAspect="1"/>
+          </p:cNvPicPr>
+          <p:nvPr/>
+        </p:nvPicPr>
+        <p:blipFill>
+          <a:blip r:embed="rId2"/>
+          <a:stretch>
+            <a:fillRect/>
+          </a:stretch>
+        </p:blipFill>
+        <p:spPr>
+          <a:xfrm>
+            <a:off x="5049926" y="3602516"/>
+            <a:ext cx="6428158" cy="2890359"/>
+          </a:xfrm>
+          <a:prstGeom prst="rect">
+            <a:avLst/>
+          </a:prstGeom>
+        </p:spPr>
+      </p:pic>
+      <p:pic>
+        <p:nvPicPr>
+          <p:cNvPr id="7" name="Picture 6">
+            <a:extLst>
+              <a:ext uri="{FF2B5EF4-FFF2-40B4-BE49-F238E27FC236}">
+                <a16:creationId xmlns:a16="http://schemas.microsoft.com/office/drawing/2014/main" id="{34F20E42-85C3-471D-95CA-0F59FD8B6488}"/>
+              </a:ext>
+            </a:extLst>
+          </p:cNvPr>
+          <p:cNvPicPr>
+            <a:picLocks noChangeAspect="1"/>
+          </p:cNvPicPr>
+          <p:nvPr/>
+        </p:nvPicPr>
+        <p:blipFill>
+          <a:blip r:embed="rId3"/>
+          <a:stretch>
+            <a:fillRect/>
+          </a:stretch>
+        </p:blipFill>
+        <p:spPr>
+          <a:xfrm>
+            <a:off x="544186" y="2423709"/>
+            <a:ext cx="3860361" cy="4197427"/>
+          </a:xfrm>
+          <a:prstGeom prst="rect">
+            <a:avLst/>
+          </a:prstGeom>
+        </p:spPr>
+      </p:pic>
+    </p:spTree>
+    <p:extLst>
+      <p:ext uri="{BB962C8B-B14F-4D97-AF65-F5344CB8AC3E}">
+        <p14:creationId xmlns:p14="http://schemas.microsoft.com/office/powerpoint/2010/main" val="4252851243"/>
+      </p:ext>
+    </p:extLst>
+  </p:cSld>
+  <p:clrMapOvr>
+    <a:masterClrMapping/>
+  </p:clrMapOvr>
+</p:sld>
+</file>
+
+<file path=ppt/slides/slide29.xml><?xml version="1.0" encoding="utf-8"?>
+<p:sld xmlns:a="http://schemas.openxmlformats.org/drawingml/2006/main" xmlns:r="http://schemas.openxmlformats.org/officeDocument/2006/relationships" xmlns:p="http://schemas.openxmlformats.org/presentationml/2006/main">
+  <p:cSld>
+    <p:spTree>
+      <p:nvGrpSpPr>
+        <p:cNvPr id="1" name=""/>
+        <p:cNvGrpSpPr/>
+        <p:nvPr/>
+      </p:nvGrpSpPr>
+      <p:grpSpPr>
+        <a:xfrm>
+          <a:off x="0" y="0"/>
+          <a:ext cx="0" cy="0"/>
+          <a:chOff x="0" y="0"/>
+          <a:chExt cx="0" cy="0"/>
+        </a:xfrm>
+      </p:grpSpPr>
+      <p:sp>
+        <p:nvSpPr>
+          <p:cNvPr id="2" name="Title 1">
+            <a:extLst>
+              <a:ext uri="{FF2B5EF4-FFF2-40B4-BE49-F238E27FC236}">
+                <a16:creationId xmlns:a16="http://schemas.microsoft.com/office/drawing/2014/main" id="{4E4510BE-233A-4727-B1B3-84DF5DA3956E}"/>
+              </a:ext>
+            </a:extLst>
+          </p:cNvPr>
+          <p:cNvSpPr>
+            <a:spLocks noGrp="1"/>
+          </p:cNvSpPr>
+          <p:nvPr>
+            <p:ph type="title"/>
+          </p:nvPr>
+        </p:nvSpPr>
+        <p:spPr/>
+        <p:txBody>
+          <a:bodyPr/>
+          <a:lstStyle/>
+          <a:p>
+            <a:r>
+              <a:rPr lang="en-US" dirty="0"/>
+              <a:t>Abstract </a:t>
+            </a:r>
+          </a:p>
+        </p:txBody>
+      </p:sp>
+      <p:pic>
+        <p:nvPicPr>
+          <p:cNvPr id="5" name="Content Placeholder 4">
+            <a:extLst>
+              <a:ext uri="{FF2B5EF4-FFF2-40B4-BE49-F238E27FC236}">
+                <a16:creationId xmlns:a16="http://schemas.microsoft.com/office/drawing/2014/main" id="{049F0B89-A62F-442D-B1EE-E9E385AFDC21}"/>
+              </a:ext>
+            </a:extLst>
+          </p:cNvPr>
+          <p:cNvPicPr>
+            <a:picLocks noGrp="1" noChangeAspect="1"/>
+          </p:cNvPicPr>
+          <p:nvPr>
+            <p:ph idx="1"/>
+          </p:nvPr>
+        </p:nvPicPr>
+        <p:blipFill>
+          <a:blip r:embed="rId2"/>
+          <a:stretch>
+            <a:fillRect/>
+          </a:stretch>
+        </p:blipFill>
+        <p:spPr>
+          <a:xfrm>
+            <a:off x="737408" y="1910114"/>
+            <a:ext cx="4799067" cy="3716245"/>
+          </a:xfrm>
+        </p:spPr>
+      </p:pic>
+      <p:sp>
+        <p:nvSpPr>
+          <p:cNvPr id="6" name="TextBox 5">
+            <a:extLst>
+              <a:ext uri="{FF2B5EF4-FFF2-40B4-BE49-F238E27FC236}">
+                <a16:creationId xmlns:a16="http://schemas.microsoft.com/office/drawing/2014/main" id="{A7172A23-D81D-430B-A9D4-F76D11709090}"/>
+              </a:ext>
+            </a:extLst>
+          </p:cNvPr>
+          <p:cNvSpPr txBox="1"/>
+          <p:nvPr/>
+        </p:nvSpPr>
+        <p:spPr>
+          <a:xfrm>
+            <a:off x="7171980" y="1910113"/>
+            <a:ext cx="4282611" cy="2585323"/>
+          </a:xfrm>
+          <a:prstGeom prst="rect">
+            <a:avLst/>
+          </a:prstGeom>
+          <a:noFill/>
+        </p:spPr>
+        <p:txBody>
+          <a:bodyPr wrap="square" rtlCol="0">
+            <a:spAutoFit/>
+          </a:bodyPr>
+          <a:lstStyle/>
+          <a:p>
+            <a:pPr marL="342900" indent="-342900">
+              <a:buAutoNum type="arabicParenR"/>
+            </a:pPr>
+            <a:r>
+              <a:rPr lang="en-US" dirty="0"/>
+              <a:t>If method in class is abstract, class also needs to be abstract (e.g. mammal)</a:t>
+            </a:r>
+          </a:p>
+          <a:p>
+            <a:pPr marL="342900" indent="-342900">
+              <a:buAutoNum type="arabicParenR"/>
+            </a:pPr>
+            <a:endParaRPr lang="en-US" dirty="0"/>
+          </a:p>
+          <a:p>
+            <a:pPr marL="342900" indent="-342900">
+              <a:buAutoNum type="arabicParenR"/>
+            </a:pPr>
+            <a:r>
+              <a:rPr lang="en-US" dirty="0"/>
+              <a:t>But if a child class (e.g. bear) extent the parent abstract class, child class must declare a method( this method is same in the abstract method in the parent class)</a:t>
+            </a:r>
+          </a:p>
+          <a:p>
+            <a:pPr marL="342900" indent="-342900">
+              <a:buAutoNum type="arabicParenR"/>
+            </a:pPr>
+            <a:endParaRPr lang="en-US" dirty="0"/>
+          </a:p>
+        </p:txBody>
+      </p:sp>
+    </p:spTree>
+    <p:extLst>
+      <p:ext uri="{BB962C8B-B14F-4D97-AF65-F5344CB8AC3E}">
+        <p14:creationId xmlns:p14="http://schemas.microsoft.com/office/powerpoint/2010/main" val="31252320"/>
       </p:ext>
     </p:extLst>
   </p:cSld>
@@ -5396,7 +6601,7 @@
           <p:cNvPr id="2" name="Title 1">
             <a:extLst>
               <a:ext uri="{FF2B5EF4-FFF2-40B4-BE49-F238E27FC236}">
-                <a16:creationId xmlns:a16="http://schemas.microsoft.com/office/drawing/2014/main" id="{17EB3C67-5E7F-4E00-9FBC-16CD03E49195}"/>
+                <a16:creationId xmlns:a16="http://schemas.microsoft.com/office/drawing/2014/main" id="{925FA213-5BF9-4D86-9D18-0BAB27D66B08}"/>
               </a:ext>
             </a:extLst>
           </p:cNvPr>
@@ -5414,7 +6619,7 @@
           <a:p>
             <a:r>
               <a:rPr lang="en-US" dirty="0"/>
-              <a:t>Create project</a:t>
+              <a:t> IDE</a:t>
             </a:r>
           </a:p>
         </p:txBody>
@@ -5424,7 +6629,7 @@
           <p:cNvPr id="3" name="Content Placeholder 2">
             <a:extLst>
               <a:ext uri="{FF2B5EF4-FFF2-40B4-BE49-F238E27FC236}">
-                <a16:creationId xmlns:a16="http://schemas.microsoft.com/office/drawing/2014/main" id="{ED0A3EE6-2CCE-40A1-A019-CF7549AF9FA9}"/>
+                <a16:creationId xmlns:a16="http://schemas.microsoft.com/office/drawing/2014/main" id="{82844A12-B930-44F4-A40F-0D6EF3A93DAF}"/>
               </a:ext>
             </a:extLst>
           </p:cNvPr>
@@ -5442,11 +6647,20 @@
           <a:p>
             <a:r>
               <a:rPr lang="en-US" dirty="0"/>
-              <a:t>Right click “new” -&gt; select “java project” </a:t>
-            </a:r>
-          </a:p>
-          <a:p>
-            <a:endParaRPr lang="en-US" dirty="0"/>
+              <a:t>IDE: Special type of editor for java and it also helps to compile the code (translate source code to bytecode)</a:t>
+            </a:r>
+            <a:endParaRPr lang="en-US" dirty="0">
+              <a:solidFill>
+                <a:srgbClr val="FF0000"/>
+              </a:solidFill>
+            </a:endParaRPr>
+          </a:p>
+          <a:p>
+            <a:endParaRPr lang="en-US" dirty="0">
+              <a:solidFill>
+                <a:srgbClr val="FF0000"/>
+              </a:solidFill>
+            </a:endParaRPr>
           </a:p>
         </p:txBody>
       </p:sp>
@@ -5455,7 +6669,7 @@
           <p:cNvPr id="5" name="Picture 4">
             <a:extLst>
               <a:ext uri="{FF2B5EF4-FFF2-40B4-BE49-F238E27FC236}">
-                <a16:creationId xmlns:a16="http://schemas.microsoft.com/office/drawing/2014/main" id="{E4CF29B8-B2DF-409A-821A-7936B69B2E4F}"/>
+                <a16:creationId xmlns:a16="http://schemas.microsoft.com/office/drawing/2014/main" id="{9A258CED-5F28-45ED-999D-BB3D5C6E5B77}"/>
               </a:ext>
             </a:extLst>
           </p:cNvPr>
@@ -5472,8 +6686,8 @@
         </p:blipFill>
         <p:spPr>
           <a:xfrm>
-            <a:off x="1175657" y="2615469"/>
-            <a:ext cx="5712666" cy="3696431"/>
+            <a:off x="1073020" y="2939847"/>
+            <a:ext cx="4808667" cy="3372053"/>
           </a:xfrm>
           <a:prstGeom prst="rect">
             <a:avLst/>
@@ -5483,7 +6697,1307 @@
     </p:spTree>
     <p:extLst>
       <p:ext uri="{BB962C8B-B14F-4D97-AF65-F5344CB8AC3E}">
-        <p14:creationId xmlns:p14="http://schemas.microsoft.com/office/powerpoint/2010/main" val="2422734719"/>
+        <p14:creationId xmlns:p14="http://schemas.microsoft.com/office/powerpoint/2010/main" val="1964671319"/>
+      </p:ext>
+    </p:extLst>
+  </p:cSld>
+  <p:clrMapOvr>
+    <a:masterClrMapping/>
+  </p:clrMapOvr>
+</p:sld>
+</file>
+
+<file path=ppt/slides/slide30.xml><?xml version="1.0" encoding="utf-8"?>
+<p:sld xmlns:a="http://schemas.openxmlformats.org/drawingml/2006/main" xmlns:r="http://schemas.openxmlformats.org/officeDocument/2006/relationships" xmlns:p="http://schemas.openxmlformats.org/presentationml/2006/main">
+  <p:cSld>
+    <p:spTree>
+      <p:nvGrpSpPr>
+        <p:cNvPr id="1" name=""/>
+        <p:cNvGrpSpPr/>
+        <p:nvPr/>
+      </p:nvGrpSpPr>
+      <p:grpSpPr>
+        <a:xfrm>
+          <a:off x="0" y="0"/>
+          <a:ext cx="0" cy="0"/>
+          <a:chOff x="0" y="0"/>
+          <a:chExt cx="0" cy="0"/>
+        </a:xfrm>
+      </p:grpSpPr>
+      <p:sp>
+        <p:nvSpPr>
+          <p:cNvPr id="2" name="Title 1">
+            <a:extLst>
+              <a:ext uri="{FF2B5EF4-FFF2-40B4-BE49-F238E27FC236}">
+                <a16:creationId xmlns:a16="http://schemas.microsoft.com/office/drawing/2014/main" id="{2BB5FC24-471B-49A4-9D17-0ABBB3FAE676}"/>
+              </a:ext>
+            </a:extLst>
+          </p:cNvPr>
+          <p:cNvSpPr>
+            <a:spLocks noGrp="1"/>
+          </p:cNvSpPr>
+          <p:nvPr>
+            <p:ph type="title"/>
+          </p:nvPr>
+        </p:nvSpPr>
+        <p:spPr>
+          <a:xfrm>
+            <a:off x="1253934" y="88034"/>
+            <a:ext cx="9961320" cy="802663"/>
+          </a:xfrm>
+        </p:spPr>
+        <p:txBody>
+          <a:bodyPr/>
+          <a:lstStyle/>
+          <a:p>
+            <a:r>
+              <a:rPr lang="en-US" dirty="0"/>
+              <a:t>Cont.</a:t>
+            </a:r>
+          </a:p>
+        </p:txBody>
+      </p:sp>
+      <p:pic>
+        <p:nvPicPr>
+          <p:cNvPr id="9" name="Content Placeholder 8">
+            <a:extLst>
+              <a:ext uri="{FF2B5EF4-FFF2-40B4-BE49-F238E27FC236}">
+                <a16:creationId xmlns:a16="http://schemas.microsoft.com/office/drawing/2014/main" id="{D2E0E1B3-675B-4B40-B332-FF29E4DC90BA}"/>
+              </a:ext>
+            </a:extLst>
+          </p:cNvPr>
+          <p:cNvPicPr>
+            <a:picLocks noGrp="1" noChangeAspect="1"/>
+          </p:cNvPicPr>
+          <p:nvPr>
+            <p:ph idx="1"/>
+          </p:nvPr>
+        </p:nvPicPr>
+        <p:blipFill>
+          <a:blip r:embed="rId2"/>
+          <a:stretch>
+            <a:fillRect/>
+          </a:stretch>
+        </p:blipFill>
+        <p:spPr>
+          <a:xfrm>
+            <a:off x="976746" y="804141"/>
+            <a:ext cx="4398818" cy="5954595"/>
+          </a:xfrm>
+        </p:spPr>
+      </p:pic>
+    </p:spTree>
+    <p:extLst>
+      <p:ext uri="{BB962C8B-B14F-4D97-AF65-F5344CB8AC3E}">
+        <p14:creationId xmlns:p14="http://schemas.microsoft.com/office/powerpoint/2010/main" val="2816162186"/>
+      </p:ext>
+    </p:extLst>
+  </p:cSld>
+  <p:clrMapOvr>
+    <a:masterClrMapping/>
+  </p:clrMapOvr>
+</p:sld>
+</file>
+
+<file path=ppt/slides/slide31.xml><?xml version="1.0" encoding="utf-8"?>
+<p:sld xmlns:a="http://schemas.openxmlformats.org/drawingml/2006/main" xmlns:r="http://schemas.openxmlformats.org/officeDocument/2006/relationships" xmlns:p="http://schemas.openxmlformats.org/presentationml/2006/main">
+  <p:cSld>
+    <p:spTree>
+      <p:nvGrpSpPr>
+        <p:cNvPr id="1" name=""/>
+        <p:cNvGrpSpPr/>
+        <p:nvPr/>
+      </p:nvGrpSpPr>
+      <p:grpSpPr>
+        <a:xfrm>
+          <a:off x="0" y="0"/>
+          <a:ext cx="0" cy="0"/>
+          <a:chOff x="0" y="0"/>
+          <a:chExt cx="0" cy="0"/>
+        </a:xfrm>
+      </p:grpSpPr>
+      <p:sp>
+        <p:nvSpPr>
+          <p:cNvPr id="2" name="Title 1">
+            <a:extLst>
+              <a:ext uri="{FF2B5EF4-FFF2-40B4-BE49-F238E27FC236}">
+                <a16:creationId xmlns:a16="http://schemas.microsoft.com/office/drawing/2014/main" id="{E393F81B-87B3-4B04-86D5-AEFB11043E3D}"/>
+              </a:ext>
+            </a:extLst>
+          </p:cNvPr>
+          <p:cNvSpPr>
+            <a:spLocks noGrp="1"/>
+          </p:cNvSpPr>
+          <p:nvPr>
+            <p:ph type="title"/>
+          </p:nvPr>
+        </p:nvSpPr>
+        <p:spPr>
+          <a:xfrm>
+            <a:off x="708891" y="-128360"/>
+            <a:ext cx="10515600" cy="1325563"/>
+          </a:xfrm>
+        </p:spPr>
+        <p:txBody>
+          <a:bodyPr/>
+          <a:lstStyle/>
+          <a:p>
+            <a:r>
+              <a:rPr lang="en-US" dirty="0"/>
+              <a:t>Final</a:t>
+            </a:r>
+          </a:p>
+        </p:txBody>
+      </p:sp>
+      <p:pic>
+        <p:nvPicPr>
+          <p:cNvPr id="5" name="Content Placeholder 4">
+            <a:extLst>
+              <a:ext uri="{FF2B5EF4-FFF2-40B4-BE49-F238E27FC236}">
+                <a16:creationId xmlns:a16="http://schemas.microsoft.com/office/drawing/2014/main" id="{79ABEC83-6C70-4D0C-AB23-3EDBDF12BD45}"/>
+              </a:ext>
+            </a:extLst>
+          </p:cNvPr>
+          <p:cNvPicPr>
+            <a:picLocks noGrp="1" noChangeAspect="1"/>
+          </p:cNvPicPr>
+          <p:nvPr>
+            <p:ph idx="1"/>
+          </p:nvPr>
+        </p:nvPicPr>
+        <p:blipFill>
+          <a:blip r:embed="rId2"/>
+          <a:stretch>
+            <a:fillRect/>
+          </a:stretch>
+        </p:blipFill>
+        <p:spPr>
+          <a:xfrm>
+            <a:off x="382726" y="1867970"/>
+            <a:ext cx="3927389" cy="3879688"/>
+          </a:xfrm>
+        </p:spPr>
+      </p:pic>
+      <p:cxnSp>
+        <p:nvCxnSpPr>
+          <p:cNvPr id="7" name="Straight Arrow Connector 6">
+            <a:extLst>
+              <a:ext uri="{FF2B5EF4-FFF2-40B4-BE49-F238E27FC236}">
+                <a16:creationId xmlns:a16="http://schemas.microsoft.com/office/drawing/2014/main" id="{B9661F23-36B2-40C0-9CF9-86B3544781C8}"/>
+              </a:ext>
+            </a:extLst>
+          </p:cNvPr>
+          <p:cNvCxnSpPr/>
+          <p:nvPr/>
+        </p:nvCxnSpPr>
+        <p:spPr>
+          <a:xfrm>
+            <a:off x="3862873" y="2034073"/>
+            <a:ext cx="765111" cy="0"/>
+          </a:xfrm>
+          <a:prstGeom prst="straightConnector1">
+            <a:avLst/>
+          </a:prstGeom>
+          <a:ln>
+            <a:tailEnd type="triangle"/>
+          </a:ln>
+        </p:spPr>
+        <p:style>
+          <a:lnRef idx="1">
+            <a:schemeClr val="accent1"/>
+          </a:lnRef>
+          <a:fillRef idx="0">
+            <a:schemeClr val="accent1"/>
+          </a:fillRef>
+          <a:effectRef idx="0">
+            <a:schemeClr val="accent1"/>
+          </a:effectRef>
+          <a:fontRef idx="minor">
+            <a:schemeClr val="tx1"/>
+          </a:fontRef>
+        </p:style>
+      </p:cxnSp>
+      <p:sp>
+        <p:nvSpPr>
+          <p:cNvPr id="8" name="TextBox 7">
+            <a:extLst>
+              <a:ext uri="{FF2B5EF4-FFF2-40B4-BE49-F238E27FC236}">
+                <a16:creationId xmlns:a16="http://schemas.microsoft.com/office/drawing/2014/main" id="{7F76EA71-D4FB-4AE6-B4FA-FE33D658368B}"/>
+              </a:ext>
+            </a:extLst>
+          </p:cNvPr>
+          <p:cNvSpPr txBox="1"/>
+          <p:nvPr/>
+        </p:nvSpPr>
+        <p:spPr>
+          <a:xfrm>
+            <a:off x="4553527" y="1948873"/>
+            <a:ext cx="2826328" cy="646331"/>
+          </a:xfrm>
+          <a:prstGeom prst="rect">
+            <a:avLst/>
+          </a:prstGeom>
+          <a:noFill/>
+        </p:spPr>
+        <p:txBody>
+          <a:bodyPr wrap="square" rtlCol="0">
+            <a:spAutoFit/>
+          </a:bodyPr>
+          <a:lstStyle/>
+          <a:p>
+            <a:r>
+              <a:rPr lang="en-US" dirty="0"/>
+              <a:t>No other class can extents the final class </a:t>
+            </a:r>
+          </a:p>
+        </p:txBody>
+      </p:sp>
+      <p:pic>
+        <p:nvPicPr>
+          <p:cNvPr id="10" name="Picture 9">
+            <a:extLst>
+              <a:ext uri="{FF2B5EF4-FFF2-40B4-BE49-F238E27FC236}">
+                <a16:creationId xmlns:a16="http://schemas.microsoft.com/office/drawing/2014/main" id="{C07B3BAC-6651-417B-AD09-9F78FADCBED7}"/>
+              </a:ext>
+            </a:extLst>
+          </p:cNvPr>
+          <p:cNvPicPr>
+            <a:picLocks noChangeAspect="1"/>
+          </p:cNvPicPr>
+          <p:nvPr/>
+        </p:nvPicPr>
+        <p:blipFill>
+          <a:blip r:embed="rId3"/>
+          <a:stretch>
+            <a:fillRect/>
+          </a:stretch>
+        </p:blipFill>
+        <p:spPr>
+          <a:xfrm>
+            <a:off x="5454108" y="2772981"/>
+            <a:ext cx="4435295" cy="3795227"/>
+          </a:xfrm>
+          <a:prstGeom prst="rect">
+            <a:avLst/>
+          </a:prstGeom>
+        </p:spPr>
+      </p:pic>
+      <p:sp>
+        <p:nvSpPr>
+          <p:cNvPr id="13" name="TextBox 12">
+            <a:extLst>
+              <a:ext uri="{FF2B5EF4-FFF2-40B4-BE49-F238E27FC236}">
+                <a16:creationId xmlns:a16="http://schemas.microsoft.com/office/drawing/2014/main" id="{AA9D08A6-F9E7-423F-A9C0-9DB075C40E62}"/>
+              </a:ext>
+            </a:extLst>
+          </p:cNvPr>
+          <p:cNvSpPr txBox="1"/>
+          <p:nvPr/>
+        </p:nvSpPr>
+        <p:spPr>
+          <a:xfrm>
+            <a:off x="8770883" y="1625707"/>
+            <a:ext cx="3153261" cy="646331"/>
+          </a:xfrm>
+          <a:prstGeom prst="rect">
+            <a:avLst/>
+          </a:prstGeom>
+          <a:noFill/>
+        </p:spPr>
+        <p:txBody>
+          <a:bodyPr wrap="square" rtlCol="0">
+            <a:spAutoFit/>
+          </a:bodyPr>
+          <a:lstStyle/>
+          <a:p>
+            <a:r>
+              <a:rPr lang="en-US" dirty="0"/>
+              <a:t>Child method can’t overwrite parent final method</a:t>
+            </a:r>
+          </a:p>
+        </p:txBody>
+      </p:sp>
+      <p:cxnSp>
+        <p:nvCxnSpPr>
+          <p:cNvPr id="14" name="Straight Arrow Connector 13">
+            <a:extLst>
+              <a:ext uri="{FF2B5EF4-FFF2-40B4-BE49-F238E27FC236}">
+                <a16:creationId xmlns:a16="http://schemas.microsoft.com/office/drawing/2014/main" id="{110D3236-E807-4413-A185-910195FA89C7}"/>
+              </a:ext>
+            </a:extLst>
+          </p:cNvPr>
+          <p:cNvCxnSpPr>
+            <a:cxnSpLocks/>
+          </p:cNvCxnSpPr>
+          <p:nvPr/>
+        </p:nvCxnSpPr>
+        <p:spPr>
+          <a:xfrm flipV="1">
+            <a:off x="8091055" y="2390839"/>
+            <a:ext cx="1067367" cy="767997"/>
+          </a:xfrm>
+          <a:prstGeom prst="straightConnector1">
+            <a:avLst/>
+          </a:prstGeom>
+          <a:ln>
+            <a:tailEnd type="triangle"/>
+          </a:ln>
+        </p:spPr>
+        <p:style>
+          <a:lnRef idx="1">
+            <a:schemeClr val="accent1"/>
+          </a:lnRef>
+          <a:fillRef idx="0">
+            <a:schemeClr val="accent1"/>
+          </a:fillRef>
+          <a:effectRef idx="0">
+            <a:schemeClr val="accent1"/>
+          </a:effectRef>
+          <a:fontRef idx="minor">
+            <a:schemeClr val="tx1"/>
+          </a:fontRef>
+        </p:style>
+      </p:cxnSp>
+    </p:spTree>
+    <p:extLst>
+      <p:ext uri="{BB962C8B-B14F-4D97-AF65-F5344CB8AC3E}">
+        <p14:creationId xmlns:p14="http://schemas.microsoft.com/office/powerpoint/2010/main" val="1251247858"/>
+      </p:ext>
+    </p:extLst>
+  </p:cSld>
+  <p:clrMapOvr>
+    <a:masterClrMapping/>
+  </p:clrMapOvr>
+</p:sld>
+</file>
+
+<file path=ppt/slides/slide32.xml><?xml version="1.0" encoding="utf-8"?>
+<p:sld xmlns:a="http://schemas.openxmlformats.org/drawingml/2006/main" xmlns:r="http://schemas.openxmlformats.org/officeDocument/2006/relationships" xmlns:p="http://schemas.openxmlformats.org/presentationml/2006/main">
+  <p:cSld>
+    <p:spTree>
+      <p:nvGrpSpPr>
+        <p:cNvPr id="1" name=""/>
+        <p:cNvGrpSpPr/>
+        <p:nvPr/>
+      </p:nvGrpSpPr>
+      <p:grpSpPr>
+        <a:xfrm>
+          <a:off x="0" y="0"/>
+          <a:ext cx="0" cy="0"/>
+          <a:chOff x="0" y="0"/>
+          <a:chExt cx="0" cy="0"/>
+        </a:xfrm>
+      </p:grpSpPr>
+      <p:sp>
+        <p:nvSpPr>
+          <p:cNvPr id="2" name="Title 1">
+            <a:extLst>
+              <a:ext uri="{FF2B5EF4-FFF2-40B4-BE49-F238E27FC236}">
+                <a16:creationId xmlns:a16="http://schemas.microsoft.com/office/drawing/2014/main" id="{EA369F69-1DC3-485D-A9CE-BF7CA20D2E13}"/>
+              </a:ext>
+            </a:extLst>
+          </p:cNvPr>
+          <p:cNvSpPr>
+            <a:spLocks noGrp="1"/>
+          </p:cNvSpPr>
+          <p:nvPr>
+            <p:ph type="title"/>
+          </p:nvPr>
+        </p:nvSpPr>
+        <p:spPr>
+          <a:xfrm>
+            <a:off x="838200" y="-108601"/>
+            <a:ext cx="10515600" cy="1325563"/>
+          </a:xfrm>
+        </p:spPr>
+        <p:txBody>
+          <a:bodyPr/>
+          <a:lstStyle/>
+          <a:p>
+            <a:r>
+              <a:rPr lang="en-US" dirty="0"/>
+              <a:t>Interface</a:t>
+            </a:r>
+          </a:p>
+        </p:txBody>
+      </p:sp>
+      <p:pic>
+        <p:nvPicPr>
+          <p:cNvPr id="5" name="Content Placeholder 4">
+            <a:extLst>
+              <a:ext uri="{FF2B5EF4-FFF2-40B4-BE49-F238E27FC236}">
+                <a16:creationId xmlns:a16="http://schemas.microsoft.com/office/drawing/2014/main" id="{7749D417-CE9B-4C3F-823B-BA7AE0D32C52}"/>
+              </a:ext>
+            </a:extLst>
+          </p:cNvPr>
+          <p:cNvPicPr>
+            <a:picLocks noGrp="1" noChangeAspect="1"/>
+          </p:cNvPicPr>
+          <p:nvPr>
+            <p:ph idx="1"/>
+          </p:nvPr>
+        </p:nvPicPr>
+        <p:blipFill>
+          <a:blip r:embed="rId2"/>
+          <a:stretch>
+            <a:fillRect/>
+          </a:stretch>
+        </p:blipFill>
+        <p:spPr>
+          <a:xfrm>
+            <a:off x="552477" y="1001424"/>
+            <a:ext cx="6495093" cy="5399376"/>
+          </a:xfrm>
+        </p:spPr>
+      </p:pic>
+      <p:cxnSp>
+        <p:nvCxnSpPr>
+          <p:cNvPr id="7" name="Straight Arrow Connector 6">
+            <a:extLst>
+              <a:ext uri="{FF2B5EF4-FFF2-40B4-BE49-F238E27FC236}">
+                <a16:creationId xmlns:a16="http://schemas.microsoft.com/office/drawing/2014/main" id="{AFBE4B81-7278-44B6-BDEB-AFABBACD9055}"/>
+              </a:ext>
+            </a:extLst>
+          </p:cNvPr>
+          <p:cNvCxnSpPr/>
+          <p:nvPr/>
+        </p:nvCxnSpPr>
+        <p:spPr>
+          <a:xfrm>
+            <a:off x="4655127" y="1644073"/>
+            <a:ext cx="3509818" cy="0"/>
+          </a:xfrm>
+          <a:prstGeom prst="straightConnector1">
+            <a:avLst/>
+          </a:prstGeom>
+          <a:ln>
+            <a:tailEnd type="triangle"/>
+          </a:ln>
+        </p:spPr>
+        <p:style>
+          <a:lnRef idx="1">
+            <a:schemeClr val="accent1"/>
+          </a:lnRef>
+          <a:fillRef idx="0">
+            <a:schemeClr val="accent1"/>
+          </a:fillRef>
+          <a:effectRef idx="0">
+            <a:schemeClr val="accent1"/>
+          </a:effectRef>
+          <a:fontRef idx="minor">
+            <a:schemeClr val="tx1"/>
+          </a:fontRef>
+        </p:style>
+      </p:cxnSp>
+      <p:sp>
+        <p:nvSpPr>
+          <p:cNvPr id="8" name="TextBox 7">
+            <a:extLst>
+              <a:ext uri="{FF2B5EF4-FFF2-40B4-BE49-F238E27FC236}">
+                <a16:creationId xmlns:a16="http://schemas.microsoft.com/office/drawing/2014/main" id="{BE1103A1-BACC-4CB9-8B4F-98748A71A090}"/>
+              </a:ext>
+            </a:extLst>
+          </p:cNvPr>
+          <p:cNvSpPr txBox="1"/>
+          <p:nvPr/>
+        </p:nvSpPr>
+        <p:spPr>
+          <a:xfrm>
+            <a:off x="8211127" y="1376218"/>
+            <a:ext cx="4056468" cy="923330"/>
+          </a:xfrm>
+          <a:prstGeom prst="rect">
+            <a:avLst/>
+          </a:prstGeom>
+          <a:noFill/>
+        </p:spPr>
+        <p:txBody>
+          <a:bodyPr wrap="square" rtlCol="0">
+            <a:spAutoFit/>
+          </a:bodyPr>
+          <a:lstStyle/>
+          <a:p>
+            <a:r>
+              <a:rPr lang="en-US" dirty="0"/>
+              <a:t>Interface is very similar to abstract but it allows child class to extend multiple classes</a:t>
+            </a:r>
+          </a:p>
+        </p:txBody>
+      </p:sp>
+    </p:spTree>
+    <p:extLst>
+      <p:ext uri="{BB962C8B-B14F-4D97-AF65-F5344CB8AC3E}">
+        <p14:creationId xmlns:p14="http://schemas.microsoft.com/office/powerpoint/2010/main" val="3780705227"/>
+      </p:ext>
+    </p:extLst>
+  </p:cSld>
+  <p:clrMapOvr>
+    <a:masterClrMapping/>
+  </p:clrMapOvr>
+</p:sld>
+</file>
+
+<file path=ppt/slides/slide33.xml><?xml version="1.0" encoding="utf-8"?>
+<p:sld xmlns:a="http://schemas.openxmlformats.org/drawingml/2006/main" xmlns:r="http://schemas.openxmlformats.org/officeDocument/2006/relationships" xmlns:p="http://schemas.openxmlformats.org/presentationml/2006/main">
+  <p:cSld>
+    <p:spTree>
+      <p:nvGrpSpPr>
+        <p:cNvPr id="1" name=""/>
+        <p:cNvGrpSpPr/>
+        <p:nvPr/>
+      </p:nvGrpSpPr>
+      <p:grpSpPr>
+        <a:xfrm>
+          <a:off x="0" y="0"/>
+          <a:ext cx="0" cy="0"/>
+          <a:chOff x="0" y="0"/>
+          <a:chExt cx="0" cy="0"/>
+        </a:xfrm>
+      </p:grpSpPr>
+      <p:sp>
+        <p:nvSpPr>
+          <p:cNvPr id="2" name="Title 1">
+            <a:extLst>
+              <a:ext uri="{FF2B5EF4-FFF2-40B4-BE49-F238E27FC236}">
+                <a16:creationId xmlns:a16="http://schemas.microsoft.com/office/drawing/2014/main" id="{4CE15D6D-BE12-4C56-AF6E-1B379C68C078}"/>
+              </a:ext>
+            </a:extLst>
+          </p:cNvPr>
+          <p:cNvSpPr>
+            <a:spLocks noGrp="1"/>
+          </p:cNvSpPr>
+          <p:nvPr>
+            <p:ph type="title"/>
+          </p:nvPr>
+        </p:nvSpPr>
+        <p:spPr>
+          <a:xfrm>
+            <a:off x="838200" y="365125"/>
+            <a:ext cx="10515600" cy="650875"/>
+          </a:xfrm>
+        </p:spPr>
+        <p:txBody>
+          <a:bodyPr>
+            <a:normAutofit fontScale="90000"/>
+          </a:bodyPr>
+          <a:lstStyle/>
+          <a:p>
+            <a:r>
+              <a:rPr lang="en-US" dirty="0"/>
+              <a:t>Anonymous inner class</a:t>
+            </a:r>
+          </a:p>
+        </p:txBody>
+      </p:sp>
+      <p:pic>
+        <p:nvPicPr>
+          <p:cNvPr id="5" name="Content Placeholder 4">
+            <a:extLst>
+              <a:ext uri="{FF2B5EF4-FFF2-40B4-BE49-F238E27FC236}">
+                <a16:creationId xmlns:a16="http://schemas.microsoft.com/office/drawing/2014/main" id="{B04A66CC-B666-4289-9C8F-7C35AB8A9104}"/>
+              </a:ext>
+            </a:extLst>
+          </p:cNvPr>
+          <p:cNvPicPr>
+            <a:picLocks noGrp="1" noChangeAspect="1"/>
+          </p:cNvPicPr>
+          <p:nvPr>
+            <p:ph idx="1"/>
+          </p:nvPr>
+        </p:nvPicPr>
+        <p:blipFill>
+          <a:blip r:embed="rId3"/>
+          <a:stretch>
+            <a:fillRect/>
+          </a:stretch>
+        </p:blipFill>
+        <p:spPr>
+          <a:xfrm>
+            <a:off x="838200" y="1295400"/>
+            <a:ext cx="3352800" cy="4267200"/>
+          </a:xfrm>
+        </p:spPr>
+      </p:pic>
+      <p:cxnSp>
+        <p:nvCxnSpPr>
+          <p:cNvPr id="7" name="Straight Arrow Connector 6">
+            <a:extLst>
+              <a:ext uri="{FF2B5EF4-FFF2-40B4-BE49-F238E27FC236}">
+                <a16:creationId xmlns:a16="http://schemas.microsoft.com/office/drawing/2014/main" id="{12F9F784-28E7-48C6-A371-E80F46A00917}"/>
+              </a:ext>
+            </a:extLst>
+          </p:cNvPr>
+          <p:cNvCxnSpPr>
+            <a:stCxn id="5" idx="3"/>
+          </p:cNvCxnSpPr>
+          <p:nvPr/>
+        </p:nvCxnSpPr>
+        <p:spPr>
+          <a:xfrm>
+            <a:off x="4191000" y="3429000"/>
+            <a:ext cx="1435359" cy="0"/>
+          </a:xfrm>
+          <a:prstGeom prst="straightConnector1">
+            <a:avLst/>
+          </a:prstGeom>
+          <a:ln>
+            <a:tailEnd type="triangle"/>
+          </a:ln>
+        </p:spPr>
+        <p:style>
+          <a:lnRef idx="1">
+            <a:schemeClr val="accent1"/>
+          </a:lnRef>
+          <a:fillRef idx="0">
+            <a:schemeClr val="accent1"/>
+          </a:fillRef>
+          <a:effectRef idx="0">
+            <a:schemeClr val="accent1"/>
+          </a:effectRef>
+          <a:fontRef idx="minor">
+            <a:schemeClr val="tx1"/>
+          </a:fontRef>
+        </p:style>
+      </p:cxnSp>
+      <p:pic>
+        <p:nvPicPr>
+          <p:cNvPr id="9" name="Picture 8">
+            <a:extLst>
+              <a:ext uri="{FF2B5EF4-FFF2-40B4-BE49-F238E27FC236}">
+                <a16:creationId xmlns:a16="http://schemas.microsoft.com/office/drawing/2014/main" id="{E5EFA79A-8214-472F-8B78-B9E384143FFB}"/>
+              </a:ext>
+            </a:extLst>
+          </p:cNvPr>
+          <p:cNvPicPr>
+            <a:picLocks noChangeAspect="1"/>
+          </p:cNvPicPr>
+          <p:nvPr/>
+        </p:nvPicPr>
+        <p:blipFill>
+          <a:blip r:embed="rId4"/>
+          <a:stretch>
+            <a:fillRect/>
+          </a:stretch>
+        </p:blipFill>
+        <p:spPr>
+          <a:xfrm>
+            <a:off x="5871873" y="1295400"/>
+            <a:ext cx="4124325" cy="4019550"/>
+          </a:xfrm>
+          <a:prstGeom prst="rect">
+            <a:avLst/>
+          </a:prstGeom>
+        </p:spPr>
+      </p:pic>
+    </p:spTree>
+    <p:extLst>
+      <p:ext uri="{BB962C8B-B14F-4D97-AF65-F5344CB8AC3E}">
+        <p14:creationId xmlns:p14="http://schemas.microsoft.com/office/powerpoint/2010/main" val="3782959514"/>
+      </p:ext>
+    </p:extLst>
+  </p:cSld>
+  <p:clrMapOvr>
+    <a:masterClrMapping/>
+  </p:clrMapOvr>
+</p:sld>
+</file>
+
+<file path=ppt/slides/slide34.xml><?xml version="1.0" encoding="utf-8"?>
+<p:sld xmlns:a="http://schemas.openxmlformats.org/drawingml/2006/main" xmlns:r="http://schemas.openxmlformats.org/officeDocument/2006/relationships" xmlns:p="http://schemas.openxmlformats.org/presentationml/2006/main">
+  <p:cSld>
+    <p:spTree>
+      <p:nvGrpSpPr>
+        <p:cNvPr id="1" name=""/>
+        <p:cNvGrpSpPr/>
+        <p:nvPr/>
+      </p:nvGrpSpPr>
+      <p:grpSpPr>
+        <a:xfrm>
+          <a:off x="0" y="0"/>
+          <a:ext cx="0" cy="0"/>
+          <a:chOff x="0" y="0"/>
+          <a:chExt cx="0" cy="0"/>
+        </a:xfrm>
+      </p:grpSpPr>
+      <p:sp>
+        <p:nvSpPr>
+          <p:cNvPr id="2" name="Title 1">
+            <a:extLst>
+              <a:ext uri="{FF2B5EF4-FFF2-40B4-BE49-F238E27FC236}">
+                <a16:creationId xmlns:a16="http://schemas.microsoft.com/office/drawing/2014/main" id="{134B7D72-AE21-4308-A22B-0E2FDC8229B2}"/>
+              </a:ext>
+            </a:extLst>
+          </p:cNvPr>
+          <p:cNvSpPr>
+            <a:spLocks noGrp="1"/>
+          </p:cNvSpPr>
+          <p:nvPr>
+            <p:ph type="title"/>
+          </p:nvPr>
+        </p:nvSpPr>
+        <p:spPr>
+          <a:xfrm>
+            <a:off x="672029" y="223989"/>
+            <a:ext cx="10515600" cy="899732"/>
+          </a:xfrm>
+        </p:spPr>
+        <p:txBody>
+          <a:bodyPr/>
+          <a:lstStyle/>
+          <a:p>
+            <a:r>
+              <a:rPr lang="en-US" dirty="0"/>
+              <a:t>Functional interface lambda expression</a:t>
+            </a:r>
+          </a:p>
+        </p:txBody>
+      </p:sp>
+      <p:sp>
+        <p:nvSpPr>
+          <p:cNvPr id="3" name="Content Placeholder 2">
+            <a:extLst>
+              <a:ext uri="{FF2B5EF4-FFF2-40B4-BE49-F238E27FC236}">
+                <a16:creationId xmlns:a16="http://schemas.microsoft.com/office/drawing/2014/main" id="{58FA067B-400A-4F3C-AAB1-2B2D756FFA2C}"/>
+              </a:ext>
+            </a:extLst>
+          </p:cNvPr>
+          <p:cNvSpPr>
+            <a:spLocks noGrp="1"/>
+          </p:cNvSpPr>
+          <p:nvPr>
+            <p:ph idx="1"/>
+          </p:nvPr>
+        </p:nvSpPr>
+        <p:spPr>
+          <a:xfrm>
+            <a:off x="588943" y="1123721"/>
+            <a:ext cx="10681771" cy="5009175"/>
+          </a:xfrm>
+        </p:spPr>
+        <p:txBody>
+          <a:bodyPr/>
+          <a:lstStyle/>
+          <a:p>
+            <a:endParaRPr lang="en-US" dirty="0"/>
+          </a:p>
+        </p:txBody>
+      </p:sp>
+      <p:pic>
+        <p:nvPicPr>
+          <p:cNvPr id="7" name="Picture 6">
+            <a:extLst>
+              <a:ext uri="{FF2B5EF4-FFF2-40B4-BE49-F238E27FC236}">
+                <a16:creationId xmlns:a16="http://schemas.microsoft.com/office/drawing/2014/main" id="{D07B6E93-A379-4B49-B463-B81D91E23CAE}"/>
+              </a:ext>
+            </a:extLst>
+          </p:cNvPr>
+          <p:cNvPicPr>
+            <a:picLocks noChangeAspect="1"/>
+          </p:cNvPicPr>
+          <p:nvPr/>
+        </p:nvPicPr>
+        <p:blipFill>
+          <a:blip r:embed="rId2"/>
+          <a:stretch>
+            <a:fillRect/>
+          </a:stretch>
+        </p:blipFill>
+        <p:spPr>
+          <a:xfrm>
+            <a:off x="353458" y="1999234"/>
+            <a:ext cx="5243111" cy="4239676"/>
+          </a:xfrm>
+          <a:prstGeom prst="rect">
+            <a:avLst/>
+          </a:prstGeom>
+        </p:spPr>
+      </p:pic>
+      <p:cxnSp>
+        <p:nvCxnSpPr>
+          <p:cNvPr id="9" name="Straight Arrow Connector 8">
+            <a:extLst>
+              <a:ext uri="{FF2B5EF4-FFF2-40B4-BE49-F238E27FC236}">
+                <a16:creationId xmlns:a16="http://schemas.microsoft.com/office/drawing/2014/main" id="{4468C104-C688-42FD-A990-6248FC16C90D}"/>
+              </a:ext>
+            </a:extLst>
+          </p:cNvPr>
+          <p:cNvCxnSpPr>
+            <a:cxnSpLocks/>
+          </p:cNvCxnSpPr>
+          <p:nvPr/>
+        </p:nvCxnSpPr>
+        <p:spPr>
+          <a:xfrm flipV="1">
+            <a:off x="5600241" y="4119072"/>
+            <a:ext cx="495759" cy="23270"/>
+          </a:xfrm>
+          <a:prstGeom prst="straightConnector1">
+            <a:avLst/>
+          </a:prstGeom>
+          <a:ln>
+            <a:tailEnd type="triangle"/>
+          </a:ln>
+        </p:spPr>
+        <p:style>
+          <a:lnRef idx="1">
+            <a:schemeClr val="accent1"/>
+          </a:lnRef>
+          <a:fillRef idx="0">
+            <a:schemeClr val="accent1"/>
+          </a:fillRef>
+          <a:effectRef idx="0">
+            <a:schemeClr val="accent1"/>
+          </a:effectRef>
+          <a:fontRef idx="minor">
+            <a:schemeClr val="tx1"/>
+          </a:fontRef>
+        </p:style>
+      </p:cxnSp>
+      <p:pic>
+        <p:nvPicPr>
+          <p:cNvPr id="10" name="Picture 9">
+            <a:extLst>
+              <a:ext uri="{FF2B5EF4-FFF2-40B4-BE49-F238E27FC236}">
+                <a16:creationId xmlns:a16="http://schemas.microsoft.com/office/drawing/2014/main" id="{CA771B10-3ED3-48F8-A73C-3A4FA175E37D}"/>
+              </a:ext>
+            </a:extLst>
+          </p:cNvPr>
+          <p:cNvPicPr>
+            <a:picLocks noChangeAspect="1"/>
+          </p:cNvPicPr>
+          <p:nvPr/>
+        </p:nvPicPr>
+        <p:blipFill>
+          <a:blip r:embed="rId3"/>
+          <a:stretch>
+            <a:fillRect/>
+          </a:stretch>
+        </p:blipFill>
+        <p:spPr>
+          <a:xfrm>
+            <a:off x="6096000" y="2373434"/>
+            <a:ext cx="6133877" cy="3514546"/>
+          </a:xfrm>
+          <a:prstGeom prst="rect">
+            <a:avLst/>
+          </a:prstGeom>
+        </p:spPr>
+      </p:pic>
+      <p:sp>
+        <p:nvSpPr>
+          <p:cNvPr id="12" name="TextBox 11">
+            <a:extLst>
+              <a:ext uri="{FF2B5EF4-FFF2-40B4-BE49-F238E27FC236}">
+                <a16:creationId xmlns:a16="http://schemas.microsoft.com/office/drawing/2014/main" id="{7CA6CC83-57BF-4D43-9A3F-2C44271CAE7C}"/>
+              </a:ext>
+            </a:extLst>
+          </p:cNvPr>
+          <p:cNvSpPr txBox="1"/>
+          <p:nvPr/>
+        </p:nvSpPr>
+        <p:spPr>
+          <a:xfrm>
+            <a:off x="921286" y="6085079"/>
+            <a:ext cx="3303224" cy="923330"/>
+          </a:xfrm>
+          <a:prstGeom prst="rect">
+            <a:avLst/>
+          </a:prstGeom>
+          <a:noFill/>
+        </p:spPr>
+        <p:txBody>
+          <a:bodyPr wrap="square" rtlCol="0">
+            <a:spAutoFit/>
+          </a:bodyPr>
+          <a:lstStyle/>
+          <a:p>
+            <a:r>
+              <a:rPr lang="en-US" dirty="0"/>
+              <a:t>Functional interface (interface with only 1 method)</a:t>
+            </a:r>
+          </a:p>
+          <a:p>
+            <a:endParaRPr lang="en-US" dirty="0"/>
+          </a:p>
+        </p:txBody>
+      </p:sp>
+      <p:sp>
+        <p:nvSpPr>
+          <p:cNvPr id="13" name="TextBox 12">
+            <a:extLst>
+              <a:ext uri="{FF2B5EF4-FFF2-40B4-BE49-F238E27FC236}">
+                <a16:creationId xmlns:a16="http://schemas.microsoft.com/office/drawing/2014/main" id="{93BE11F8-B64D-475B-95FD-50C4A66D29C4}"/>
+              </a:ext>
+            </a:extLst>
+          </p:cNvPr>
+          <p:cNvSpPr txBox="1"/>
+          <p:nvPr/>
+        </p:nvSpPr>
+        <p:spPr>
+          <a:xfrm>
+            <a:off x="7099913" y="6231256"/>
+            <a:ext cx="3303224" cy="646331"/>
+          </a:xfrm>
+          <a:prstGeom prst="rect">
+            <a:avLst/>
+          </a:prstGeom>
+          <a:noFill/>
+        </p:spPr>
+        <p:txBody>
+          <a:bodyPr wrap="square" rtlCol="0">
+            <a:spAutoFit/>
+          </a:bodyPr>
+          <a:lstStyle/>
+          <a:p>
+            <a:r>
+              <a:rPr lang="en-US" dirty="0"/>
+              <a:t>Lambda </a:t>
+            </a:r>
+            <a:r>
+              <a:rPr lang="en-US" dirty="0" err="1"/>
+              <a:t>expresson</a:t>
+            </a:r>
+            <a:r>
+              <a:rPr lang="en-US" dirty="0"/>
+              <a:t>: Short form </a:t>
+            </a:r>
+          </a:p>
+          <a:p>
+            <a:endParaRPr lang="en-US" dirty="0"/>
+          </a:p>
+        </p:txBody>
+      </p:sp>
+    </p:spTree>
+    <p:extLst>
+      <p:ext uri="{BB962C8B-B14F-4D97-AF65-F5344CB8AC3E}">
+        <p14:creationId xmlns:p14="http://schemas.microsoft.com/office/powerpoint/2010/main" val="1828786198"/>
+      </p:ext>
+    </p:extLst>
+  </p:cSld>
+  <p:clrMapOvr>
+    <a:masterClrMapping/>
+  </p:clrMapOvr>
+</p:sld>
+</file>
+
+<file path=ppt/slides/slide35.xml><?xml version="1.0" encoding="utf-8"?>
+<p:sld xmlns:a="http://schemas.openxmlformats.org/drawingml/2006/main" xmlns:r="http://schemas.openxmlformats.org/officeDocument/2006/relationships" xmlns:p="http://schemas.openxmlformats.org/presentationml/2006/main">
+  <p:cSld>
+    <p:spTree>
+      <p:nvGrpSpPr>
+        <p:cNvPr id="1" name=""/>
+        <p:cNvGrpSpPr/>
+        <p:nvPr/>
+      </p:nvGrpSpPr>
+      <p:grpSpPr>
+        <a:xfrm>
+          <a:off x="0" y="0"/>
+          <a:ext cx="0" cy="0"/>
+          <a:chOff x="0" y="0"/>
+          <a:chExt cx="0" cy="0"/>
+        </a:xfrm>
+      </p:grpSpPr>
+      <p:sp>
+        <p:nvSpPr>
+          <p:cNvPr id="2" name="Title 1">
+            <a:extLst>
+              <a:ext uri="{FF2B5EF4-FFF2-40B4-BE49-F238E27FC236}">
+                <a16:creationId xmlns:a16="http://schemas.microsoft.com/office/drawing/2014/main" id="{60DC34B2-6165-4F7A-9238-53070D96DFCD}"/>
+              </a:ext>
+            </a:extLst>
+          </p:cNvPr>
+          <p:cNvSpPr>
+            <a:spLocks noGrp="1"/>
+          </p:cNvSpPr>
+          <p:nvPr>
+            <p:ph type="title"/>
+          </p:nvPr>
+        </p:nvSpPr>
+        <p:spPr>
+          <a:xfrm>
+            <a:off x="914400" y="272763"/>
+            <a:ext cx="10439400" cy="613930"/>
+          </a:xfrm>
+        </p:spPr>
+        <p:txBody>
+          <a:bodyPr>
+            <a:normAutofit fontScale="90000"/>
+          </a:bodyPr>
+          <a:lstStyle/>
+          <a:p>
+            <a:r>
+              <a:rPr lang="en-US" dirty="0"/>
+              <a:t>Default method in interface</a:t>
+            </a:r>
+          </a:p>
+        </p:txBody>
+      </p:sp>
+      <p:pic>
+        <p:nvPicPr>
+          <p:cNvPr id="7" name="Content Placeholder 6">
+            <a:extLst>
+              <a:ext uri="{FF2B5EF4-FFF2-40B4-BE49-F238E27FC236}">
+                <a16:creationId xmlns:a16="http://schemas.microsoft.com/office/drawing/2014/main" id="{4986AEA6-4B23-43CF-9D74-10D6F6121665}"/>
+              </a:ext>
+            </a:extLst>
+          </p:cNvPr>
+          <p:cNvPicPr>
+            <a:picLocks noGrp="1" noChangeAspect="1"/>
+          </p:cNvPicPr>
+          <p:nvPr>
+            <p:ph idx="1"/>
+          </p:nvPr>
+        </p:nvPicPr>
+        <p:blipFill>
+          <a:blip r:embed="rId2"/>
+          <a:stretch>
+            <a:fillRect/>
+          </a:stretch>
+        </p:blipFill>
+        <p:spPr>
+          <a:xfrm>
+            <a:off x="1050762" y="1082560"/>
+            <a:ext cx="5272920" cy="5502677"/>
+          </a:xfrm>
+        </p:spPr>
+      </p:pic>
+    </p:spTree>
+    <p:extLst>
+      <p:ext uri="{BB962C8B-B14F-4D97-AF65-F5344CB8AC3E}">
+        <p14:creationId xmlns:p14="http://schemas.microsoft.com/office/powerpoint/2010/main" val="1294377027"/>
+      </p:ext>
+    </p:extLst>
+  </p:cSld>
+  <p:clrMapOvr>
+    <a:masterClrMapping/>
+  </p:clrMapOvr>
+</p:sld>
+</file>
+
+<file path=ppt/slides/slide36.xml><?xml version="1.0" encoding="utf-8"?>
+<p:sld xmlns:a="http://schemas.openxmlformats.org/drawingml/2006/main" xmlns:r="http://schemas.openxmlformats.org/officeDocument/2006/relationships" xmlns:p="http://schemas.openxmlformats.org/presentationml/2006/main">
+  <p:cSld>
+    <p:spTree>
+      <p:nvGrpSpPr>
+        <p:cNvPr id="1" name=""/>
+        <p:cNvGrpSpPr/>
+        <p:nvPr/>
+      </p:nvGrpSpPr>
+      <p:grpSpPr>
+        <a:xfrm>
+          <a:off x="0" y="0"/>
+          <a:ext cx="0" cy="0"/>
+          <a:chOff x="0" y="0"/>
+          <a:chExt cx="0" cy="0"/>
+        </a:xfrm>
+      </p:grpSpPr>
+      <p:sp>
+        <p:nvSpPr>
+          <p:cNvPr id="2" name="Title 1">
+            <a:extLst>
+              <a:ext uri="{FF2B5EF4-FFF2-40B4-BE49-F238E27FC236}">
+                <a16:creationId xmlns:a16="http://schemas.microsoft.com/office/drawing/2014/main" id="{F8B570B5-0EC5-47D5-AB92-BA7F2FCE75F3}"/>
+              </a:ext>
+            </a:extLst>
+          </p:cNvPr>
+          <p:cNvSpPr>
+            <a:spLocks noGrp="1"/>
+          </p:cNvSpPr>
+          <p:nvPr>
+            <p:ph type="title"/>
+          </p:nvPr>
+        </p:nvSpPr>
+        <p:spPr>
+          <a:xfrm>
+            <a:off x="198304" y="18255"/>
+            <a:ext cx="11155496" cy="1325563"/>
+          </a:xfrm>
+        </p:spPr>
+        <p:txBody>
+          <a:bodyPr/>
+          <a:lstStyle/>
+          <a:p>
+            <a:r>
+              <a:rPr lang="en-US" dirty="0"/>
+              <a:t>Access modifier</a:t>
+            </a:r>
+          </a:p>
+        </p:txBody>
+      </p:sp>
+      <p:pic>
+        <p:nvPicPr>
+          <p:cNvPr id="5" name="Picture 4">
+            <a:extLst>
+              <a:ext uri="{FF2B5EF4-FFF2-40B4-BE49-F238E27FC236}">
+                <a16:creationId xmlns:a16="http://schemas.microsoft.com/office/drawing/2014/main" id="{78EA8CA9-D239-478C-B044-F1A57D64EFF5}"/>
+              </a:ext>
+            </a:extLst>
+          </p:cNvPr>
+          <p:cNvPicPr>
+            <a:picLocks noChangeAspect="1"/>
+          </p:cNvPicPr>
+          <p:nvPr/>
+        </p:nvPicPr>
+        <p:blipFill>
+          <a:blip r:embed="rId2"/>
+          <a:stretch>
+            <a:fillRect/>
+          </a:stretch>
+        </p:blipFill>
+        <p:spPr>
+          <a:xfrm>
+            <a:off x="337506" y="1426512"/>
+            <a:ext cx="9467850" cy="4886325"/>
+          </a:xfrm>
+          <a:prstGeom prst="rect">
+            <a:avLst/>
+          </a:prstGeom>
+        </p:spPr>
+      </p:pic>
+    </p:spTree>
+    <p:extLst>
+      <p:ext uri="{BB962C8B-B14F-4D97-AF65-F5344CB8AC3E}">
+        <p14:creationId xmlns:p14="http://schemas.microsoft.com/office/powerpoint/2010/main" val="4274522283"/>
+      </p:ext>
+    </p:extLst>
+  </p:cSld>
+  <p:clrMapOvr>
+    <a:masterClrMapping/>
+  </p:clrMapOvr>
+</p:sld>
+</file>
+
+<file path=ppt/slides/slide37.xml><?xml version="1.0" encoding="utf-8"?>
+<p:sld xmlns:a="http://schemas.openxmlformats.org/drawingml/2006/main" xmlns:r="http://schemas.openxmlformats.org/officeDocument/2006/relationships" xmlns:p="http://schemas.openxmlformats.org/presentationml/2006/main">
+  <p:cSld>
+    <p:spTree>
+      <p:nvGrpSpPr>
+        <p:cNvPr id="1" name=""/>
+        <p:cNvGrpSpPr/>
+        <p:nvPr/>
+      </p:nvGrpSpPr>
+      <p:grpSpPr>
+        <a:xfrm>
+          <a:off x="0" y="0"/>
+          <a:ext cx="0" cy="0"/>
+          <a:chOff x="0" y="0"/>
+          <a:chExt cx="0" cy="0"/>
+        </a:xfrm>
+      </p:grpSpPr>
+      <p:sp>
+        <p:nvSpPr>
+          <p:cNvPr id="2" name="Title 1">
+            <a:extLst>
+              <a:ext uri="{FF2B5EF4-FFF2-40B4-BE49-F238E27FC236}">
+                <a16:creationId xmlns:a16="http://schemas.microsoft.com/office/drawing/2014/main" id="{42FFADC9-A795-4378-878B-D1A19D41B567}"/>
+              </a:ext>
+            </a:extLst>
+          </p:cNvPr>
+          <p:cNvSpPr>
+            <a:spLocks noGrp="1"/>
+          </p:cNvSpPr>
+          <p:nvPr>
+            <p:ph type="title"/>
+          </p:nvPr>
+        </p:nvSpPr>
+        <p:spPr/>
+        <p:txBody>
+          <a:bodyPr/>
+          <a:lstStyle/>
+          <a:p>
+            <a:r>
+              <a:rPr lang="en-US" dirty="0"/>
+              <a:t>Multi-threading</a:t>
+            </a:r>
+          </a:p>
+        </p:txBody>
+      </p:sp>
+      <p:sp>
+        <p:nvSpPr>
+          <p:cNvPr id="3" name="Content Placeholder 2">
+            <a:extLst>
+              <a:ext uri="{FF2B5EF4-FFF2-40B4-BE49-F238E27FC236}">
+                <a16:creationId xmlns:a16="http://schemas.microsoft.com/office/drawing/2014/main" id="{14802C03-1ECE-4C62-A812-C5AE178B032B}"/>
+              </a:ext>
+            </a:extLst>
+          </p:cNvPr>
+          <p:cNvSpPr>
+            <a:spLocks noGrp="1"/>
+          </p:cNvSpPr>
+          <p:nvPr>
+            <p:ph idx="1"/>
+          </p:nvPr>
+        </p:nvSpPr>
+        <p:spPr/>
+        <p:txBody>
+          <a:bodyPr/>
+          <a:lstStyle/>
+          <a:p>
+            <a:r>
+              <a:rPr lang="en-US" dirty="0"/>
+              <a:t>Multi-tasking </a:t>
+            </a:r>
+          </a:p>
+          <a:p>
+            <a:endParaRPr lang="en-US" dirty="0"/>
+          </a:p>
+          <a:p>
+            <a:r>
+              <a:rPr lang="en-US" dirty="0"/>
+              <a:t>Run diff tasks on diff cores at the same time</a:t>
+            </a:r>
+          </a:p>
+          <a:p>
+            <a:endParaRPr lang="en-US" dirty="0"/>
+          </a:p>
+          <a:p>
+            <a:r>
+              <a:rPr lang="en-US" dirty="0"/>
+              <a:t>Single CPU has multiple cores (small unit which helps to execute diff instructions)</a:t>
+            </a:r>
+          </a:p>
+          <a:p>
+            <a:endParaRPr lang="en-US" dirty="0"/>
+          </a:p>
+          <a:p>
+            <a:endParaRPr lang="en-US" dirty="0"/>
+          </a:p>
+        </p:txBody>
+      </p:sp>
+      <p:pic>
+        <p:nvPicPr>
+          <p:cNvPr id="5" name="Picture 4">
+            <a:extLst>
+              <a:ext uri="{FF2B5EF4-FFF2-40B4-BE49-F238E27FC236}">
+                <a16:creationId xmlns:a16="http://schemas.microsoft.com/office/drawing/2014/main" id="{FDD9D94E-AAB1-4D2A-B60D-F3C3C273DB02}"/>
+              </a:ext>
+            </a:extLst>
+          </p:cNvPr>
+          <p:cNvPicPr>
+            <a:picLocks noChangeAspect="1"/>
+          </p:cNvPicPr>
+          <p:nvPr/>
+        </p:nvPicPr>
+        <p:blipFill>
+          <a:blip r:embed="rId2"/>
+          <a:stretch>
+            <a:fillRect/>
+          </a:stretch>
+        </p:blipFill>
+        <p:spPr>
+          <a:xfrm>
+            <a:off x="8086553" y="1825625"/>
+            <a:ext cx="2276475" cy="2028825"/>
+          </a:xfrm>
+          <a:prstGeom prst="rect">
+            <a:avLst/>
+          </a:prstGeom>
+        </p:spPr>
+      </p:pic>
+    </p:spTree>
+    <p:extLst>
+      <p:ext uri="{BB962C8B-B14F-4D97-AF65-F5344CB8AC3E}">
+        <p14:creationId xmlns:p14="http://schemas.microsoft.com/office/powerpoint/2010/main" val="1023586533"/>
       </p:ext>
     </p:extLst>
   </p:cSld>
@@ -5515,7 +8029,7 @@
           <p:cNvPr id="2" name="Title 1">
             <a:extLst>
               <a:ext uri="{FF2B5EF4-FFF2-40B4-BE49-F238E27FC236}">
-                <a16:creationId xmlns:a16="http://schemas.microsoft.com/office/drawing/2014/main" id="{BF21F167-794C-4D28-AAF6-78BB8005B049}"/>
+                <a16:creationId xmlns:a16="http://schemas.microsoft.com/office/drawing/2014/main" id="{17EB3C67-5E7F-4E00-9FBC-16CD03E49195}"/>
               </a:ext>
             </a:extLst>
           </p:cNvPr>
@@ -5533,7 +8047,7 @@
           <a:p>
             <a:r>
               <a:rPr lang="en-US" dirty="0"/>
-              <a:t>Create new class</a:t>
+              <a:t>Create project</a:t>
             </a:r>
           </a:p>
         </p:txBody>
@@ -5543,7 +8057,7 @@
           <p:cNvPr id="3" name="Content Placeholder 2">
             <a:extLst>
               <a:ext uri="{FF2B5EF4-FFF2-40B4-BE49-F238E27FC236}">
-                <a16:creationId xmlns:a16="http://schemas.microsoft.com/office/drawing/2014/main" id="{2BB0D212-AD1C-4B1C-8AAD-428689B89B34}"/>
+                <a16:creationId xmlns:a16="http://schemas.microsoft.com/office/drawing/2014/main" id="{ED0A3EE6-2CCE-40A1-A019-CF7549AF9FA9}"/>
               </a:ext>
             </a:extLst>
           </p:cNvPr>
@@ -5561,15 +8075,7 @@
           <a:p>
             <a:r>
               <a:rPr lang="en-US" dirty="0"/>
-              <a:t>Right click “</a:t>
-            </a:r>
-            <a:r>
-              <a:rPr lang="en-US" dirty="0" err="1"/>
-              <a:t>src</a:t>
-            </a:r>
-            <a:r>
-              <a:rPr lang="en-US" dirty="0"/>
-              <a:t>”-&gt; new -&gt; class</a:t>
+              <a:t>Right click “new” -&gt; select “java project” </a:t>
             </a:r>
           </a:p>
           <a:p>
@@ -5582,7 +8088,7 @@
           <p:cNvPr id="5" name="Picture 4">
             <a:extLst>
               <a:ext uri="{FF2B5EF4-FFF2-40B4-BE49-F238E27FC236}">
-                <a16:creationId xmlns:a16="http://schemas.microsoft.com/office/drawing/2014/main" id="{D57852C4-8EF5-4143-A1C0-C27F7D72EABD}"/>
+                <a16:creationId xmlns:a16="http://schemas.microsoft.com/office/drawing/2014/main" id="{E4CF29B8-B2DF-409A-821A-7936B69B2E4F}"/>
               </a:ext>
             </a:extLst>
           </p:cNvPr>
@@ -5599,8 +8105,8 @@
         </p:blipFill>
         <p:spPr>
           <a:xfrm>
-            <a:off x="1041881" y="2861616"/>
-            <a:ext cx="6500229" cy="3315347"/>
+            <a:off x="1175657" y="2615469"/>
+            <a:ext cx="5712666" cy="3696431"/>
           </a:xfrm>
           <a:prstGeom prst="rect">
             <a:avLst/>
@@ -5610,7 +8116,7 @@
     </p:spTree>
     <p:extLst>
       <p:ext uri="{BB962C8B-B14F-4D97-AF65-F5344CB8AC3E}">
-        <p14:creationId xmlns:p14="http://schemas.microsoft.com/office/powerpoint/2010/main" val="1426184821"/>
+        <p14:creationId xmlns:p14="http://schemas.microsoft.com/office/powerpoint/2010/main" val="2422734719"/>
       </p:ext>
     </p:extLst>
   </p:cSld>
@@ -5642,7 +8148,7 @@
           <p:cNvPr id="2" name="Title 1">
             <a:extLst>
               <a:ext uri="{FF2B5EF4-FFF2-40B4-BE49-F238E27FC236}">
-                <a16:creationId xmlns:a16="http://schemas.microsoft.com/office/drawing/2014/main" id="{9051C2A4-46A2-41A7-B7AA-5B1F541ACF18}"/>
+                <a16:creationId xmlns:a16="http://schemas.microsoft.com/office/drawing/2014/main" id="{BF21F167-794C-4D28-AAF6-78BB8005B049}"/>
               </a:ext>
             </a:extLst>
           </p:cNvPr>
@@ -5659,31 +8165,64 @@
           <a:lstStyle/>
           <a:p>
             <a:r>
+              <a:rPr lang="en-US" dirty="0"/>
+              <a:t>Create new class</a:t>
+            </a:r>
+          </a:p>
+        </p:txBody>
+      </p:sp>
+      <p:sp>
+        <p:nvSpPr>
+          <p:cNvPr id="3" name="Content Placeholder 2">
+            <a:extLst>
+              <a:ext uri="{FF2B5EF4-FFF2-40B4-BE49-F238E27FC236}">
+                <a16:creationId xmlns:a16="http://schemas.microsoft.com/office/drawing/2014/main" id="{2BB0D212-AD1C-4B1C-8AAD-428689B89B34}"/>
+              </a:ext>
+            </a:extLst>
+          </p:cNvPr>
+          <p:cNvSpPr>
+            <a:spLocks noGrp="1"/>
+          </p:cNvSpPr>
+          <p:nvPr>
+            <p:ph idx="1"/>
+          </p:nvPr>
+        </p:nvSpPr>
+        <p:spPr/>
+        <p:txBody>
+          <a:bodyPr/>
+          <a:lstStyle/>
+          <a:p>
+            <a:r>
+              <a:rPr lang="en-US" dirty="0"/>
+              <a:t>Right click “</a:t>
+            </a:r>
+            <a:r>
               <a:rPr lang="en-US" dirty="0" err="1"/>
-              <a:t>Cont</a:t>
+              <a:t>src</a:t>
             </a:r>
             <a:r>
               <a:rPr lang="en-US" dirty="0"/>
-              <a:t>’…</a:t>
-            </a:r>
+              <a:t>”-&gt; new -&gt; class</a:t>
+            </a:r>
+          </a:p>
+          <a:p>
+            <a:endParaRPr lang="en-US" dirty="0"/>
           </a:p>
         </p:txBody>
       </p:sp>
       <p:pic>
         <p:nvPicPr>
-          <p:cNvPr id="5" name="Content Placeholder 4">
-            <a:extLst>
-              <a:ext uri="{FF2B5EF4-FFF2-40B4-BE49-F238E27FC236}">
-                <a16:creationId xmlns:a16="http://schemas.microsoft.com/office/drawing/2014/main" id="{890BCB97-F724-4F3A-B72E-58F68D385C54}"/>
+          <p:cNvPr id="5" name="Picture 4">
+            <a:extLst>
+              <a:ext uri="{FF2B5EF4-FFF2-40B4-BE49-F238E27FC236}">
+                <a16:creationId xmlns:a16="http://schemas.microsoft.com/office/drawing/2014/main" id="{D57852C4-8EF5-4143-A1C0-C27F7D72EABD}"/>
               </a:ext>
             </a:extLst>
           </p:cNvPr>
           <p:cNvPicPr>
-            <a:picLocks noGrp="1" noChangeAspect="1"/>
+            <a:picLocks noChangeAspect="1"/>
           </p:cNvPicPr>
-          <p:nvPr>
-            <p:ph idx="1"/>
-          </p:nvPr>
+          <p:nvPr/>
         </p:nvPicPr>
         <p:blipFill>
           <a:blip r:embed="rId2"/>
@@ -5693,15 +8232,18 @@
         </p:blipFill>
         <p:spPr>
           <a:xfrm>
-            <a:off x="1166984" y="1825625"/>
-            <a:ext cx="9858031" cy="4351338"/>
-          </a:xfrm>
+            <a:off x="1041881" y="2861616"/>
+            <a:ext cx="6500229" cy="3315347"/>
+          </a:xfrm>
+          <a:prstGeom prst="rect">
+            <a:avLst/>
+          </a:prstGeom>
         </p:spPr>
       </p:pic>
     </p:spTree>
     <p:extLst>
       <p:ext uri="{BB962C8B-B14F-4D97-AF65-F5344CB8AC3E}">
-        <p14:creationId xmlns:p14="http://schemas.microsoft.com/office/powerpoint/2010/main" val="815262677"/>
+        <p14:creationId xmlns:p14="http://schemas.microsoft.com/office/powerpoint/2010/main" val="1426184821"/>
       </p:ext>
     </p:extLst>
   </p:cSld>
@@ -5733,7 +8275,7 @@
           <p:cNvPr id="2" name="Title 1">
             <a:extLst>
               <a:ext uri="{FF2B5EF4-FFF2-40B4-BE49-F238E27FC236}">
-                <a16:creationId xmlns:a16="http://schemas.microsoft.com/office/drawing/2014/main" id="{A09231D2-1B92-46F2-A1A8-0D88A9A8F213}"/>
+                <a16:creationId xmlns:a16="http://schemas.microsoft.com/office/drawing/2014/main" id="{9051C2A4-46A2-41A7-B7AA-5B1F541ACF18}"/>
               </a:ext>
             </a:extLst>
           </p:cNvPr>
@@ -5750,8 +8292,12 @@
           <a:lstStyle/>
           <a:p>
             <a:r>
+              <a:rPr lang="en-US" dirty="0" err="1"/>
+              <a:t>Cont</a:t>
+            </a:r>
+            <a:r>
               <a:rPr lang="en-US" dirty="0"/>
-              <a:t>Variables</a:t>
+              <a:t>’…</a:t>
             </a:r>
           </a:p>
         </p:txBody>
@@ -5761,7 +8307,7 @@
           <p:cNvPr id="5" name="Content Placeholder 4">
             <a:extLst>
               <a:ext uri="{FF2B5EF4-FFF2-40B4-BE49-F238E27FC236}">
-                <a16:creationId xmlns:a16="http://schemas.microsoft.com/office/drawing/2014/main" id="{31F89910-B51A-430F-8F37-A576A78D69DF}"/>
+                <a16:creationId xmlns:a16="http://schemas.microsoft.com/office/drawing/2014/main" id="{890BCB97-F724-4F3A-B72E-58F68D385C54}"/>
               </a:ext>
             </a:extLst>
           </p:cNvPr>
@@ -5780,45 +8326,15 @@
         </p:blipFill>
         <p:spPr>
           <a:xfrm>
-            <a:off x="487611" y="1897761"/>
-            <a:ext cx="7830124" cy="3415103"/>
-          </a:xfrm>
-        </p:spPr>
-      </p:pic>
-      <p:pic>
-        <p:nvPicPr>
-          <p:cNvPr id="7" name="Picture 6">
-            <a:extLst>
-              <a:ext uri="{FF2B5EF4-FFF2-40B4-BE49-F238E27FC236}">
-                <a16:creationId xmlns:a16="http://schemas.microsoft.com/office/drawing/2014/main" id="{548CC6C0-B4C2-471E-9D1D-F88380353111}"/>
-              </a:ext>
-            </a:extLst>
-          </p:cNvPr>
-          <p:cNvPicPr>
-            <a:picLocks noChangeAspect="1"/>
-          </p:cNvPicPr>
-          <p:nvPr/>
-        </p:nvPicPr>
-        <p:blipFill>
-          <a:blip r:embed="rId3"/>
-          <a:stretch>
-            <a:fillRect/>
-          </a:stretch>
-        </p:blipFill>
-        <p:spPr>
-          <a:xfrm>
-            <a:off x="8802477" y="1897761"/>
-            <a:ext cx="3096715" cy="3347588"/>
-          </a:xfrm>
-          <a:prstGeom prst="rect">
-            <a:avLst/>
-          </a:prstGeom>
+            <a:off x="1166984" y="1825625"/>
+            <a:ext cx="9858031" cy="4351338"/>
+          </a:xfrm>
         </p:spPr>
       </p:pic>
     </p:spTree>
     <p:extLst>
       <p:ext uri="{BB962C8B-B14F-4D97-AF65-F5344CB8AC3E}">
-        <p14:creationId xmlns:p14="http://schemas.microsoft.com/office/powerpoint/2010/main" val="3174270566"/>
+        <p14:creationId xmlns:p14="http://schemas.microsoft.com/office/powerpoint/2010/main" val="815262677"/>
       </p:ext>
     </p:extLst>
   </p:cSld>
@@ -5850,7 +8366,7 @@
           <p:cNvPr id="2" name="Title 1">
             <a:extLst>
               <a:ext uri="{FF2B5EF4-FFF2-40B4-BE49-F238E27FC236}">
-                <a16:creationId xmlns:a16="http://schemas.microsoft.com/office/drawing/2014/main" id="{CCBA0A47-3291-4B9B-806E-50D85D5CFA21}"/>
+                <a16:creationId xmlns:a16="http://schemas.microsoft.com/office/drawing/2014/main" id="{A09231D2-1B92-46F2-A1A8-0D88A9A8F213}"/>
               </a:ext>
             </a:extLst>
           </p:cNvPr>
@@ -5867,12 +8383,8 @@
           <a:lstStyle/>
           <a:p>
             <a:r>
-              <a:rPr lang="en-US" dirty="0" err="1"/>
-              <a:t>Cont</a:t>
-            </a:r>
-            <a:r>
               <a:rPr lang="en-US" dirty="0"/>
-              <a:t>’..</a:t>
+              <a:t>Variables</a:t>
             </a:r>
           </a:p>
         </p:txBody>
@@ -5882,7 +8394,7 @@
           <p:cNvPr id="5" name="Content Placeholder 4">
             <a:extLst>
               <a:ext uri="{FF2B5EF4-FFF2-40B4-BE49-F238E27FC236}">
-                <a16:creationId xmlns:a16="http://schemas.microsoft.com/office/drawing/2014/main" id="{239FB3FC-A988-47BA-9E01-19A190CCBB54}"/>
+                <a16:creationId xmlns:a16="http://schemas.microsoft.com/office/drawing/2014/main" id="{31F89910-B51A-430F-8F37-A576A78D69DF}"/>
               </a:ext>
             </a:extLst>
           </p:cNvPr>
@@ -5901,15 +8413,45 @@
         </p:blipFill>
         <p:spPr>
           <a:xfrm>
-            <a:off x="1167788" y="1602570"/>
-            <a:ext cx="9398155" cy="4574393"/>
-          </a:xfrm>
+            <a:off x="487611" y="1897761"/>
+            <a:ext cx="7830124" cy="3415103"/>
+          </a:xfrm>
+        </p:spPr>
+      </p:pic>
+      <p:pic>
+        <p:nvPicPr>
+          <p:cNvPr id="7" name="Picture 6">
+            <a:extLst>
+              <a:ext uri="{FF2B5EF4-FFF2-40B4-BE49-F238E27FC236}">
+                <a16:creationId xmlns:a16="http://schemas.microsoft.com/office/drawing/2014/main" id="{548CC6C0-B4C2-471E-9D1D-F88380353111}"/>
+              </a:ext>
+            </a:extLst>
+          </p:cNvPr>
+          <p:cNvPicPr>
+            <a:picLocks noChangeAspect="1"/>
+          </p:cNvPicPr>
+          <p:nvPr/>
+        </p:nvPicPr>
+        <p:blipFill>
+          <a:blip r:embed="rId3"/>
+          <a:stretch>
+            <a:fillRect/>
+          </a:stretch>
+        </p:blipFill>
+        <p:spPr>
+          <a:xfrm>
+            <a:off x="8802477" y="1897761"/>
+            <a:ext cx="3096715" cy="3347588"/>
+          </a:xfrm>
+          <a:prstGeom prst="rect">
+            <a:avLst/>
+          </a:prstGeom>
         </p:spPr>
       </p:pic>
     </p:spTree>
     <p:extLst>
       <p:ext uri="{BB962C8B-B14F-4D97-AF65-F5344CB8AC3E}">
-        <p14:creationId xmlns:p14="http://schemas.microsoft.com/office/powerpoint/2010/main" val="803001504"/>
+        <p14:creationId xmlns:p14="http://schemas.microsoft.com/office/powerpoint/2010/main" val="3174270566"/>
       </p:ext>
     </p:extLst>
   </p:cSld>
@@ -5941,7 +8483,7 @@
           <p:cNvPr id="2" name="Title 1">
             <a:extLst>
               <a:ext uri="{FF2B5EF4-FFF2-40B4-BE49-F238E27FC236}">
-                <a16:creationId xmlns:a16="http://schemas.microsoft.com/office/drawing/2014/main" id="{EBB56AD8-CE4E-4A5C-A65A-AD0970B5CD0A}"/>
+                <a16:creationId xmlns:a16="http://schemas.microsoft.com/office/drawing/2014/main" id="{CCBA0A47-3291-4B9B-806E-50D85D5CFA21}"/>
               </a:ext>
             </a:extLst>
           </p:cNvPr>
@@ -5958,16 +8500,12 @@
           <a:lstStyle/>
           <a:p>
             <a:r>
+              <a:rPr lang="en-US" dirty="0" err="1"/>
+              <a:t>Cont</a:t>
+            </a:r>
+            <a:r>
               <a:rPr lang="en-US" dirty="0"/>
-              <a:t>Naming convention (don’t simply use </a:t>
-            </a:r>
-            <a:r>
-              <a:rPr lang="en-US" dirty="0" err="1"/>
-              <a:t>x,y,z</a:t>
-            </a:r>
-            <a:r>
-              <a:rPr lang="en-US" dirty="0"/>
-              <a:t>)</a:t>
+              <a:t>’..</a:t>
             </a:r>
           </a:p>
         </p:txBody>
@@ -5977,7 +8515,7 @@
           <p:cNvPr id="5" name="Content Placeholder 4">
             <a:extLst>
               <a:ext uri="{FF2B5EF4-FFF2-40B4-BE49-F238E27FC236}">
-                <a16:creationId xmlns:a16="http://schemas.microsoft.com/office/drawing/2014/main" id="{D74A4058-9E93-49EF-A6C5-9D0C9AF5AD52}"/>
+                <a16:creationId xmlns:a16="http://schemas.microsoft.com/office/drawing/2014/main" id="{239FB3FC-A988-47BA-9E01-19A190CCBB54}"/>
               </a:ext>
             </a:extLst>
           </p:cNvPr>
@@ -5996,287 +8534,15 @@
         </p:blipFill>
         <p:spPr>
           <a:xfrm>
-            <a:off x="1312333" y="1690688"/>
-            <a:ext cx="2604674" cy="4351338"/>
+            <a:off x="1167788" y="1602570"/>
+            <a:ext cx="9398155" cy="4574393"/>
           </a:xfrm>
         </p:spPr>
       </p:pic>
-      <p:cxnSp>
-        <p:nvCxnSpPr>
-          <p:cNvPr id="7" name="Straight Arrow Connector 6">
-            <a:extLst>
-              <a:ext uri="{FF2B5EF4-FFF2-40B4-BE49-F238E27FC236}">
-                <a16:creationId xmlns:a16="http://schemas.microsoft.com/office/drawing/2014/main" id="{3733279C-A505-40A7-A02C-986D116A7983}"/>
-              </a:ext>
-            </a:extLst>
-          </p:cNvPr>
-          <p:cNvCxnSpPr>
-            <a:cxnSpLocks/>
-          </p:cNvCxnSpPr>
-          <p:nvPr/>
-        </p:nvCxnSpPr>
-        <p:spPr>
-          <a:xfrm>
-            <a:off x="4010140" y="2798285"/>
-            <a:ext cx="969483" cy="0"/>
-          </a:xfrm>
-          <a:prstGeom prst="straightConnector1">
-            <a:avLst/>
-          </a:prstGeom>
-          <a:ln>
-            <a:tailEnd type="triangle"/>
-          </a:ln>
-        </p:spPr>
-        <p:style>
-          <a:lnRef idx="1">
-            <a:schemeClr val="accent1"/>
-          </a:lnRef>
-          <a:fillRef idx="0">
-            <a:schemeClr val="accent1"/>
-          </a:fillRef>
-          <a:effectRef idx="0">
-            <a:schemeClr val="accent1"/>
-          </a:effectRef>
-          <a:fontRef idx="minor">
-            <a:schemeClr val="tx1"/>
-          </a:fontRef>
-        </p:style>
-      </p:cxnSp>
-      <p:sp>
-        <p:nvSpPr>
-          <p:cNvPr id="8" name="TextBox 7">
-            <a:extLst>
-              <a:ext uri="{FF2B5EF4-FFF2-40B4-BE49-F238E27FC236}">
-                <a16:creationId xmlns:a16="http://schemas.microsoft.com/office/drawing/2014/main" id="{F18E8269-2AE8-4466-9D90-E88F46961ADC}"/>
-              </a:ext>
-            </a:extLst>
-          </p:cNvPr>
-          <p:cNvSpPr txBox="1"/>
-          <p:nvPr/>
-        </p:nvSpPr>
-        <p:spPr>
-          <a:xfrm>
-            <a:off x="5072756" y="2613619"/>
-            <a:ext cx="4891489" cy="369332"/>
-          </a:xfrm>
-          <a:prstGeom prst="rect">
-            <a:avLst/>
-          </a:prstGeom>
-          <a:noFill/>
-        </p:spPr>
-        <p:txBody>
-          <a:bodyPr wrap="square" rtlCol="0">
-            <a:spAutoFit/>
-          </a:bodyPr>
-          <a:lstStyle/>
-          <a:p>
-            <a:r>
-              <a:rPr lang="en-US" dirty="0"/>
-              <a:t>Class first char should be capital!</a:t>
-            </a:r>
-          </a:p>
-        </p:txBody>
-      </p:sp>
-      <p:sp>
-        <p:nvSpPr>
-          <p:cNvPr id="14" name="TextBox 13">
-            <a:extLst>
-              <a:ext uri="{FF2B5EF4-FFF2-40B4-BE49-F238E27FC236}">
-                <a16:creationId xmlns:a16="http://schemas.microsoft.com/office/drawing/2014/main" id="{40A7B4C0-D496-4695-9A69-5E02F61319D5}"/>
-              </a:ext>
-            </a:extLst>
-          </p:cNvPr>
-          <p:cNvSpPr txBox="1"/>
-          <p:nvPr/>
-        </p:nvSpPr>
-        <p:spPr>
-          <a:xfrm>
-            <a:off x="5189659" y="4213151"/>
-            <a:ext cx="4891489" cy="369332"/>
-          </a:xfrm>
-          <a:prstGeom prst="rect">
-            <a:avLst/>
-          </a:prstGeom>
-          <a:noFill/>
-        </p:spPr>
-        <p:txBody>
-          <a:bodyPr wrap="square" rtlCol="0">
-            <a:spAutoFit/>
-          </a:bodyPr>
-          <a:lstStyle/>
-          <a:p>
-            <a:r>
-              <a:rPr lang="en-US" dirty="0"/>
-              <a:t>Small letter!</a:t>
-            </a:r>
-          </a:p>
-        </p:txBody>
-      </p:sp>
-      <p:cxnSp>
-        <p:nvCxnSpPr>
-          <p:cNvPr id="15" name="Straight Arrow Connector 14">
-            <a:extLst>
-              <a:ext uri="{FF2B5EF4-FFF2-40B4-BE49-F238E27FC236}">
-                <a16:creationId xmlns:a16="http://schemas.microsoft.com/office/drawing/2014/main" id="{BBC66E30-B229-4577-813F-061997CA8324}"/>
-              </a:ext>
-            </a:extLst>
-          </p:cNvPr>
-          <p:cNvCxnSpPr>
-            <a:cxnSpLocks/>
-          </p:cNvCxnSpPr>
-          <p:nvPr/>
-        </p:nvCxnSpPr>
-        <p:spPr>
-          <a:xfrm>
-            <a:off x="4197427" y="4373430"/>
-            <a:ext cx="969483" cy="0"/>
-          </a:xfrm>
-          <a:prstGeom prst="straightConnector1">
-            <a:avLst/>
-          </a:prstGeom>
-          <a:ln>
-            <a:tailEnd type="triangle"/>
-          </a:ln>
-        </p:spPr>
-        <p:style>
-          <a:lnRef idx="1">
-            <a:schemeClr val="accent1"/>
-          </a:lnRef>
-          <a:fillRef idx="0">
-            <a:schemeClr val="accent1"/>
-          </a:fillRef>
-          <a:effectRef idx="0">
-            <a:schemeClr val="accent1"/>
-          </a:effectRef>
-          <a:fontRef idx="minor">
-            <a:schemeClr val="tx1"/>
-          </a:fontRef>
-        </p:style>
-      </p:cxnSp>
-      <p:sp>
-        <p:nvSpPr>
-          <p:cNvPr id="16" name="Right Brace 15">
-            <a:extLst>
-              <a:ext uri="{FF2B5EF4-FFF2-40B4-BE49-F238E27FC236}">
-                <a16:creationId xmlns:a16="http://schemas.microsoft.com/office/drawing/2014/main" id="{6C23D588-3387-4C35-8052-06CDD5A8C8F2}"/>
-              </a:ext>
-            </a:extLst>
-          </p:cNvPr>
-          <p:cNvSpPr/>
-          <p:nvPr/>
-        </p:nvSpPr>
-        <p:spPr>
-          <a:xfrm>
-            <a:off x="3917007" y="3690384"/>
-            <a:ext cx="280420" cy="1168055"/>
-          </a:xfrm>
-          <a:prstGeom prst="rightBrace">
-            <a:avLst/>
-          </a:prstGeom>
-        </p:spPr>
-        <p:style>
-          <a:lnRef idx="1">
-            <a:schemeClr val="accent1"/>
-          </a:lnRef>
-          <a:fillRef idx="0">
-            <a:schemeClr val="accent1"/>
-          </a:fillRef>
-          <a:effectRef idx="0">
-            <a:schemeClr val="accent1"/>
-          </a:effectRef>
-          <a:fontRef idx="minor">
-            <a:schemeClr val="tx1"/>
-          </a:fontRef>
-        </p:style>
-        <p:txBody>
-          <a:bodyPr rtlCol="0" anchor="ctr"/>
-          <a:lstStyle/>
-          <a:p>
-            <a:pPr algn="ctr"/>
-            <a:endParaRPr lang="en-US"/>
-          </a:p>
-        </p:txBody>
-      </p:sp>
-      <p:cxnSp>
-        <p:nvCxnSpPr>
-          <p:cNvPr id="17" name="Straight Arrow Connector 16">
-            <a:extLst>
-              <a:ext uri="{FF2B5EF4-FFF2-40B4-BE49-F238E27FC236}">
-                <a16:creationId xmlns:a16="http://schemas.microsoft.com/office/drawing/2014/main" id="{4AC96081-99E8-4D6D-8951-9359BECF91AF}"/>
-              </a:ext>
-            </a:extLst>
-          </p:cNvPr>
-          <p:cNvCxnSpPr>
-            <a:cxnSpLocks/>
-          </p:cNvCxnSpPr>
-          <p:nvPr/>
-        </p:nvCxnSpPr>
-        <p:spPr>
-          <a:xfrm>
-            <a:off x="4041354" y="5726669"/>
-            <a:ext cx="969483" cy="0"/>
-          </a:xfrm>
-          <a:prstGeom prst="straightConnector1">
-            <a:avLst/>
-          </a:prstGeom>
-          <a:ln>
-            <a:tailEnd type="triangle"/>
-          </a:ln>
-        </p:spPr>
-        <p:style>
-          <a:lnRef idx="1">
-            <a:schemeClr val="accent1"/>
-          </a:lnRef>
-          <a:fillRef idx="0">
-            <a:schemeClr val="accent1"/>
-          </a:fillRef>
-          <a:effectRef idx="0">
-            <a:schemeClr val="accent1"/>
-          </a:effectRef>
-          <a:fontRef idx="minor">
-            <a:schemeClr val="tx1"/>
-          </a:fontRef>
-        </p:style>
-      </p:cxnSp>
-      <p:sp>
-        <p:nvSpPr>
-          <p:cNvPr id="18" name="TextBox 17">
-            <a:extLst>
-              <a:ext uri="{FF2B5EF4-FFF2-40B4-BE49-F238E27FC236}">
-                <a16:creationId xmlns:a16="http://schemas.microsoft.com/office/drawing/2014/main" id="{ECC7191A-E41D-4841-9E6F-E59C8FC84B60}"/>
-              </a:ext>
-            </a:extLst>
-          </p:cNvPr>
-          <p:cNvSpPr txBox="1"/>
-          <p:nvPr/>
-        </p:nvSpPr>
-        <p:spPr>
-          <a:xfrm>
-            <a:off x="5189659" y="5542003"/>
-            <a:ext cx="4891489" cy="369332"/>
-          </a:xfrm>
-          <a:prstGeom prst="rect">
-            <a:avLst/>
-          </a:prstGeom>
-          <a:noFill/>
-        </p:spPr>
-        <p:txBody>
-          <a:bodyPr wrap="square" rtlCol="0">
-            <a:spAutoFit/>
-          </a:bodyPr>
-          <a:lstStyle/>
-          <a:p>
-            <a:r>
-              <a:rPr lang="en-US" dirty="0"/>
-              <a:t>All capital letters!</a:t>
-            </a:r>
-          </a:p>
-        </p:txBody>
-      </p:sp>
     </p:spTree>
     <p:extLst>
       <p:ext uri="{BB962C8B-B14F-4D97-AF65-F5344CB8AC3E}">
-        <p14:creationId xmlns:p14="http://schemas.microsoft.com/office/powerpoint/2010/main" val="1910268231"/>
+        <p14:creationId xmlns:p14="http://schemas.microsoft.com/office/powerpoint/2010/main" val="803001504"/>
       </p:ext>
     </p:extLst>
   </p:cSld>
@@ -6308,7 +8574,7 @@
           <p:cNvPr id="2" name="Title 1">
             <a:extLst>
               <a:ext uri="{FF2B5EF4-FFF2-40B4-BE49-F238E27FC236}">
-                <a16:creationId xmlns:a16="http://schemas.microsoft.com/office/drawing/2014/main" id="{197E14A5-3E9D-42A9-8D55-85B9FB633899}"/>
+                <a16:creationId xmlns:a16="http://schemas.microsoft.com/office/drawing/2014/main" id="{EBB56AD8-CE4E-4A5C-A65A-AD0970B5CD0A}"/>
               </a:ext>
             </a:extLst>
           </p:cNvPr>
@@ -6325,12 +8591,16 @@
           <a:lstStyle/>
           <a:p>
             <a:r>
+              <a:rPr lang="en-US" dirty="0"/>
+              <a:t>Naming convention (don’t simply use </a:t>
+            </a:r>
+            <a:r>
               <a:rPr lang="en-US" dirty="0" err="1"/>
-              <a:t>Ifelse</a:t>
+              <a:t>x,y,z</a:t>
             </a:r>
             <a:r>
               <a:rPr lang="en-US" dirty="0"/>
-              <a:t> selection (switch &amp; ternary operator)</a:t>
+              <a:t>)</a:t>
             </a:r>
           </a:p>
         </p:txBody>
@@ -6340,7 +8610,7 @@
           <p:cNvPr id="5" name="Content Placeholder 4">
             <a:extLst>
               <a:ext uri="{FF2B5EF4-FFF2-40B4-BE49-F238E27FC236}">
-                <a16:creationId xmlns:a16="http://schemas.microsoft.com/office/drawing/2014/main" id="{C1EE37A9-619E-4F28-B1B3-09DAB6961C5A}"/>
+                <a16:creationId xmlns:a16="http://schemas.microsoft.com/office/drawing/2014/main" id="{D74A4058-9E93-49EF-A6C5-9D0C9AF5AD52}"/>
               </a:ext>
             </a:extLst>
           </p:cNvPr>
@@ -6359,8 +8629,8 @@
         </p:blipFill>
         <p:spPr>
           <a:xfrm>
-            <a:off x="650913" y="2727363"/>
-            <a:ext cx="7391400" cy="2720137"/>
+            <a:off x="1312333" y="1690688"/>
+            <a:ext cx="2604674" cy="4351338"/>
           </a:xfrm>
         </p:spPr>
       </p:pic>
@@ -6369,17 +8639,19 @@
           <p:cNvPr id="7" name="Straight Arrow Connector 6">
             <a:extLst>
               <a:ext uri="{FF2B5EF4-FFF2-40B4-BE49-F238E27FC236}">
-                <a16:creationId xmlns:a16="http://schemas.microsoft.com/office/drawing/2014/main" id="{E8FEF510-5AA6-44FA-A93F-28F0FEE1B1FA}"/>
-              </a:ext>
-            </a:extLst>
-          </p:cNvPr>
-          <p:cNvCxnSpPr/>
+                <a16:creationId xmlns:a16="http://schemas.microsoft.com/office/drawing/2014/main" id="{3733279C-A505-40A7-A02C-986D116A7983}"/>
+              </a:ext>
+            </a:extLst>
+          </p:cNvPr>
+          <p:cNvCxnSpPr>
+            <a:cxnSpLocks/>
+          </p:cNvCxnSpPr>
           <p:nvPr/>
         </p:nvCxnSpPr>
         <p:spPr>
-          <a:xfrm flipV="1">
-            <a:off x="8141465" y="4065224"/>
-            <a:ext cx="969484" cy="88135"/>
+          <a:xfrm>
+            <a:off x="4010140" y="2798285"/>
+            <a:ext cx="969483" cy="0"/>
           </a:xfrm>
           <a:prstGeom prst="straightConnector1">
             <a:avLst/>
@@ -6408,7 +8680,7 @@
           <p:cNvPr id="8" name="TextBox 7">
             <a:extLst>
               <a:ext uri="{FF2B5EF4-FFF2-40B4-BE49-F238E27FC236}">
-                <a16:creationId xmlns:a16="http://schemas.microsoft.com/office/drawing/2014/main" id="{2ED1FC70-7B41-417D-B136-B2AE2F9E1FB7}"/>
+                <a16:creationId xmlns:a16="http://schemas.microsoft.com/office/drawing/2014/main" id="{F18E8269-2AE8-4466-9D90-E88F46961ADC}"/>
               </a:ext>
             </a:extLst>
           </p:cNvPr>
@@ -6417,8 +8689,8 @@
         </p:nvSpPr>
         <p:spPr>
           <a:xfrm>
-            <a:off x="9199084" y="3877937"/>
-            <a:ext cx="1762699" cy="369332"/>
+            <a:off x="5072756" y="2613619"/>
+            <a:ext cx="4891489" cy="369332"/>
           </a:xfrm>
           <a:prstGeom prst="rect">
             <a:avLst/>
@@ -6433,7 +8705,203 @@
           <a:p>
             <a:r>
               <a:rPr lang="en-US" dirty="0"/>
-              <a:t>Ternary operator </a:t>
+              <a:t>Class first char should be capital!</a:t>
+            </a:r>
+          </a:p>
+        </p:txBody>
+      </p:sp>
+      <p:sp>
+        <p:nvSpPr>
+          <p:cNvPr id="14" name="TextBox 13">
+            <a:extLst>
+              <a:ext uri="{FF2B5EF4-FFF2-40B4-BE49-F238E27FC236}">
+                <a16:creationId xmlns:a16="http://schemas.microsoft.com/office/drawing/2014/main" id="{40A7B4C0-D496-4695-9A69-5E02F61319D5}"/>
+              </a:ext>
+            </a:extLst>
+          </p:cNvPr>
+          <p:cNvSpPr txBox="1"/>
+          <p:nvPr/>
+        </p:nvSpPr>
+        <p:spPr>
+          <a:xfrm>
+            <a:off x="5189659" y="4213151"/>
+            <a:ext cx="4891489" cy="369332"/>
+          </a:xfrm>
+          <a:prstGeom prst="rect">
+            <a:avLst/>
+          </a:prstGeom>
+          <a:noFill/>
+        </p:spPr>
+        <p:txBody>
+          <a:bodyPr wrap="square" rtlCol="0">
+            <a:spAutoFit/>
+          </a:bodyPr>
+          <a:lstStyle/>
+          <a:p>
+            <a:r>
+              <a:rPr lang="en-US" dirty="0"/>
+              <a:t>Small letter!</a:t>
+            </a:r>
+          </a:p>
+        </p:txBody>
+      </p:sp>
+      <p:cxnSp>
+        <p:nvCxnSpPr>
+          <p:cNvPr id="15" name="Straight Arrow Connector 14">
+            <a:extLst>
+              <a:ext uri="{FF2B5EF4-FFF2-40B4-BE49-F238E27FC236}">
+                <a16:creationId xmlns:a16="http://schemas.microsoft.com/office/drawing/2014/main" id="{BBC66E30-B229-4577-813F-061997CA8324}"/>
+              </a:ext>
+            </a:extLst>
+          </p:cNvPr>
+          <p:cNvCxnSpPr>
+            <a:cxnSpLocks/>
+          </p:cNvCxnSpPr>
+          <p:nvPr/>
+        </p:nvCxnSpPr>
+        <p:spPr>
+          <a:xfrm>
+            <a:off x="4197427" y="4373430"/>
+            <a:ext cx="969483" cy="0"/>
+          </a:xfrm>
+          <a:prstGeom prst="straightConnector1">
+            <a:avLst/>
+          </a:prstGeom>
+          <a:ln>
+            <a:tailEnd type="triangle"/>
+          </a:ln>
+        </p:spPr>
+        <p:style>
+          <a:lnRef idx="1">
+            <a:schemeClr val="accent1"/>
+          </a:lnRef>
+          <a:fillRef idx="0">
+            <a:schemeClr val="accent1"/>
+          </a:fillRef>
+          <a:effectRef idx="0">
+            <a:schemeClr val="accent1"/>
+          </a:effectRef>
+          <a:fontRef idx="minor">
+            <a:schemeClr val="tx1"/>
+          </a:fontRef>
+        </p:style>
+      </p:cxnSp>
+      <p:sp>
+        <p:nvSpPr>
+          <p:cNvPr id="16" name="Right Brace 15">
+            <a:extLst>
+              <a:ext uri="{FF2B5EF4-FFF2-40B4-BE49-F238E27FC236}">
+                <a16:creationId xmlns:a16="http://schemas.microsoft.com/office/drawing/2014/main" id="{6C23D588-3387-4C35-8052-06CDD5A8C8F2}"/>
+              </a:ext>
+            </a:extLst>
+          </p:cNvPr>
+          <p:cNvSpPr/>
+          <p:nvPr/>
+        </p:nvSpPr>
+        <p:spPr>
+          <a:xfrm>
+            <a:off x="3917007" y="3690384"/>
+            <a:ext cx="280420" cy="1168055"/>
+          </a:xfrm>
+          <a:prstGeom prst="rightBrace">
+            <a:avLst/>
+          </a:prstGeom>
+        </p:spPr>
+        <p:style>
+          <a:lnRef idx="1">
+            <a:schemeClr val="accent1"/>
+          </a:lnRef>
+          <a:fillRef idx="0">
+            <a:schemeClr val="accent1"/>
+          </a:fillRef>
+          <a:effectRef idx="0">
+            <a:schemeClr val="accent1"/>
+          </a:effectRef>
+          <a:fontRef idx="minor">
+            <a:schemeClr val="tx1"/>
+          </a:fontRef>
+        </p:style>
+        <p:txBody>
+          <a:bodyPr rtlCol="0" anchor="ctr"/>
+          <a:lstStyle/>
+          <a:p>
+            <a:pPr algn="ctr"/>
+            <a:endParaRPr lang="en-US"/>
+          </a:p>
+        </p:txBody>
+      </p:sp>
+      <p:cxnSp>
+        <p:nvCxnSpPr>
+          <p:cNvPr id="17" name="Straight Arrow Connector 16">
+            <a:extLst>
+              <a:ext uri="{FF2B5EF4-FFF2-40B4-BE49-F238E27FC236}">
+                <a16:creationId xmlns:a16="http://schemas.microsoft.com/office/drawing/2014/main" id="{4AC96081-99E8-4D6D-8951-9359BECF91AF}"/>
+              </a:ext>
+            </a:extLst>
+          </p:cNvPr>
+          <p:cNvCxnSpPr>
+            <a:cxnSpLocks/>
+          </p:cNvCxnSpPr>
+          <p:nvPr/>
+        </p:nvCxnSpPr>
+        <p:spPr>
+          <a:xfrm>
+            <a:off x="4041354" y="5726669"/>
+            <a:ext cx="969483" cy="0"/>
+          </a:xfrm>
+          <a:prstGeom prst="straightConnector1">
+            <a:avLst/>
+          </a:prstGeom>
+          <a:ln>
+            <a:tailEnd type="triangle"/>
+          </a:ln>
+        </p:spPr>
+        <p:style>
+          <a:lnRef idx="1">
+            <a:schemeClr val="accent1"/>
+          </a:lnRef>
+          <a:fillRef idx="0">
+            <a:schemeClr val="accent1"/>
+          </a:fillRef>
+          <a:effectRef idx="0">
+            <a:schemeClr val="accent1"/>
+          </a:effectRef>
+          <a:fontRef idx="minor">
+            <a:schemeClr val="tx1"/>
+          </a:fontRef>
+        </p:style>
+      </p:cxnSp>
+      <p:sp>
+        <p:nvSpPr>
+          <p:cNvPr id="18" name="TextBox 17">
+            <a:extLst>
+              <a:ext uri="{FF2B5EF4-FFF2-40B4-BE49-F238E27FC236}">
+                <a16:creationId xmlns:a16="http://schemas.microsoft.com/office/drawing/2014/main" id="{ECC7191A-E41D-4841-9E6F-E59C8FC84B60}"/>
+              </a:ext>
+            </a:extLst>
+          </p:cNvPr>
+          <p:cNvSpPr txBox="1"/>
+          <p:nvPr/>
+        </p:nvSpPr>
+        <p:spPr>
+          <a:xfrm>
+            <a:off x="5189659" y="5542003"/>
+            <a:ext cx="4891489" cy="369332"/>
+          </a:xfrm>
+          <a:prstGeom prst="rect">
+            <a:avLst/>
+          </a:prstGeom>
+          <a:noFill/>
+        </p:spPr>
+        <p:txBody>
+          <a:bodyPr wrap="square" rtlCol="0">
+            <a:spAutoFit/>
+          </a:bodyPr>
+          <a:lstStyle/>
+          <a:p>
+            <a:r>
+              <a:rPr lang="en-US" dirty="0"/>
+              <a:t>All capital letters!</a:t>
             </a:r>
           </a:p>
         </p:txBody>
@@ -6441,7 +8909,7 @@
     </p:spTree>
     <p:extLst>
       <p:ext uri="{BB962C8B-B14F-4D97-AF65-F5344CB8AC3E}">
-        <p14:creationId xmlns:p14="http://schemas.microsoft.com/office/powerpoint/2010/main" val="2535228344"/>
+        <p14:creationId xmlns:p14="http://schemas.microsoft.com/office/powerpoint/2010/main" val="1910268231"/>
       </p:ext>
     </p:extLst>
   </p:cSld>
@@ -6744,4 +9212,299 @@
     </a:ext>
   </a:extLst>
 </a:theme>
+</file>
+
+<file path=ppt/theme/theme2.xml><?xml version="1.0" encoding="utf-8"?>
+<a:theme xmlns:a="http://schemas.openxmlformats.org/drawingml/2006/main" name="Office Theme">
+  <a:themeElements>
+    <a:clrScheme name="Office">
+      <a:dk1>
+        <a:sysClr val="windowText" lastClr="000000"/>
+      </a:dk1>
+      <a:lt1>
+        <a:sysClr val="window" lastClr="FFFFFF"/>
+      </a:lt1>
+      <a:dk2>
+        <a:srgbClr val="44546A"/>
+      </a:dk2>
+      <a:lt2>
+        <a:srgbClr val="E7E6E6"/>
+      </a:lt2>
+      <a:accent1>
+        <a:srgbClr val="4472C4"/>
+      </a:accent1>
+      <a:accent2>
+        <a:srgbClr val="ED7D31"/>
+      </a:accent2>
+      <a:accent3>
+        <a:srgbClr val="A5A5A5"/>
+      </a:accent3>
+      <a:accent4>
+        <a:srgbClr val="FFC000"/>
+      </a:accent4>
+      <a:accent5>
+        <a:srgbClr val="5B9BD5"/>
+      </a:accent5>
+      <a:accent6>
+        <a:srgbClr val="70AD47"/>
+      </a:accent6>
+      <a:hlink>
+        <a:srgbClr val="0563C1"/>
+      </a:hlink>
+      <a:folHlink>
+        <a:srgbClr val="954F72"/>
+      </a:folHlink>
+    </a:clrScheme>
+    <a:fontScheme name="Office">
+      <a:majorFont>
+        <a:latin typeface="Calibri Light" panose="020F0302020204030204"/>
+        <a:ea typeface=""/>
+        <a:cs typeface=""/>
+        <a:font script="Jpan" typeface="游ゴシック Light"/>
+        <a:font script="Hang" typeface="맑은 고딕"/>
+        <a:font script="Hans" typeface="等线 Light"/>
+        <a:font script="Hant" typeface="新細明體"/>
+        <a:font script="Arab" typeface="Times New Roman"/>
+        <a:font script="Hebr" typeface="Times New Roman"/>
+        <a:font script="Thai" typeface="Angsana New"/>
+        <a:font script="Ethi" typeface="Nyala"/>
+        <a:font script="Beng" typeface="Vrinda"/>
+        <a:font script="Gujr" typeface="Shruti"/>
+        <a:font script="Khmr" typeface="MoolBoran"/>
+        <a:font script="Knda" typeface="Tunga"/>
+        <a:font script="Guru" typeface="Raavi"/>
+        <a:font script="Cans" typeface="Euphemia"/>
+        <a:font script="Cher" typeface="Plantagenet Cherokee"/>
+        <a:font script="Yiii" typeface="Microsoft Yi Baiti"/>
+        <a:font script="Tibt" typeface="Microsoft Himalaya"/>
+        <a:font script="Thaa" typeface="MV Boli"/>
+        <a:font script="Deva" typeface="Mangal"/>
+        <a:font script="Telu" typeface="Gautami"/>
+        <a:font script="Taml" typeface="Latha"/>
+        <a:font script="Syrc" typeface="Estrangelo Edessa"/>
+        <a:font script="Orya" typeface="Kalinga"/>
+        <a:font script="Mlym" typeface="Kartika"/>
+        <a:font script="Laoo" typeface="DokChampa"/>
+        <a:font script="Sinh" typeface="Iskoola Pota"/>
+        <a:font script="Mong" typeface="Mongolian Baiti"/>
+        <a:font script="Viet" typeface="Times New Roman"/>
+        <a:font script="Uigh" typeface="Microsoft Uighur"/>
+        <a:font script="Geor" typeface="Sylfaen"/>
+        <a:font script="Armn" typeface="Arial"/>
+        <a:font script="Bugi" typeface="Leelawadee UI"/>
+        <a:font script="Bopo" typeface="Microsoft JhengHei"/>
+        <a:font script="Java" typeface="Javanese Text"/>
+        <a:font script="Lisu" typeface="Segoe UI"/>
+        <a:font script="Mymr" typeface="Myanmar Text"/>
+        <a:font script="Nkoo" typeface="Ebrima"/>
+        <a:font script="Olck" typeface="Nirmala UI"/>
+        <a:font script="Osma" typeface="Ebrima"/>
+        <a:font script="Phag" typeface="Phagspa"/>
+        <a:font script="Syrn" typeface="Estrangelo Edessa"/>
+        <a:font script="Syrj" typeface="Estrangelo Edessa"/>
+        <a:font script="Syre" typeface="Estrangelo Edessa"/>
+        <a:font script="Sora" typeface="Nirmala UI"/>
+        <a:font script="Tale" typeface="Microsoft Tai Le"/>
+        <a:font script="Talu" typeface="Microsoft New Tai Lue"/>
+        <a:font script="Tfng" typeface="Ebrima"/>
+      </a:majorFont>
+      <a:minorFont>
+        <a:latin typeface="Calibri" panose="020F0502020204030204"/>
+        <a:ea typeface=""/>
+        <a:cs typeface=""/>
+        <a:font script="Jpan" typeface="游ゴシック"/>
+        <a:font script="Hang" typeface="맑은 고딕"/>
+        <a:font script="Hans" typeface="等线"/>
+        <a:font script="Hant" typeface="新細明體"/>
+        <a:font script="Arab" typeface="Arial"/>
+        <a:font script="Hebr" typeface="Arial"/>
+        <a:font script="Thai" typeface="Cordia New"/>
+        <a:font script="Ethi" typeface="Nyala"/>
+        <a:font script="Beng" typeface="Vrinda"/>
+        <a:font script="Gujr" typeface="Shruti"/>
+        <a:font script="Khmr" typeface="DaunPenh"/>
+        <a:font script="Knda" typeface="Tunga"/>
+        <a:font script="Guru" typeface="Raavi"/>
+        <a:font script="Cans" typeface="Euphemia"/>
+        <a:font script="Cher" typeface="Plantagenet Cherokee"/>
+        <a:font script="Yiii" typeface="Microsoft Yi Baiti"/>
+        <a:font script="Tibt" typeface="Microsoft Himalaya"/>
+        <a:font script="Thaa" typeface="MV Boli"/>
+        <a:font script="Deva" typeface="Mangal"/>
+        <a:font script="Telu" typeface="Gautami"/>
+        <a:font script="Taml" typeface="Latha"/>
+        <a:font script="Syrc" typeface="Estrangelo Edessa"/>
+        <a:font script="Orya" typeface="Kalinga"/>
+        <a:font script="Mlym" typeface="Kartika"/>
+        <a:font script="Laoo" typeface="DokChampa"/>
+        <a:font script="Sinh" typeface="Iskoola Pota"/>
+        <a:font script="Mong" typeface="Mongolian Baiti"/>
+        <a:font script="Viet" typeface="Arial"/>
+        <a:font script="Uigh" typeface="Microsoft Uighur"/>
+        <a:font script="Geor" typeface="Sylfaen"/>
+        <a:font script="Armn" typeface="Arial"/>
+        <a:font script="Bugi" typeface="Leelawadee UI"/>
+        <a:font script="Bopo" typeface="Microsoft JhengHei"/>
+        <a:font script="Java" typeface="Javanese Text"/>
+        <a:font script="Lisu" typeface="Segoe UI"/>
+        <a:font script="Mymr" typeface="Myanmar Text"/>
+        <a:font script="Nkoo" typeface="Ebrima"/>
+        <a:font script="Olck" typeface="Nirmala UI"/>
+        <a:font script="Osma" typeface="Ebrima"/>
+        <a:font script="Phag" typeface="Phagspa"/>
+        <a:font script="Syrn" typeface="Estrangelo Edessa"/>
+        <a:font script="Syrj" typeface="Estrangelo Edessa"/>
+        <a:font script="Syre" typeface="Estrangelo Edessa"/>
+        <a:font script="Sora" typeface="Nirmala UI"/>
+        <a:font script="Tale" typeface="Microsoft Tai Le"/>
+        <a:font script="Talu" typeface="Microsoft New Tai Lue"/>
+        <a:font script="Tfng" typeface="Ebrima"/>
+      </a:minorFont>
+    </a:fontScheme>
+    <a:fmtScheme name="Office">
+      <a:fillStyleLst>
+        <a:solidFill>
+          <a:schemeClr val="phClr"/>
+        </a:solidFill>
+        <a:gradFill rotWithShape="1">
+          <a:gsLst>
+            <a:gs pos="0">
+              <a:schemeClr val="phClr">
+                <a:lumMod val="110000"/>
+                <a:satMod val="105000"/>
+                <a:tint val="67000"/>
+              </a:schemeClr>
+            </a:gs>
+            <a:gs pos="50000">
+              <a:schemeClr val="phClr">
+                <a:lumMod val="105000"/>
+                <a:satMod val="103000"/>
+                <a:tint val="73000"/>
+              </a:schemeClr>
+            </a:gs>
+            <a:gs pos="100000">
+              <a:schemeClr val="phClr">
+                <a:lumMod val="105000"/>
+                <a:satMod val="109000"/>
+                <a:tint val="81000"/>
+              </a:schemeClr>
+            </a:gs>
+          </a:gsLst>
+          <a:lin ang="5400000" scaled="0"/>
+        </a:gradFill>
+        <a:gradFill rotWithShape="1">
+          <a:gsLst>
+            <a:gs pos="0">
+              <a:schemeClr val="phClr">
+                <a:satMod val="103000"/>
+                <a:lumMod val="102000"/>
+                <a:tint val="94000"/>
+              </a:schemeClr>
+            </a:gs>
+            <a:gs pos="50000">
+              <a:schemeClr val="phClr">
+                <a:satMod val="110000"/>
+                <a:lumMod val="100000"/>
+                <a:shade val="100000"/>
+              </a:schemeClr>
+            </a:gs>
+            <a:gs pos="100000">
+              <a:schemeClr val="phClr">
+                <a:lumMod val="99000"/>
+                <a:satMod val="120000"/>
+                <a:shade val="78000"/>
+              </a:schemeClr>
+            </a:gs>
+          </a:gsLst>
+          <a:lin ang="5400000" scaled="0"/>
+        </a:gradFill>
+      </a:fillStyleLst>
+      <a:lnStyleLst>
+        <a:ln w="6350" cap="flat" cmpd="sng" algn="ctr">
+          <a:solidFill>
+            <a:schemeClr val="phClr"/>
+          </a:solidFill>
+          <a:prstDash val="solid"/>
+          <a:miter lim="800000"/>
+        </a:ln>
+        <a:ln w="12700" cap="flat" cmpd="sng" algn="ctr">
+          <a:solidFill>
+            <a:schemeClr val="phClr"/>
+          </a:solidFill>
+          <a:prstDash val="solid"/>
+          <a:miter lim="800000"/>
+        </a:ln>
+        <a:ln w="19050" cap="flat" cmpd="sng" algn="ctr">
+          <a:solidFill>
+            <a:schemeClr val="phClr"/>
+          </a:solidFill>
+          <a:prstDash val="solid"/>
+          <a:miter lim="800000"/>
+        </a:ln>
+      </a:lnStyleLst>
+      <a:effectStyleLst>
+        <a:effectStyle>
+          <a:effectLst/>
+        </a:effectStyle>
+        <a:effectStyle>
+          <a:effectLst/>
+        </a:effectStyle>
+        <a:effectStyle>
+          <a:effectLst>
+            <a:outerShdw blurRad="57150" dist="19050" dir="5400000" algn="ctr" rotWithShape="0">
+              <a:srgbClr val="000000">
+                <a:alpha val="63000"/>
+              </a:srgbClr>
+            </a:outerShdw>
+          </a:effectLst>
+        </a:effectStyle>
+      </a:effectStyleLst>
+      <a:bgFillStyleLst>
+        <a:solidFill>
+          <a:schemeClr val="phClr"/>
+        </a:solidFill>
+        <a:solidFill>
+          <a:schemeClr val="phClr">
+            <a:tint val="95000"/>
+            <a:satMod val="170000"/>
+          </a:schemeClr>
+        </a:solidFill>
+        <a:gradFill rotWithShape="1">
+          <a:gsLst>
+            <a:gs pos="0">
+              <a:schemeClr val="phClr">
+                <a:tint val="93000"/>
+                <a:satMod val="150000"/>
+                <a:shade val="98000"/>
+                <a:lumMod val="102000"/>
+              </a:schemeClr>
+            </a:gs>
+            <a:gs pos="50000">
+              <a:schemeClr val="phClr">
+                <a:tint val="98000"/>
+                <a:satMod val="130000"/>
+                <a:shade val="90000"/>
+                <a:lumMod val="103000"/>
+              </a:schemeClr>
+            </a:gs>
+            <a:gs pos="100000">
+              <a:schemeClr val="phClr">
+                <a:shade val="63000"/>
+                <a:satMod val="120000"/>
+              </a:schemeClr>
+            </a:gs>
+          </a:gsLst>
+          <a:lin ang="5400000" scaled="0"/>
+        </a:gradFill>
+      </a:bgFillStyleLst>
+    </a:fmtScheme>
+  </a:themeElements>
+  <a:objectDefaults/>
+  <a:extraClrSchemeLst/>
+  <a:extLst>
+    <a:ext uri="{05A4C25C-085E-4340-85A3-A5531E510DB2}">
+      <thm15:themeFamily xmlns:thm15="http://schemas.microsoft.com/office/thememl/2012/main" name="Office Theme" id="{62F939B6-93AF-4DB8-9C6B-D6C7DFDC589F}" vid="{4A3C46E8-61CC-4603-A589-7422A47A8E4A}"/>
+    </a:ext>
+  </a:extLst>
+</a:theme>
 </file>
--- a/Youtube_tutorial/Notes.pptx
+++ b/Youtube_tutorial/Notes.pptx
@@ -233,7 +233,7 @@
           <a:p>
             <a:fld id="{A45F1ED8-0ED6-4914-95CE-86D30A1B8810}" type="datetimeFigureOut">
               <a:rPr lang="en-US" smtClean="0"/>
-              <a:t>9/18/2021</a:t>
+              <a:t>9/25/2021</a:t>
             </a:fld>
             <a:endParaRPr lang="en-US"/>
           </a:p>
@@ -731,7 +731,7 @@
           <a:p>
             <a:fld id="{2B2593D1-B1B8-4118-AA01-962ACD022BA4}" type="datetimeFigureOut">
               <a:rPr lang="en-US" smtClean="0"/>
-              <a:t>9/18/2021</a:t>
+              <a:t>9/25/2021</a:t>
             </a:fld>
             <a:endParaRPr lang="en-US"/>
           </a:p>
@@ -929,7 +929,7 @@
           <a:p>
             <a:fld id="{2B2593D1-B1B8-4118-AA01-962ACD022BA4}" type="datetimeFigureOut">
               <a:rPr lang="en-US" smtClean="0"/>
-              <a:t>9/18/2021</a:t>
+              <a:t>9/25/2021</a:t>
             </a:fld>
             <a:endParaRPr lang="en-US"/>
           </a:p>
@@ -1137,7 +1137,7 @@
           <a:p>
             <a:fld id="{2B2593D1-B1B8-4118-AA01-962ACD022BA4}" type="datetimeFigureOut">
               <a:rPr lang="en-US" smtClean="0"/>
-              <a:t>9/18/2021</a:t>
+              <a:t>9/25/2021</a:t>
             </a:fld>
             <a:endParaRPr lang="en-US"/>
           </a:p>
@@ -1335,7 +1335,7 @@
           <a:p>
             <a:fld id="{2B2593D1-B1B8-4118-AA01-962ACD022BA4}" type="datetimeFigureOut">
               <a:rPr lang="en-US" smtClean="0"/>
-              <a:t>9/18/2021</a:t>
+              <a:t>9/25/2021</a:t>
             </a:fld>
             <a:endParaRPr lang="en-US"/>
           </a:p>
@@ -1610,7 +1610,7 @@
           <a:p>
             <a:fld id="{2B2593D1-B1B8-4118-AA01-962ACD022BA4}" type="datetimeFigureOut">
               <a:rPr lang="en-US" smtClean="0"/>
-              <a:t>9/18/2021</a:t>
+              <a:t>9/25/2021</a:t>
             </a:fld>
             <a:endParaRPr lang="en-US"/>
           </a:p>
@@ -1875,7 +1875,7 @@
           <a:p>
             <a:fld id="{2B2593D1-B1B8-4118-AA01-962ACD022BA4}" type="datetimeFigureOut">
               <a:rPr lang="en-US" smtClean="0"/>
-              <a:t>9/18/2021</a:t>
+              <a:t>9/25/2021</a:t>
             </a:fld>
             <a:endParaRPr lang="en-US"/>
           </a:p>
@@ -2287,7 +2287,7 @@
           <a:p>
             <a:fld id="{2B2593D1-B1B8-4118-AA01-962ACD022BA4}" type="datetimeFigureOut">
               <a:rPr lang="en-US" smtClean="0"/>
-              <a:t>9/18/2021</a:t>
+              <a:t>9/25/2021</a:t>
             </a:fld>
             <a:endParaRPr lang="en-US"/>
           </a:p>
@@ -2428,7 +2428,7 @@
           <a:p>
             <a:fld id="{2B2593D1-B1B8-4118-AA01-962ACD022BA4}" type="datetimeFigureOut">
               <a:rPr lang="en-US" smtClean="0"/>
-              <a:t>9/18/2021</a:t>
+              <a:t>9/25/2021</a:t>
             </a:fld>
             <a:endParaRPr lang="en-US"/>
           </a:p>
@@ -2541,7 +2541,7 @@
           <a:p>
             <a:fld id="{2B2593D1-B1B8-4118-AA01-962ACD022BA4}" type="datetimeFigureOut">
               <a:rPr lang="en-US" smtClean="0"/>
-              <a:t>9/18/2021</a:t>
+              <a:t>9/25/2021</a:t>
             </a:fld>
             <a:endParaRPr lang="en-US"/>
           </a:p>
@@ -2852,7 +2852,7 @@
           <a:p>
             <a:fld id="{2B2593D1-B1B8-4118-AA01-962ACD022BA4}" type="datetimeFigureOut">
               <a:rPr lang="en-US" smtClean="0"/>
-              <a:t>9/18/2021</a:t>
+              <a:t>9/25/2021</a:t>
             </a:fld>
             <a:endParaRPr lang="en-US"/>
           </a:p>
@@ -3140,7 +3140,7 @@
           <a:p>
             <a:fld id="{2B2593D1-B1B8-4118-AA01-962ACD022BA4}" type="datetimeFigureOut">
               <a:rPr lang="en-US" smtClean="0"/>
-              <a:t>9/18/2021</a:t>
+              <a:t>9/25/2021</a:t>
             </a:fld>
             <a:endParaRPr lang="en-US"/>
           </a:p>
@@ -3381,7 +3381,7 @@
           <a:p>
             <a:fld id="{2B2593D1-B1B8-4118-AA01-962ACD022BA4}" type="datetimeFigureOut">
               <a:rPr lang="en-US" smtClean="0"/>
-              <a:t>9/18/2021</a:t>
+              <a:t>9/25/2021</a:t>
             </a:fld>
             <a:endParaRPr lang="en-US"/>
           </a:p>
@@ -6114,6 +6114,57 @@
           </a:prstGeom>
         </p:spPr>
       </p:pic>
+      <p:sp>
+        <p:nvSpPr>
+          <p:cNvPr id="3" name="TextBox 2">
+            <a:extLst>
+              <a:ext uri="{FF2B5EF4-FFF2-40B4-BE49-F238E27FC236}">
+                <a16:creationId xmlns:a16="http://schemas.microsoft.com/office/drawing/2014/main" id="{5B34E5D6-E7AC-4459-9FAB-8DA9C2B07C2E}"/>
+              </a:ext>
+            </a:extLst>
+          </p:cNvPr>
+          <p:cNvSpPr txBox="1"/>
+          <p:nvPr/>
+        </p:nvSpPr>
+        <p:spPr>
+          <a:xfrm>
+            <a:off x="461818" y="5256645"/>
+            <a:ext cx="5634182" cy="923330"/>
+          </a:xfrm>
+          <a:prstGeom prst="rect">
+            <a:avLst/>
+          </a:prstGeom>
+          <a:noFill/>
+        </p:spPr>
+        <p:txBody>
+          <a:bodyPr wrap="square" rtlCol="0">
+            <a:spAutoFit/>
+          </a:bodyPr>
+          <a:lstStyle/>
+          <a:p>
+            <a:r>
+              <a:rPr lang="en-US" dirty="0"/>
+              <a:t>Child </a:t>
+            </a:r>
+            <a:r>
+              <a:rPr lang="en-US"/>
+              <a:t>class method override </a:t>
+            </a:r>
+            <a:r>
+              <a:rPr lang="en-US" dirty="0"/>
+              <a:t>the </a:t>
+            </a:r>
+            <a:r>
+              <a:rPr lang="en-US"/>
+              <a:t>parent class method </a:t>
+            </a:r>
+            <a:r>
+              <a:rPr lang="en-US" dirty="0"/>
+              <a:t>but for whatever reason, we want to invoke the parent class method</a:t>
+            </a:r>
+          </a:p>
+        </p:txBody>
+      </p:sp>
     </p:spTree>
     <p:extLst>
       <p:ext uri="{BB962C8B-B14F-4D97-AF65-F5344CB8AC3E}">
@@ -6522,7 +6573,7 @@
         <p:spPr>
           <a:xfrm>
             <a:off x="7171980" y="1910113"/>
-            <a:ext cx="4282611" cy="2585323"/>
+            <a:ext cx="4282611" cy="4247317"/>
           </a:xfrm>
           <a:prstGeom prst="rect">
             <a:avLst/>
@@ -6540,7 +6591,27 @@
             </a:pPr>
             <a:r>
               <a:rPr lang="en-US" dirty="0"/>
-              <a:t>If method in class is abstract, class also needs to be abstract (e.g. mammal)</a:t>
+              <a:t>If method in class is abstract, class also needs to be abstract (e.g. mammal is something abstract, we can create the class as </a:t>
+            </a:r>
+            <a:r>
+              <a:rPr lang="en-US"/>
+              <a:t>abstract class)</a:t>
+            </a:r>
+            <a:endParaRPr lang="en-US" dirty="0"/>
+          </a:p>
+          <a:p>
+            <a:pPr marL="342900" indent="-342900">
+              <a:buAutoNum type="arabicParenR"/>
+            </a:pPr>
+            <a:endParaRPr lang="en-US" dirty="0"/>
+          </a:p>
+          <a:p>
+            <a:pPr marL="342900" indent="-342900">
+              <a:buAutoNum type="arabicParenR"/>
+            </a:pPr>
+            <a:r>
+              <a:rPr lang="en-US" dirty="0"/>
+              <a:t>We can not instantize an abstract class unless we create a child class which extent the parent abstract class</a:t>
             </a:r>
           </a:p>
           <a:p>
